--- a/Grafosppt.pptx
+++ b/Grafosppt.pptx
@@ -9,16 +9,18 @@
     <p:sldId id="259" r:id="rId3"/>
     <p:sldId id="260" r:id="rId4"/>
     <p:sldId id="262" r:id="rId5"/>
-    <p:sldId id="263" r:id="rId6"/>
-    <p:sldId id="264" r:id="rId7"/>
-    <p:sldId id="266" r:id="rId8"/>
-    <p:sldId id="276" r:id="rId9"/>
-    <p:sldId id="277" r:id="rId10"/>
-    <p:sldId id="269" r:id="rId11"/>
-    <p:sldId id="270" r:id="rId12"/>
-    <p:sldId id="271" r:id="rId13"/>
-    <p:sldId id="274" r:id="rId14"/>
-    <p:sldId id="275" r:id="rId15"/>
+    <p:sldId id="278" r:id="rId6"/>
+    <p:sldId id="279" r:id="rId7"/>
+    <p:sldId id="263" r:id="rId8"/>
+    <p:sldId id="264" r:id="rId9"/>
+    <p:sldId id="266" r:id="rId10"/>
+    <p:sldId id="276" r:id="rId11"/>
+    <p:sldId id="277" r:id="rId12"/>
+    <p:sldId id="269" r:id="rId13"/>
+    <p:sldId id="270" r:id="rId14"/>
+    <p:sldId id="271" r:id="rId15"/>
+    <p:sldId id="274" r:id="rId16"/>
+    <p:sldId id="275" r:id="rId17"/>
   </p:sldIdLst>
   <p:sldSz cx="12192000" cy="6858000"/>
   <p:notesSz cx="6858000" cy="9144000"/>
@@ -274,7 +276,7 @@
           <a:p>
             <a:fld id="{44FE7822-D642-2C4E-ACB6-FF42C4938972}" type="datetimeFigureOut">
               <a:rPr lang="en-PT" smtClean="0"/>
-              <a:t>30/01/2022</a:t>
+              <a:t>01/30/2022</a:t>
             </a:fld>
             <a:endParaRPr lang="en-PT"/>
           </a:p>
@@ -474,7 +476,7 @@
           <a:p>
             <a:fld id="{44FE7822-D642-2C4E-ACB6-FF42C4938972}" type="datetimeFigureOut">
               <a:rPr lang="en-PT" smtClean="0"/>
-              <a:t>30/01/2022</a:t>
+              <a:t>01/30/2022</a:t>
             </a:fld>
             <a:endParaRPr lang="en-PT"/>
           </a:p>
@@ -684,7 +686,7 @@
           <a:p>
             <a:fld id="{44FE7822-D642-2C4E-ACB6-FF42C4938972}" type="datetimeFigureOut">
               <a:rPr lang="en-PT" smtClean="0"/>
-              <a:t>30/01/2022</a:t>
+              <a:t>01/30/2022</a:t>
             </a:fld>
             <a:endParaRPr lang="en-PT"/>
           </a:p>
@@ -884,7 +886,7 @@
           <a:p>
             <a:fld id="{44FE7822-D642-2C4E-ACB6-FF42C4938972}" type="datetimeFigureOut">
               <a:rPr lang="en-PT" smtClean="0"/>
-              <a:t>30/01/2022</a:t>
+              <a:t>01/30/2022</a:t>
             </a:fld>
             <a:endParaRPr lang="en-PT"/>
           </a:p>
@@ -1160,7 +1162,7 @@
           <a:p>
             <a:fld id="{44FE7822-D642-2C4E-ACB6-FF42C4938972}" type="datetimeFigureOut">
               <a:rPr lang="en-PT" smtClean="0"/>
-              <a:t>30/01/2022</a:t>
+              <a:t>01/30/2022</a:t>
             </a:fld>
             <a:endParaRPr lang="en-PT"/>
           </a:p>
@@ -1428,7 +1430,7 @@
           <a:p>
             <a:fld id="{44FE7822-D642-2C4E-ACB6-FF42C4938972}" type="datetimeFigureOut">
               <a:rPr lang="en-PT" smtClean="0"/>
-              <a:t>30/01/2022</a:t>
+              <a:t>01/30/2022</a:t>
             </a:fld>
             <a:endParaRPr lang="en-PT"/>
           </a:p>
@@ -1843,7 +1845,7 @@
           <a:p>
             <a:fld id="{44FE7822-D642-2C4E-ACB6-FF42C4938972}" type="datetimeFigureOut">
               <a:rPr lang="en-PT" smtClean="0"/>
-              <a:t>30/01/2022</a:t>
+              <a:t>01/30/2022</a:t>
             </a:fld>
             <a:endParaRPr lang="en-PT"/>
           </a:p>
@@ -1985,7 +1987,7 @@
           <a:p>
             <a:fld id="{44FE7822-D642-2C4E-ACB6-FF42C4938972}" type="datetimeFigureOut">
               <a:rPr lang="en-PT" smtClean="0"/>
-              <a:t>30/01/2022</a:t>
+              <a:t>01/30/2022</a:t>
             </a:fld>
             <a:endParaRPr lang="en-PT"/>
           </a:p>
@@ -2098,7 +2100,7 @@
           <a:p>
             <a:fld id="{44FE7822-D642-2C4E-ACB6-FF42C4938972}" type="datetimeFigureOut">
               <a:rPr lang="en-PT" smtClean="0"/>
-              <a:t>30/01/2022</a:t>
+              <a:t>01/30/2022</a:t>
             </a:fld>
             <a:endParaRPr lang="en-PT"/>
           </a:p>
@@ -2411,7 +2413,7 @@
           <a:p>
             <a:fld id="{44FE7822-D642-2C4E-ACB6-FF42C4938972}" type="datetimeFigureOut">
               <a:rPr lang="en-PT" smtClean="0"/>
-              <a:t>30/01/2022</a:t>
+              <a:t>01/30/2022</a:t>
             </a:fld>
             <a:endParaRPr lang="en-PT"/>
           </a:p>
@@ -2700,7 +2702,7 @@
           <a:p>
             <a:fld id="{44FE7822-D642-2C4E-ACB6-FF42C4938972}" type="datetimeFigureOut">
               <a:rPr lang="en-PT" smtClean="0"/>
-              <a:t>30/01/2022</a:t>
+              <a:t>01/30/2022</a:t>
             </a:fld>
             <a:endParaRPr lang="en-PT"/>
           </a:p>
@@ -2943,7 +2945,7 @@
           <a:p>
             <a:fld id="{44FE7822-D642-2C4E-ACB6-FF42C4938972}" type="datetimeFigureOut">
               <a:rPr lang="en-PT" smtClean="0"/>
-              <a:t>30/01/2022</a:t>
+              <a:t>01/30/2022</a:t>
             </a:fld>
             <a:endParaRPr lang="en-PT"/>
           </a:p>
@@ -4960,6 +4962,3252 @@
         </p:nvSpPr>
         <p:spPr>
           <a:xfrm>
+            <a:off x="1251677" y="662399"/>
+            <a:ext cx="9164075" cy="1494000"/>
+          </a:xfrm>
+        </p:spPr>
+        <p:txBody>
+          <a:bodyPr vert="horz" lIns="91440" tIns="45720" rIns="91440" bIns="45720" rtlCol="0" anchor="t">
+            <a:normAutofit/>
+          </a:bodyPr>
+          <a:lstStyle/>
+          <a:p>
+            <a:pPr algn="l"/>
+            <a:r>
+              <a:rPr lang="en-US" sz="4400" kern="1200" dirty="0" err="1">
+                <a:solidFill>
+                  <a:schemeClr val="tx1"/>
+                </a:solidFill>
+                <a:latin typeface="+mj-lt"/>
+                <a:ea typeface="+mj-ea"/>
+                <a:cs typeface="+mj-cs"/>
+              </a:rPr>
+              <a:t>Funcionalidades</a:t>
+            </a:r>
+            <a:r>
+              <a:rPr lang="en-US" sz="4400" kern="1200" dirty="0">
+                <a:solidFill>
+                  <a:schemeClr val="tx1"/>
+                </a:solidFill>
+                <a:latin typeface="+mj-lt"/>
+                <a:ea typeface="+mj-ea"/>
+                <a:cs typeface="+mj-cs"/>
+              </a:rPr>
+              <a:t> – </a:t>
+            </a:r>
+            <a:r>
+              <a:rPr lang="en-US" sz="4400" dirty="0" err="1"/>
+              <a:t>caminho</a:t>
+            </a:r>
+            <a:r>
+              <a:rPr lang="en-US" sz="4400" dirty="0"/>
+              <a:t> </a:t>
+            </a:r>
+            <a:r>
+              <a:rPr lang="en-US" sz="4400" dirty="0" err="1"/>
+              <a:t>mais</a:t>
+            </a:r>
+            <a:r>
+              <a:rPr lang="en-US" sz="4400" dirty="0"/>
+              <a:t> </a:t>
+            </a:r>
+            <a:r>
+              <a:rPr lang="en-US" sz="4400" dirty="0" err="1"/>
+              <a:t>barato</a:t>
+            </a:r>
+            <a:endParaRPr lang="en-US" sz="4400" kern="1200" dirty="0">
+              <a:solidFill>
+                <a:schemeClr val="tx1"/>
+              </a:solidFill>
+              <a:latin typeface="+mj-lt"/>
+              <a:ea typeface="+mj-ea"/>
+              <a:cs typeface="+mj-cs"/>
+            </a:endParaRPr>
+          </a:p>
+        </p:txBody>
+      </p:sp>
+      <p:grpSp>
+        <p:nvGrpSpPr>
+          <p:cNvPr id="74" name="Group 73">
+            <a:extLst>
+              <a:ext uri="{FF2B5EF4-FFF2-40B4-BE49-F238E27FC236}">
+                <a16:creationId xmlns:a16="http://schemas.microsoft.com/office/drawing/2014/main" id="{0075437B-93A1-4A73-812B-C5030CC2FFCD}"/>
+              </a:ext>
+              <a:ext uri="{C183D7F6-B498-43B3-948B-1728B52AA6E4}">
+                <adec:decorative xmlns:adec="http://schemas.microsoft.com/office/drawing/2017/decorative" val="1"/>
+              </a:ext>
+            </a:extLst>
+          </p:cNvPr>
+          <p:cNvGrpSpPr>
+            <a:grpSpLocks noGrp="1" noUngrp="1" noRot="1" noChangeAspect="1" noMove="1" noResize="1"/>
+          </p:cNvGrpSpPr>
+          <p:nvPr>
+            <p:extLst>
+              <p:ext uri="{386F3935-93C4-4BCD-93E2-E3B085C9AB24}">
+                <p16:designElem xmlns:p16="http://schemas.microsoft.com/office/powerpoint/2015/main" val="1"/>
+              </p:ext>
+            </p:extLst>
+          </p:nvPr>
+        </p:nvGrpSpPr>
+        <p:grpSpPr>
+          <a:xfrm>
+            <a:off x="0" y="0"/>
+            <a:ext cx="885825" cy="6858000"/>
+            <a:chOff x="0" y="0"/>
+            <a:chExt cx="885825" cy="6858000"/>
+          </a:xfrm>
+        </p:grpSpPr>
+        <p:sp>
+          <p:nvSpPr>
+            <p:cNvPr id="75" name="Freeform 6">
+              <a:extLst>
+                <a:ext uri="{FF2B5EF4-FFF2-40B4-BE49-F238E27FC236}">
+                  <a16:creationId xmlns:a16="http://schemas.microsoft.com/office/drawing/2014/main" id="{BB8505BE-2298-4E13-A7FB-2D05006DF6BF}"/>
+                </a:ext>
+                <a:ext uri="{C183D7F6-B498-43B3-948B-1728B52AA6E4}">
+                  <adec:decorative xmlns:adec="http://schemas.microsoft.com/office/drawing/2017/decorative" val="1"/>
+                </a:ext>
+              </a:extLst>
+            </p:cNvPr>
+            <p:cNvSpPr/>
+            <p:nvPr>
+              <p:extLst>
+                <p:ext uri="{386F3935-93C4-4BCD-93E2-E3B085C9AB24}">
+                  <p16:designElem xmlns:p16="http://schemas.microsoft.com/office/powerpoint/2015/main" val="1"/>
+                </p:ext>
+              </p:extLst>
+            </p:nvPr>
+          </p:nvSpPr>
+          <p:spPr bwMode="auto">
+            <a:xfrm>
+              <a:off x="0" y="0"/>
+              <a:ext cx="885825" cy="6858000"/>
+            </a:xfrm>
+            <a:custGeom>
+              <a:avLst/>
+              <a:gdLst/>
+              <a:ahLst/>
+              <a:cxnLst/>
+              <a:rect l="0" t="0" r="r" b="b"/>
+              <a:pathLst>
+                <a:path w="558" h="4320">
+                  <a:moveTo>
+                    <a:pt x="0" y="0"/>
+                  </a:moveTo>
+                  <a:lnTo>
+                    <a:pt x="447" y="0"/>
+                  </a:lnTo>
+                  <a:lnTo>
+                    <a:pt x="448" y="43"/>
+                  </a:lnTo>
+                  <a:lnTo>
+                    <a:pt x="453" y="81"/>
+                  </a:lnTo>
+                  <a:lnTo>
+                    <a:pt x="460" y="114"/>
+                  </a:lnTo>
+                  <a:lnTo>
+                    <a:pt x="469" y="143"/>
+                  </a:lnTo>
+                  <a:lnTo>
+                    <a:pt x="479" y="169"/>
+                  </a:lnTo>
+                  <a:lnTo>
+                    <a:pt x="491" y="192"/>
+                  </a:lnTo>
+                  <a:lnTo>
+                    <a:pt x="503" y="216"/>
+                  </a:lnTo>
+                  <a:lnTo>
+                    <a:pt x="515" y="240"/>
+                  </a:lnTo>
+                  <a:lnTo>
+                    <a:pt x="525" y="263"/>
+                  </a:lnTo>
+                  <a:lnTo>
+                    <a:pt x="535" y="289"/>
+                  </a:lnTo>
+                  <a:lnTo>
+                    <a:pt x="545" y="318"/>
+                  </a:lnTo>
+                  <a:lnTo>
+                    <a:pt x="552" y="351"/>
+                  </a:lnTo>
+                  <a:lnTo>
+                    <a:pt x="556" y="389"/>
+                  </a:lnTo>
+                  <a:lnTo>
+                    <a:pt x="558" y="432"/>
+                  </a:lnTo>
+                  <a:lnTo>
+                    <a:pt x="556" y="475"/>
+                  </a:lnTo>
+                  <a:lnTo>
+                    <a:pt x="552" y="513"/>
+                  </a:lnTo>
+                  <a:lnTo>
+                    <a:pt x="545" y="546"/>
+                  </a:lnTo>
+                  <a:lnTo>
+                    <a:pt x="535" y="575"/>
+                  </a:lnTo>
+                  <a:lnTo>
+                    <a:pt x="525" y="601"/>
+                  </a:lnTo>
+                  <a:lnTo>
+                    <a:pt x="515" y="624"/>
+                  </a:lnTo>
+                  <a:lnTo>
+                    <a:pt x="503" y="648"/>
+                  </a:lnTo>
+                  <a:lnTo>
+                    <a:pt x="491" y="672"/>
+                  </a:lnTo>
+                  <a:lnTo>
+                    <a:pt x="479" y="695"/>
+                  </a:lnTo>
+                  <a:lnTo>
+                    <a:pt x="469" y="721"/>
+                  </a:lnTo>
+                  <a:lnTo>
+                    <a:pt x="460" y="750"/>
+                  </a:lnTo>
+                  <a:lnTo>
+                    <a:pt x="453" y="783"/>
+                  </a:lnTo>
+                  <a:lnTo>
+                    <a:pt x="448" y="821"/>
+                  </a:lnTo>
+                  <a:lnTo>
+                    <a:pt x="447" y="864"/>
+                  </a:lnTo>
+                  <a:lnTo>
+                    <a:pt x="448" y="907"/>
+                  </a:lnTo>
+                  <a:lnTo>
+                    <a:pt x="453" y="945"/>
+                  </a:lnTo>
+                  <a:lnTo>
+                    <a:pt x="460" y="978"/>
+                  </a:lnTo>
+                  <a:lnTo>
+                    <a:pt x="469" y="1007"/>
+                  </a:lnTo>
+                  <a:lnTo>
+                    <a:pt x="479" y="1033"/>
+                  </a:lnTo>
+                  <a:lnTo>
+                    <a:pt x="491" y="1056"/>
+                  </a:lnTo>
+                  <a:lnTo>
+                    <a:pt x="503" y="1080"/>
+                  </a:lnTo>
+                  <a:lnTo>
+                    <a:pt x="515" y="1104"/>
+                  </a:lnTo>
+                  <a:lnTo>
+                    <a:pt x="525" y="1127"/>
+                  </a:lnTo>
+                  <a:lnTo>
+                    <a:pt x="535" y="1153"/>
+                  </a:lnTo>
+                  <a:lnTo>
+                    <a:pt x="545" y="1182"/>
+                  </a:lnTo>
+                  <a:lnTo>
+                    <a:pt x="552" y="1215"/>
+                  </a:lnTo>
+                  <a:lnTo>
+                    <a:pt x="556" y="1253"/>
+                  </a:lnTo>
+                  <a:lnTo>
+                    <a:pt x="558" y="1296"/>
+                  </a:lnTo>
+                  <a:lnTo>
+                    <a:pt x="556" y="1339"/>
+                  </a:lnTo>
+                  <a:lnTo>
+                    <a:pt x="552" y="1377"/>
+                  </a:lnTo>
+                  <a:lnTo>
+                    <a:pt x="545" y="1410"/>
+                  </a:lnTo>
+                  <a:lnTo>
+                    <a:pt x="535" y="1439"/>
+                  </a:lnTo>
+                  <a:lnTo>
+                    <a:pt x="525" y="1465"/>
+                  </a:lnTo>
+                  <a:lnTo>
+                    <a:pt x="515" y="1488"/>
+                  </a:lnTo>
+                  <a:lnTo>
+                    <a:pt x="503" y="1512"/>
+                  </a:lnTo>
+                  <a:lnTo>
+                    <a:pt x="491" y="1536"/>
+                  </a:lnTo>
+                  <a:lnTo>
+                    <a:pt x="479" y="1559"/>
+                  </a:lnTo>
+                  <a:lnTo>
+                    <a:pt x="469" y="1585"/>
+                  </a:lnTo>
+                  <a:lnTo>
+                    <a:pt x="460" y="1614"/>
+                  </a:lnTo>
+                  <a:lnTo>
+                    <a:pt x="453" y="1647"/>
+                  </a:lnTo>
+                  <a:lnTo>
+                    <a:pt x="448" y="1685"/>
+                  </a:lnTo>
+                  <a:lnTo>
+                    <a:pt x="447" y="1728"/>
+                  </a:lnTo>
+                  <a:lnTo>
+                    <a:pt x="448" y="1771"/>
+                  </a:lnTo>
+                  <a:lnTo>
+                    <a:pt x="453" y="1809"/>
+                  </a:lnTo>
+                  <a:lnTo>
+                    <a:pt x="460" y="1842"/>
+                  </a:lnTo>
+                  <a:lnTo>
+                    <a:pt x="469" y="1871"/>
+                  </a:lnTo>
+                  <a:lnTo>
+                    <a:pt x="479" y="1897"/>
+                  </a:lnTo>
+                  <a:lnTo>
+                    <a:pt x="491" y="1920"/>
+                  </a:lnTo>
+                  <a:lnTo>
+                    <a:pt x="503" y="1944"/>
+                  </a:lnTo>
+                  <a:lnTo>
+                    <a:pt x="515" y="1968"/>
+                  </a:lnTo>
+                  <a:lnTo>
+                    <a:pt x="525" y="1991"/>
+                  </a:lnTo>
+                  <a:lnTo>
+                    <a:pt x="535" y="2017"/>
+                  </a:lnTo>
+                  <a:lnTo>
+                    <a:pt x="545" y="2046"/>
+                  </a:lnTo>
+                  <a:lnTo>
+                    <a:pt x="552" y="2079"/>
+                  </a:lnTo>
+                  <a:lnTo>
+                    <a:pt x="556" y="2117"/>
+                  </a:lnTo>
+                  <a:lnTo>
+                    <a:pt x="558" y="2159"/>
+                  </a:lnTo>
+                  <a:lnTo>
+                    <a:pt x="556" y="2203"/>
+                  </a:lnTo>
+                  <a:lnTo>
+                    <a:pt x="552" y="2241"/>
+                  </a:lnTo>
+                  <a:lnTo>
+                    <a:pt x="545" y="2274"/>
+                  </a:lnTo>
+                  <a:lnTo>
+                    <a:pt x="535" y="2303"/>
+                  </a:lnTo>
+                  <a:lnTo>
+                    <a:pt x="525" y="2329"/>
+                  </a:lnTo>
+                  <a:lnTo>
+                    <a:pt x="515" y="2352"/>
+                  </a:lnTo>
+                  <a:lnTo>
+                    <a:pt x="503" y="2376"/>
+                  </a:lnTo>
+                  <a:lnTo>
+                    <a:pt x="491" y="2400"/>
+                  </a:lnTo>
+                  <a:lnTo>
+                    <a:pt x="479" y="2423"/>
+                  </a:lnTo>
+                  <a:lnTo>
+                    <a:pt x="469" y="2449"/>
+                  </a:lnTo>
+                  <a:lnTo>
+                    <a:pt x="460" y="2478"/>
+                  </a:lnTo>
+                  <a:lnTo>
+                    <a:pt x="453" y="2511"/>
+                  </a:lnTo>
+                  <a:lnTo>
+                    <a:pt x="448" y="2549"/>
+                  </a:lnTo>
+                  <a:lnTo>
+                    <a:pt x="447" y="2592"/>
+                  </a:lnTo>
+                  <a:lnTo>
+                    <a:pt x="448" y="2635"/>
+                  </a:lnTo>
+                  <a:lnTo>
+                    <a:pt x="453" y="2673"/>
+                  </a:lnTo>
+                  <a:lnTo>
+                    <a:pt x="460" y="2706"/>
+                  </a:lnTo>
+                  <a:lnTo>
+                    <a:pt x="469" y="2735"/>
+                  </a:lnTo>
+                  <a:lnTo>
+                    <a:pt x="479" y="2761"/>
+                  </a:lnTo>
+                  <a:lnTo>
+                    <a:pt x="491" y="2784"/>
+                  </a:lnTo>
+                  <a:lnTo>
+                    <a:pt x="515" y="2832"/>
+                  </a:lnTo>
+                  <a:lnTo>
+                    <a:pt x="525" y="2855"/>
+                  </a:lnTo>
+                  <a:lnTo>
+                    <a:pt x="535" y="2881"/>
+                  </a:lnTo>
+                  <a:lnTo>
+                    <a:pt x="545" y="2910"/>
+                  </a:lnTo>
+                  <a:lnTo>
+                    <a:pt x="552" y="2943"/>
+                  </a:lnTo>
+                  <a:lnTo>
+                    <a:pt x="556" y="2981"/>
+                  </a:lnTo>
+                  <a:lnTo>
+                    <a:pt x="558" y="3024"/>
+                  </a:lnTo>
+                  <a:lnTo>
+                    <a:pt x="556" y="3067"/>
+                  </a:lnTo>
+                  <a:lnTo>
+                    <a:pt x="552" y="3105"/>
+                  </a:lnTo>
+                  <a:lnTo>
+                    <a:pt x="545" y="3138"/>
+                  </a:lnTo>
+                  <a:lnTo>
+                    <a:pt x="535" y="3167"/>
+                  </a:lnTo>
+                  <a:lnTo>
+                    <a:pt x="525" y="3193"/>
+                  </a:lnTo>
+                  <a:lnTo>
+                    <a:pt x="515" y="3216"/>
+                  </a:lnTo>
+                  <a:lnTo>
+                    <a:pt x="503" y="3240"/>
+                  </a:lnTo>
+                  <a:lnTo>
+                    <a:pt x="491" y="3264"/>
+                  </a:lnTo>
+                  <a:lnTo>
+                    <a:pt x="479" y="3287"/>
+                  </a:lnTo>
+                  <a:lnTo>
+                    <a:pt x="469" y="3313"/>
+                  </a:lnTo>
+                  <a:lnTo>
+                    <a:pt x="460" y="3342"/>
+                  </a:lnTo>
+                  <a:lnTo>
+                    <a:pt x="453" y="3375"/>
+                  </a:lnTo>
+                  <a:lnTo>
+                    <a:pt x="448" y="3413"/>
+                  </a:lnTo>
+                  <a:lnTo>
+                    <a:pt x="447" y="3456"/>
+                  </a:lnTo>
+                  <a:lnTo>
+                    <a:pt x="448" y="3499"/>
+                  </a:lnTo>
+                  <a:lnTo>
+                    <a:pt x="453" y="3537"/>
+                  </a:lnTo>
+                  <a:lnTo>
+                    <a:pt x="460" y="3570"/>
+                  </a:lnTo>
+                  <a:lnTo>
+                    <a:pt x="469" y="3599"/>
+                  </a:lnTo>
+                  <a:lnTo>
+                    <a:pt x="479" y="3625"/>
+                  </a:lnTo>
+                  <a:lnTo>
+                    <a:pt x="491" y="3648"/>
+                  </a:lnTo>
+                  <a:lnTo>
+                    <a:pt x="503" y="3672"/>
+                  </a:lnTo>
+                  <a:lnTo>
+                    <a:pt x="515" y="3696"/>
+                  </a:lnTo>
+                  <a:lnTo>
+                    <a:pt x="525" y="3719"/>
+                  </a:lnTo>
+                  <a:lnTo>
+                    <a:pt x="535" y="3745"/>
+                  </a:lnTo>
+                  <a:lnTo>
+                    <a:pt x="545" y="3774"/>
+                  </a:lnTo>
+                  <a:lnTo>
+                    <a:pt x="552" y="3807"/>
+                  </a:lnTo>
+                  <a:lnTo>
+                    <a:pt x="556" y="3845"/>
+                  </a:lnTo>
+                  <a:lnTo>
+                    <a:pt x="558" y="3888"/>
+                  </a:lnTo>
+                  <a:lnTo>
+                    <a:pt x="556" y="3931"/>
+                  </a:lnTo>
+                  <a:lnTo>
+                    <a:pt x="552" y="3969"/>
+                  </a:lnTo>
+                  <a:lnTo>
+                    <a:pt x="545" y="4002"/>
+                  </a:lnTo>
+                  <a:lnTo>
+                    <a:pt x="535" y="4031"/>
+                  </a:lnTo>
+                  <a:lnTo>
+                    <a:pt x="525" y="4057"/>
+                  </a:lnTo>
+                  <a:lnTo>
+                    <a:pt x="515" y="4080"/>
+                  </a:lnTo>
+                  <a:lnTo>
+                    <a:pt x="503" y="4104"/>
+                  </a:lnTo>
+                  <a:lnTo>
+                    <a:pt x="491" y="4128"/>
+                  </a:lnTo>
+                  <a:lnTo>
+                    <a:pt x="479" y="4151"/>
+                  </a:lnTo>
+                  <a:lnTo>
+                    <a:pt x="469" y="4177"/>
+                  </a:lnTo>
+                  <a:lnTo>
+                    <a:pt x="460" y="4206"/>
+                  </a:lnTo>
+                  <a:lnTo>
+                    <a:pt x="453" y="4239"/>
+                  </a:lnTo>
+                  <a:lnTo>
+                    <a:pt x="448" y="4277"/>
+                  </a:lnTo>
+                  <a:lnTo>
+                    <a:pt x="447" y="4320"/>
+                  </a:lnTo>
+                  <a:lnTo>
+                    <a:pt x="0" y="4320"/>
+                  </a:lnTo>
+                  <a:lnTo>
+                    <a:pt x="0" y="0"/>
+                  </a:lnTo>
+                  <a:close/>
+                </a:path>
+              </a:pathLst>
+            </a:custGeom>
+            <a:solidFill>
+              <a:srgbClr val="FFFFFF"/>
+            </a:solidFill>
+            <a:ln w="0">
+              <a:noFill/>
+              <a:prstDash val="solid"/>
+              <a:round/>
+              <a:headEnd/>
+              <a:tailEnd/>
+            </a:ln>
+          </p:spPr>
+        </p:sp>
+        <p:sp>
+          <p:nvSpPr>
+            <p:cNvPr id="76" name="Freeform 6">
+              <a:extLst>
+                <a:ext uri="{FF2B5EF4-FFF2-40B4-BE49-F238E27FC236}">
+                  <a16:creationId xmlns:a16="http://schemas.microsoft.com/office/drawing/2014/main" id="{6751C2C2-B295-4CDA-9112-A35D684DCB55}"/>
+                </a:ext>
+                <a:ext uri="{C183D7F6-B498-43B3-948B-1728B52AA6E4}">
+                  <adec:decorative xmlns:adec="http://schemas.microsoft.com/office/drawing/2017/decorative" val="1"/>
+                </a:ext>
+              </a:extLst>
+            </p:cNvPr>
+            <p:cNvSpPr/>
+            <p:nvPr>
+              <p:extLst>
+                <p:ext uri="{386F3935-93C4-4BCD-93E2-E3B085C9AB24}">
+                  <p16:designElem xmlns:p16="http://schemas.microsoft.com/office/powerpoint/2015/main" val="1"/>
+                </p:ext>
+              </p:extLst>
+            </p:nvPr>
+          </p:nvSpPr>
+          <p:spPr bwMode="auto">
+            <a:xfrm>
+              <a:off x="0" y="0"/>
+              <a:ext cx="885825" cy="6858000"/>
+            </a:xfrm>
+            <a:custGeom>
+              <a:avLst/>
+              <a:gdLst/>
+              <a:ahLst/>
+              <a:cxnLst/>
+              <a:rect l="0" t="0" r="r" b="b"/>
+              <a:pathLst>
+                <a:path w="558" h="4320">
+                  <a:moveTo>
+                    <a:pt x="0" y="0"/>
+                  </a:moveTo>
+                  <a:lnTo>
+                    <a:pt x="447" y="0"/>
+                  </a:lnTo>
+                  <a:lnTo>
+                    <a:pt x="448" y="43"/>
+                  </a:lnTo>
+                  <a:lnTo>
+                    <a:pt x="453" y="81"/>
+                  </a:lnTo>
+                  <a:lnTo>
+                    <a:pt x="460" y="114"/>
+                  </a:lnTo>
+                  <a:lnTo>
+                    <a:pt x="469" y="143"/>
+                  </a:lnTo>
+                  <a:lnTo>
+                    <a:pt x="479" y="169"/>
+                  </a:lnTo>
+                  <a:lnTo>
+                    <a:pt x="491" y="192"/>
+                  </a:lnTo>
+                  <a:lnTo>
+                    <a:pt x="503" y="216"/>
+                  </a:lnTo>
+                  <a:lnTo>
+                    <a:pt x="515" y="240"/>
+                  </a:lnTo>
+                  <a:lnTo>
+                    <a:pt x="525" y="263"/>
+                  </a:lnTo>
+                  <a:lnTo>
+                    <a:pt x="535" y="289"/>
+                  </a:lnTo>
+                  <a:lnTo>
+                    <a:pt x="545" y="318"/>
+                  </a:lnTo>
+                  <a:lnTo>
+                    <a:pt x="552" y="351"/>
+                  </a:lnTo>
+                  <a:lnTo>
+                    <a:pt x="556" y="389"/>
+                  </a:lnTo>
+                  <a:lnTo>
+                    <a:pt x="558" y="432"/>
+                  </a:lnTo>
+                  <a:lnTo>
+                    <a:pt x="556" y="475"/>
+                  </a:lnTo>
+                  <a:lnTo>
+                    <a:pt x="552" y="513"/>
+                  </a:lnTo>
+                  <a:lnTo>
+                    <a:pt x="545" y="546"/>
+                  </a:lnTo>
+                  <a:lnTo>
+                    <a:pt x="535" y="575"/>
+                  </a:lnTo>
+                  <a:lnTo>
+                    <a:pt x="525" y="601"/>
+                  </a:lnTo>
+                  <a:lnTo>
+                    <a:pt x="515" y="624"/>
+                  </a:lnTo>
+                  <a:lnTo>
+                    <a:pt x="503" y="648"/>
+                  </a:lnTo>
+                  <a:lnTo>
+                    <a:pt x="491" y="672"/>
+                  </a:lnTo>
+                  <a:lnTo>
+                    <a:pt x="479" y="695"/>
+                  </a:lnTo>
+                  <a:lnTo>
+                    <a:pt x="469" y="721"/>
+                  </a:lnTo>
+                  <a:lnTo>
+                    <a:pt x="460" y="750"/>
+                  </a:lnTo>
+                  <a:lnTo>
+                    <a:pt x="453" y="783"/>
+                  </a:lnTo>
+                  <a:lnTo>
+                    <a:pt x="448" y="821"/>
+                  </a:lnTo>
+                  <a:lnTo>
+                    <a:pt x="447" y="864"/>
+                  </a:lnTo>
+                  <a:lnTo>
+                    <a:pt x="448" y="907"/>
+                  </a:lnTo>
+                  <a:lnTo>
+                    <a:pt x="453" y="945"/>
+                  </a:lnTo>
+                  <a:lnTo>
+                    <a:pt x="460" y="978"/>
+                  </a:lnTo>
+                  <a:lnTo>
+                    <a:pt x="469" y="1007"/>
+                  </a:lnTo>
+                  <a:lnTo>
+                    <a:pt x="479" y="1033"/>
+                  </a:lnTo>
+                  <a:lnTo>
+                    <a:pt x="491" y="1056"/>
+                  </a:lnTo>
+                  <a:lnTo>
+                    <a:pt x="503" y="1080"/>
+                  </a:lnTo>
+                  <a:lnTo>
+                    <a:pt x="515" y="1104"/>
+                  </a:lnTo>
+                  <a:lnTo>
+                    <a:pt x="525" y="1127"/>
+                  </a:lnTo>
+                  <a:lnTo>
+                    <a:pt x="535" y="1153"/>
+                  </a:lnTo>
+                  <a:lnTo>
+                    <a:pt x="545" y="1182"/>
+                  </a:lnTo>
+                  <a:lnTo>
+                    <a:pt x="552" y="1215"/>
+                  </a:lnTo>
+                  <a:lnTo>
+                    <a:pt x="556" y="1253"/>
+                  </a:lnTo>
+                  <a:lnTo>
+                    <a:pt x="558" y="1296"/>
+                  </a:lnTo>
+                  <a:lnTo>
+                    <a:pt x="556" y="1339"/>
+                  </a:lnTo>
+                  <a:lnTo>
+                    <a:pt x="552" y="1377"/>
+                  </a:lnTo>
+                  <a:lnTo>
+                    <a:pt x="545" y="1410"/>
+                  </a:lnTo>
+                  <a:lnTo>
+                    <a:pt x="535" y="1439"/>
+                  </a:lnTo>
+                  <a:lnTo>
+                    <a:pt x="525" y="1465"/>
+                  </a:lnTo>
+                  <a:lnTo>
+                    <a:pt x="515" y="1488"/>
+                  </a:lnTo>
+                  <a:lnTo>
+                    <a:pt x="503" y="1512"/>
+                  </a:lnTo>
+                  <a:lnTo>
+                    <a:pt x="491" y="1536"/>
+                  </a:lnTo>
+                  <a:lnTo>
+                    <a:pt x="479" y="1559"/>
+                  </a:lnTo>
+                  <a:lnTo>
+                    <a:pt x="469" y="1585"/>
+                  </a:lnTo>
+                  <a:lnTo>
+                    <a:pt x="460" y="1614"/>
+                  </a:lnTo>
+                  <a:lnTo>
+                    <a:pt x="453" y="1647"/>
+                  </a:lnTo>
+                  <a:lnTo>
+                    <a:pt x="448" y="1685"/>
+                  </a:lnTo>
+                  <a:lnTo>
+                    <a:pt x="447" y="1728"/>
+                  </a:lnTo>
+                  <a:lnTo>
+                    <a:pt x="448" y="1771"/>
+                  </a:lnTo>
+                  <a:lnTo>
+                    <a:pt x="453" y="1809"/>
+                  </a:lnTo>
+                  <a:lnTo>
+                    <a:pt x="460" y="1842"/>
+                  </a:lnTo>
+                  <a:lnTo>
+                    <a:pt x="469" y="1871"/>
+                  </a:lnTo>
+                  <a:lnTo>
+                    <a:pt x="479" y="1897"/>
+                  </a:lnTo>
+                  <a:lnTo>
+                    <a:pt x="491" y="1920"/>
+                  </a:lnTo>
+                  <a:lnTo>
+                    <a:pt x="503" y="1944"/>
+                  </a:lnTo>
+                  <a:lnTo>
+                    <a:pt x="515" y="1968"/>
+                  </a:lnTo>
+                  <a:lnTo>
+                    <a:pt x="525" y="1991"/>
+                  </a:lnTo>
+                  <a:lnTo>
+                    <a:pt x="535" y="2017"/>
+                  </a:lnTo>
+                  <a:lnTo>
+                    <a:pt x="545" y="2046"/>
+                  </a:lnTo>
+                  <a:lnTo>
+                    <a:pt x="552" y="2079"/>
+                  </a:lnTo>
+                  <a:lnTo>
+                    <a:pt x="556" y="2117"/>
+                  </a:lnTo>
+                  <a:lnTo>
+                    <a:pt x="558" y="2159"/>
+                  </a:lnTo>
+                  <a:lnTo>
+                    <a:pt x="556" y="2203"/>
+                  </a:lnTo>
+                  <a:lnTo>
+                    <a:pt x="552" y="2241"/>
+                  </a:lnTo>
+                  <a:lnTo>
+                    <a:pt x="545" y="2274"/>
+                  </a:lnTo>
+                  <a:lnTo>
+                    <a:pt x="535" y="2303"/>
+                  </a:lnTo>
+                  <a:lnTo>
+                    <a:pt x="525" y="2329"/>
+                  </a:lnTo>
+                  <a:lnTo>
+                    <a:pt x="515" y="2352"/>
+                  </a:lnTo>
+                  <a:lnTo>
+                    <a:pt x="503" y="2376"/>
+                  </a:lnTo>
+                  <a:lnTo>
+                    <a:pt x="491" y="2400"/>
+                  </a:lnTo>
+                  <a:lnTo>
+                    <a:pt x="479" y="2423"/>
+                  </a:lnTo>
+                  <a:lnTo>
+                    <a:pt x="469" y="2449"/>
+                  </a:lnTo>
+                  <a:lnTo>
+                    <a:pt x="460" y="2478"/>
+                  </a:lnTo>
+                  <a:lnTo>
+                    <a:pt x="453" y="2511"/>
+                  </a:lnTo>
+                  <a:lnTo>
+                    <a:pt x="448" y="2549"/>
+                  </a:lnTo>
+                  <a:lnTo>
+                    <a:pt x="447" y="2592"/>
+                  </a:lnTo>
+                  <a:lnTo>
+                    <a:pt x="448" y="2635"/>
+                  </a:lnTo>
+                  <a:lnTo>
+                    <a:pt x="453" y="2673"/>
+                  </a:lnTo>
+                  <a:lnTo>
+                    <a:pt x="460" y="2706"/>
+                  </a:lnTo>
+                  <a:lnTo>
+                    <a:pt x="469" y="2735"/>
+                  </a:lnTo>
+                  <a:lnTo>
+                    <a:pt x="479" y="2761"/>
+                  </a:lnTo>
+                  <a:lnTo>
+                    <a:pt x="491" y="2784"/>
+                  </a:lnTo>
+                  <a:lnTo>
+                    <a:pt x="515" y="2832"/>
+                  </a:lnTo>
+                  <a:lnTo>
+                    <a:pt x="525" y="2855"/>
+                  </a:lnTo>
+                  <a:lnTo>
+                    <a:pt x="535" y="2881"/>
+                  </a:lnTo>
+                  <a:lnTo>
+                    <a:pt x="545" y="2910"/>
+                  </a:lnTo>
+                  <a:lnTo>
+                    <a:pt x="552" y="2943"/>
+                  </a:lnTo>
+                  <a:lnTo>
+                    <a:pt x="556" y="2981"/>
+                  </a:lnTo>
+                  <a:lnTo>
+                    <a:pt x="558" y="3024"/>
+                  </a:lnTo>
+                  <a:lnTo>
+                    <a:pt x="556" y="3067"/>
+                  </a:lnTo>
+                  <a:lnTo>
+                    <a:pt x="552" y="3105"/>
+                  </a:lnTo>
+                  <a:lnTo>
+                    <a:pt x="545" y="3138"/>
+                  </a:lnTo>
+                  <a:lnTo>
+                    <a:pt x="535" y="3167"/>
+                  </a:lnTo>
+                  <a:lnTo>
+                    <a:pt x="525" y="3193"/>
+                  </a:lnTo>
+                  <a:lnTo>
+                    <a:pt x="515" y="3216"/>
+                  </a:lnTo>
+                  <a:lnTo>
+                    <a:pt x="503" y="3240"/>
+                  </a:lnTo>
+                  <a:lnTo>
+                    <a:pt x="491" y="3264"/>
+                  </a:lnTo>
+                  <a:lnTo>
+                    <a:pt x="479" y="3287"/>
+                  </a:lnTo>
+                  <a:lnTo>
+                    <a:pt x="469" y="3313"/>
+                  </a:lnTo>
+                  <a:lnTo>
+                    <a:pt x="460" y="3342"/>
+                  </a:lnTo>
+                  <a:lnTo>
+                    <a:pt x="453" y="3375"/>
+                  </a:lnTo>
+                  <a:lnTo>
+                    <a:pt x="448" y="3413"/>
+                  </a:lnTo>
+                  <a:lnTo>
+                    <a:pt x="447" y="3456"/>
+                  </a:lnTo>
+                  <a:lnTo>
+                    <a:pt x="448" y="3499"/>
+                  </a:lnTo>
+                  <a:lnTo>
+                    <a:pt x="453" y="3537"/>
+                  </a:lnTo>
+                  <a:lnTo>
+                    <a:pt x="460" y="3570"/>
+                  </a:lnTo>
+                  <a:lnTo>
+                    <a:pt x="469" y="3599"/>
+                  </a:lnTo>
+                  <a:lnTo>
+                    <a:pt x="479" y="3625"/>
+                  </a:lnTo>
+                  <a:lnTo>
+                    <a:pt x="491" y="3648"/>
+                  </a:lnTo>
+                  <a:lnTo>
+                    <a:pt x="503" y="3672"/>
+                  </a:lnTo>
+                  <a:lnTo>
+                    <a:pt x="515" y="3696"/>
+                  </a:lnTo>
+                  <a:lnTo>
+                    <a:pt x="525" y="3719"/>
+                  </a:lnTo>
+                  <a:lnTo>
+                    <a:pt x="535" y="3745"/>
+                  </a:lnTo>
+                  <a:lnTo>
+                    <a:pt x="545" y="3774"/>
+                  </a:lnTo>
+                  <a:lnTo>
+                    <a:pt x="552" y="3807"/>
+                  </a:lnTo>
+                  <a:lnTo>
+                    <a:pt x="556" y="3845"/>
+                  </a:lnTo>
+                  <a:lnTo>
+                    <a:pt x="558" y="3888"/>
+                  </a:lnTo>
+                  <a:lnTo>
+                    <a:pt x="556" y="3931"/>
+                  </a:lnTo>
+                  <a:lnTo>
+                    <a:pt x="552" y="3969"/>
+                  </a:lnTo>
+                  <a:lnTo>
+                    <a:pt x="545" y="4002"/>
+                  </a:lnTo>
+                  <a:lnTo>
+                    <a:pt x="535" y="4031"/>
+                  </a:lnTo>
+                  <a:lnTo>
+                    <a:pt x="525" y="4057"/>
+                  </a:lnTo>
+                  <a:lnTo>
+                    <a:pt x="515" y="4080"/>
+                  </a:lnTo>
+                  <a:lnTo>
+                    <a:pt x="503" y="4104"/>
+                  </a:lnTo>
+                  <a:lnTo>
+                    <a:pt x="491" y="4128"/>
+                  </a:lnTo>
+                  <a:lnTo>
+                    <a:pt x="479" y="4151"/>
+                  </a:lnTo>
+                  <a:lnTo>
+                    <a:pt x="469" y="4177"/>
+                  </a:lnTo>
+                  <a:lnTo>
+                    <a:pt x="460" y="4206"/>
+                  </a:lnTo>
+                  <a:lnTo>
+                    <a:pt x="453" y="4239"/>
+                  </a:lnTo>
+                  <a:lnTo>
+                    <a:pt x="448" y="4277"/>
+                  </a:lnTo>
+                  <a:lnTo>
+                    <a:pt x="447" y="4320"/>
+                  </a:lnTo>
+                  <a:lnTo>
+                    <a:pt x="0" y="4320"/>
+                  </a:lnTo>
+                  <a:lnTo>
+                    <a:pt x="0" y="0"/>
+                  </a:lnTo>
+                  <a:close/>
+                </a:path>
+              </a:pathLst>
+            </a:custGeom>
+            <a:solidFill>
+              <a:schemeClr val="accent1">
+                <a:lumMod val="50000"/>
+                <a:alpha val="25000"/>
+              </a:schemeClr>
+            </a:solidFill>
+            <a:ln w="0">
+              <a:noFill/>
+              <a:prstDash val="solid"/>
+              <a:round/>
+              <a:headEnd/>
+              <a:tailEnd/>
+            </a:ln>
+          </p:spPr>
+        </p:sp>
+      </p:grpSp>
+      <p:pic>
+        <p:nvPicPr>
+          <p:cNvPr id="28" name="Picture 2" descr="feup-logo - AETICE - Associação das Empresas de Tecnologias de Informação,  Comunicação e Eletrónica">
+            <a:extLst>
+              <a:ext uri="{FF2B5EF4-FFF2-40B4-BE49-F238E27FC236}">
+                <a16:creationId xmlns:a16="http://schemas.microsoft.com/office/drawing/2014/main" id="{2685351C-A86D-884D-BC91-5E7791CE1D8D}"/>
+              </a:ext>
+            </a:extLst>
+          </p:cNvPr>
+          <p:cNvPicPr>
+            <a:picLocks noChangeAspect="1" noChangeArrowheads="1"/>
+          </p:cNvPicPr>
+          <p:nvPr/>
+        </p:nvPicPr>
+        <p:blipFill>
+          <a:blip r:embed="rId2">
+            <a:extLst>
+              <a:ext uri="{28A0092B-C50C-407E-A947-70E740481C1C}">
+                <a14:useLocalDpi xmlns:a14="http://schemas.microsoft.com/office/drawing/2010/main" val="0"/>
+              </a:ext>
+            </a:extLst>
+          </a:blip>
+          <a:srcRect/>
+          <a:stretch>
+            <a:fillRect/>
+          </a:stretch>
+        </p:blipFill>
+        <p:spPr bwMode="auto">
+          <a:xfrm>
+            <a:off x="10668987" y="5905500"/>
+            <a:ext cx="1309030" cy="580337"/>
+          </a:xfrm>
+          <a:prstGeom prst="rect">
+            <a:avLst/>
+          </a:prstGeom>
+          <a:noFill/>
+          <a:effectLst>
+            <a:glow rad="58387">
+              <a:schemeClr val="accent1">
+                <a:alpha val="40000"/>
+              </a:schemeClr>
+            </a:glow>
+            <a:outerShdw sx="1000" sy="1000" algn="ctr" rotWithShape="0">
+              <a:srgbClr val="000000"/>
+            </a:outerShdw>
+            <a:reflection blurRad="31698" stA="27000" endPos="65000" dist="91119" dir="5400000" sy="-100000" algn="bl" rotWithShape="0"/>
+            <a:softEdge rad="206"/>
+          </a:effectLst>
+          <a:extLst>
+            <a:ext uri="{909E8E84-426E-40DD-AFC4-6F175D3DCCD1}">
+              <a14:hiddenFill xmlns:a14="http://schemas.microsoft.com/office/drawing/2010/main">
+                <a:solidFill>
+                  <a:srgbClr val="FFFFFF"/>
+                </a:solidFill>
+              </a14:hiddenFill>
+            </a:ext>
+          </a:extLst>
+        </p:spPr>
+      </p:pic>
+      <p:sp>
+        <p:nvSpPr>
+          <p:cNvPr id="19" name="TextBox 18">
+            <a:extLst>
+              <a:ext uri="{FF2B5EF4-FFF2-40B4-BE49-F238E27FC236}">
+                <a16:creationId xmlns:a16="http://schemas.microsoft.com/office/drawing/2014/main" id="{B6F6B144-968C-1A48-BA6A-12B05F10C846}"/>
+              </a:ext>
+            </a:extLst>
+          </p:cNvPr>
+          <p:cNvSpPr txBox="1"/>
+          <p:nvPr/>
+        </p:nvSpPr>
+        <p:spPr>
+          <a:xfrm>
+            <a:off x="67277" y="6412638"/>
+            <a:ext cx="1851577" cy="661720"/>
+          </a:xfrm>
+          <a:prstGeom prst="rect">
+            <a:avLst/>
+          </a:prstGeom>
+          <a:noFill/>
+        </p:spPr>
+        <p:txBody>
+          <a:bodyPr wrap="square" rtlCol="0">
+            <a:spAutoFit/>
+          </a:bodyPr>
+          <a:lstStyle/>
+          <a:p>
+            <a:pPr>
+              <a:spcAft>
+                <a:spcPts val="600"/>
+              </a:spcAft>
+            </a:pPr>
+            <a:r>
+              <a:rPr lang="en-US" sz="1600" dirty="0"/>
+              <a:t>AED </a:t>
+            </a:r>
+            <a:r>
+              <a:rPr lang="en-US" sz="1400" dirty="0"/>
+              <a:t>2021/2022</a:t>
+            </a:r>
+            <a:endParaRPr lang="en-US" sz="1600" dirty="0"/>
+          </a:p>
+          <a:p>
+            <a:pPr>
+              <a:spcAft>
+                <a:spcPts val="600"/>
+              </a:spcAft>
+            </a:pPr>
+            <a:endParaRPr lang="en-PT" sz="1600" dirty="0"/>
+          </a:p>
+        </p:txBody>
+      </p:sp>
+      <p:sp>
+        <p:nvSpPr>
+          <p:cNvPr id="21" name="Marcador de Posição de Conteúdo 2">
+            <a:extLst>
+              <a:ext uri="{FF2B5EF4-FFF2-40B4-BE49-F238E27FC236}">
+                <a16:creationId xmlns:a16="http://schemas.microsoft.com/office/drawing/2014/main" id="{FEE20BCB-141C-C445-8B00-F22ED5320674}"/>
+              </a:ext>
+            </a:extLst>
+          </p:cNvPr>
+          <p:cNvSpPr txBox="1">
+            <a:spLocks/>
+          </p:cNvSpPr>
+          <p:nvPr/>
+        </p:nvSpPr>
+        <p:spPr>
+          <a:xfrm>
+            <a:off x="537725" y="2149352"/>
+            <a:ext cx="6626072" cy="2138870"/>
+          </a:xfrm>
+          <a:prstGeom prst="rect">
+            <a:avLst/>
+          </a:prstGeom>
+        </p:spPr>
+        <p:txBody>
+          <a:bodyPr vert="horz" lIns="91440" tIns="45720" rIns="91440" bIns="45720" rtlCol="0">
+            <a:noAutofit/>
+          </a:bodyPr>
+          <a:lstStyle>
+            <a:lvl1pPr marL="0" indent="0" algn="ctr" defTabSz="914400" rtl="0" eaLnBrk="1" latinLnBrk="0" hangingPunct="1">
+              <a:lnSpc>
+                <a:spcPct val="90000"/>
+              </a:lnSpc>
+              <a:spcBef>
+                <a:spcPts val="1000"/>
+              </a:spcBef>
+              <a:buFont typeface="Arial" panose="020B0604020202020204" pitchFamily="34" charset="0"/>
+              <a:buNone/>
+              <a:defRPr sz="2400" kern="1200">
+                <a:solidFill>
+                  <a:schemeClr val="tx1"/>
+                </a:solidFill>
+                <a:latin typeface="+mn-lt"/>
+                <a:ea typeface="+mn-ea"/>
+                <a:cs typeface="+mn-cs"/>
+              </a:defRPr>
+            </a:lvl1pPr>
+            <a:lvl2pPr marL="457200" indent="0" algn="ctr" defTabSz="914400" rtl="0" eaLnBrk="1" latinLnBrk="0" hangingPunct="1">
+              <a:lnSpc>
+                <a:spcPct val="90000"/>
+              </a:lnSpc>
+              <a:spcBef>
+                <a:spcPts val="500"/>
+              </a:spcBef>
+              <a:buFont typeface="Arial" panose="020B0604020202020204" pitchFamily="34" charset="0"/>
+              <a:buNone/>
+              <a:defRPr sz="2000" kern="1200">
+                <a:solidFill>
+                  <a:schemeClr val="tx1"/>
+                </a:solidFill>
+                <a:latin typeface="+mn-lt"/>
+                <a:ea typeface="+mn-ea"/>
+                <a:cs typeface="+mn-cs"/>
+              </a:defRPr>
+            </a:lvl2pPr>
+            <a:lvl3pPr marL="914400" indent="0" algn="ctr" defTabSz="914400" rtl="0" eaLnBrk="1" latinLnBrk="0" hangingPunct="1">
+              <a:lnSpc>
+                <a:spcPct val="90000"/>
+              </a:lnSpc>
+              <a:spcBef>
+                <a:spcPts val="500"/>
+              </a:spcBef>
+              <a:buFont typeface="Arial" panose="020B0604020202020204" pitchFamily="34" charset="0"/>
+              <a:buNone/>
+              <a:defRPr sz="1800" kern="1200">
+                <a:solidFill>
+                  <a:schemeClr val="tx1"/>
+                </a:solidFill>
+                <a:latin typeface="+mn-lt"/>
+                <a:ea typeface="+mn-ea"/>
+                <a:cs typeface="+mn-cs"/>
+              </a:defRPr>
+            </a:lvl3pPr>
+            <a:lvl4pPr marL="1371600" indent="0" algn="ctr" defTabSz="914400" rtl="0" eaLnBrk="1" latinLnBrk="0" hangingPunct="1">
+              <a:lnSpc>
+                <a:spcPct val="90000"/>
+              </a:lnSpc>
+              <a:spcBef>
+                <a:spcPts val="500"/>
+              </a:spcBef>
+              <a:buFont typeface="Arial" panose="020B0604020202020204" pitchFamily="34" charset="0"/>
+              <a:buNone/>
+              <a:defRPr sz="1600" kern="1200">
+                <a:solidFill>
+                  <a:schemeClr val="tx1"/>
+                </a:solidFill>
+                <a:latin typeface="+mn-lt"/>
+                <a:ea typeface="+mn-ea"/>
+                <a:cs typeface="+mn-cs"/>
+              </a:defRPr>
+            </a:lvl4pPr>
+            <a:lvl5pPr marL="1828800" indent="0" algn="ctr" defTabSz="914400" rtl="0" eaLnBrk="1" latinLnBrk="0" hangingPunct="1">
+              <a:lnSpc>
+                <a:spcPct val="90000"/>
+              </a:lnSpc>
+              <a:spcBef>
+                <a:spcPts val="500"/>
+              </a:spcBef>
+              <a:buFont typeface="Arial" panose="020B0604020202020204" pitchFamily="34" charset="0"/>
+              <a:buNone/>
+              <a:defRPr sz="1600" kern="1200">
+                <a:solidFill>
+                  <a:schemeClr val="tx1"/>
+                </a:solidFill>
+                <a:latin typeface="+mn-lt"/>
+                <a:ea typeface="+mn-ea"/>
+                <a:cs typeface="+mn-cs"/>
+              </a:defRPr>
+            </a:lvl5pPr>
+            <a:lvl6pPr marL="2286000" indent="0" algn="ctr" defTabSz="914400" rtl="0" eaLnBrk="1" latinLnBrk="0" hangingPunct="1">
+              <a:lnSpc>
+                <a:spcPct val="90000"/>
+              </a:lnSpc>
+              <a:spcBef>
+                <a:spcPts val="500"/>
+              </a:spcBef>
+              <a:buFont typeface="Arial" panose="020B0604020202020204" pitchFamily="34" charset="0"/>
+              <a:buNone/>
+              <a:defRPr sz="1600" kern="1200">
+                <a:solidFill>
+                  <a:schemeClr val="tx1"/>
+                </a:solidFill>
+                <a:latin typeface="+mn-lt"/>
+                <a:ea typeface="+mn-ea"/>
+                <a:cs typeface="+mn-cs"/>
+              </a:defRPr>
+            </a:lvl6pPr>
+            <a:lvl7pPr marL="2743200" indent="0" algn="ctr" defTabSz="914400" rtl="0" eaLnBrk="1" latinLnBrk="0" hangingPunct="1">
+              <a:lnSpc>
+                <a:spcPct val="90000"/>
+              </a:lnSpc>
+              <a:spcBef>
+                <a:spcPts val="500"/>
+              </a:spcBef>
+              <a:buFont typeface="Arial" panose="020B0604020202020204" pitchFamily="34" charset="0"/>
+              <a:buNone/>
+              <a:defRPr sz="1600" kern="1200">
+                <a:solidFill>
+                  <a:schemeClr val="tx1"/>
+                </a:solidFill>
+                <a:latin typeface="+mn-lt"/>
+                <a:ea typeface="+mn-ea"/>
+                <a:cs typeface="+mn-cs"/>
+              </a:defRPr>
+            </a:lvl7pPr>
+            <a:lvl8pPr marL="3200400" indent="0" algn="ctr" defTabSz="914400" rtl="0" eaLnBrk="1" latinLnBrk="0" hangingPunct="1">
+              <a:lnSpc>
+                <a:spcPct val="90000"/>
+              </a:lnSpc>
+              <a:spcBef>
+                <a:spcPts val="500"/>
+              </a:spcBef>
+              <a:buFont typeface="Arial" panose="020B0604020202020204" pitchFamily="34" charset="0"/>
+              <a:buNone/>
+              <a:defRPr sz="1600" kern="1200">
+                <a:solidFill>
+                  <a:schemeClr val="tx1"/>
+                </a:solidFill>
+                <a:latin typeface="+mn-lt"/>
+                <a:ea typeface="+mn-ea"/>
+                <a:cs typeface="+mn-cs"/>
+              </a:defRPr>
+            </a:lvl8pPr>
+            <a:lvl9pPr marL="3657600" indent="0" algn="ctr" defTabSz="914400" rtl="0" eaLnBrk="1" latinLnBrk="0" hangingPunct="1">
+              <a:lnSpc>
+                <a:spcPct val="90000"/>
+              </a:lnSpc>
+              <a:spcBef>
+                <a:spcPts val="500"/>
+              </a:spcBef>
+              <a:buFont typeface="Arial" panose="020B0604020202020204" pitchFamily="34" charset="0"/>
+              <a:buNone/>
+              <a:defRPr sz="1600" kern="1200">
+                <a:solidFill>
+                  <a:schemeClr val="tx1"/>
+                </a:solidFill>
+                <a:latin typeface="+mn-lt"/>
+                <a:ea typeface="+mn-ea"/>
+                <a:cs typeface="+mn-cs"/>
+              </a:defRPr>
+            </a:lvl9pPr>
+          </a:lstStyle>
+          <a:p>
+            <a:pPr marL="800100" lvl="1" indent="-342900" algn="just">
+              <a:buFont typeface="Arial" panose="020B0604020202020204" pitchFamily="34" charset="0"/>
+              <a:buChar char="•"/>
+            </a:pPr>
+            <a:r>
+              <a:rPr lang="pt-PT" dirty="0"/>
+              <a:t>Consideramos que o mais barato consiste no que envolve menos trocas de zonas</a:t>
+            </a:r>
+          </a:p>
+          <a:p>
+            <a:pPr lvl="1" algn="just"/>
+            <a:endParaRPr lang="pt-PT" dirty="0"/>
+          </a:p>
+          <a:p>
+            <a:pPr marL="800100" lvl="1" indent="-342900" algn="just">
+              <a:buFont typeface="Arial" panose="020B0604020202020204" pitchFamily="34" charset="0"/>
+              <a:buChar char="•"/>
+            </a:pPr>
+            <a:r>
+              <a:rPr lang="pt-PT" dirty="0"/>
+              <a:t>A função </a:t>
+            </a:r>
+            <a:r>
+              <a:rPr lang="pt-PT" i="1" dirty="0" err="1"/>
+              <a:t>dijkstraZones</a:t>
+            </a:r>
+            <a:r>
+              <a:rPr lang="pt-PT" dirty="0"/>
+              <a:t> </a:t>
+            </a:r>
+            <a:r>
+              <a:rPr lang="pt-PT" i="1" dirty="0"/>
+              <a:t>(</a:t>
+            </a:r>
+            <a:r>
+              <a:rPr lang="en-GB" i="1" dirty="0"/>
+              <a:t>O(|</a:t>
+            </a:r>
+            <a:r>
+              <a:rPr lang="en-GB" i="1" dirty="0" err="1"/>
+              <a:t>E|log|V</a:t>
+            </a:r>
+            <a:r>
+              <a:rPr lang="en-GB" i="1" dirty="0"/>
+              <a:t>|)</a:t>
+            </a:r>
+            <a:r>
+              <a:rPr lang="pt-PT" i="1" dirty="0"/>
+              <a:t>) </a:t>
+            </a:r>
+            <a:r>
+              <a:rPr lang="pt-PT" dirty="0"/>
+              <a:t>consiste numa implementação do algoritmo de </a:t>
+            </a:r>
+            <a:r>
+              <a:rPr lang="pt-PT" dirty="0" err="1"/>
+              <a:t>Dijkstra</a:t>
+            </a:r>
+            <a:r>
+              <a:rPr lang="pt-PT" dirty="0"/>
+              <a:t> utilizando uma </a:t>
+            </a:r>
+            <a:r>
+              <a:rPr lang="pt-PT" i="1" dirty="0"/>
+              <a:t>Min </a:t>
+            </a:r>
+            <a:r>
+              <a:rPr lang="pt-PT" i="1" dirty="0" err="1"/>
+              <a:t>Heap</a:t>
+            </a:r>
+            <a:r>
+              <a:rPr lang="pt-PT" dirty="0"/>
+              <a:t>.</a:t>
+            </a:r>
+          </a:p>
+          <a:p>
+            <a:pPr marL="800100" lvl="1" indent="-342900" algn="just">
+              <a:buFont typeface="Arial" panose="020B0604020202020204" pitchFamily="34" charset="0"/>
+              <a:buChar char="•"/>
+            </a:pPr>
+            <a:endParaRPr lang="pt-PT" dirty="0"/>
+          </a:p>
+          <a:p>
+            <a:pPr marL="800100" lvl="1" indent="-342900" algn="just">
+              <a:buFont typeface="Arial" panose="020B0604020202020204" pitchFamily="34" charset="0"/>
+              <a:buChar char="•"/>
+            </a:pPr>
+            <a:endParaRPr lang="pt-PT" dirty="0"/>
+          </a:p>
+        </p:txBody>
+      </p:sp>
+      <p:pic>
+        <p:nvPicPr>
+          <p:cNvPr id="7" name="Picture 6">
+            <a:extLst>
+              <a:ext uri="{FF2B5EF4-FFF2-40B4-BE49-F238E27FC236}">
+                <a16:creationId xmlns:a16="http://schemas.microsoft.com/office/drawing/2014/main" id="{AF97598C-8DA6-474E-8E5E-BC7379CDA362}"/>
+              </a:ext>
+            </a:extLst>
+          </p:cNvPr>
+          <p:cNvPicPr>
+            <a:picLocks noChangeAspect="1"/>
+          </p:cNvPicPr>
+          <p:nvPr/>
+        </p:nvPicPr>
+        <p:blipFill>
+          <a:blip r:embed="rId3"/>
+          <a:stretch>
+            <a:fillRect/>
+          </a:stretch>
+        </p:blipFill>
+        <p:spPr>
+          <a:xfrm>
+            <a:off x="5676405" y="3969140"/>
+            <a:ext cx="6319210" cy="1833856"/>
+          </a:xfrm>
+          <a:prstGeom prst="rect">
+            <a:avLst/>
+          </a:prstGeom>
+        </p:spPr>
+      </p:pic>
+      <p:pic>
+        <p:nvPicPr>
+          <p:cNvPr id="9" name="Picture 8">
+            <a:extLst>
+              <a:ext uri="{FF2B5EF4-FFF2-40B4-BE49-F238E27FC236}">
+                <a16:creationId xmlns:a16="http://schemas.microsoft.com/office/drawing/2014/main" id="{471FA35A-7C47-C747-B36B-36CF29C390C8}"/>
+              </a:ext>
+            </a:extLst>
+          </p:cNvPr>
+          <p:cNvPicPr>
+            <a:picLocks noChangeAspect="1"/>
+          </p:cNvPicPr>
+          <p:nvPr/>
+        </p:nvPicPr>
+        <p:blipFill>
+          <a:blip r:embed="rId4"/>
+          <a:stretch>
+            <a:fillRect/>
+          </a:stretch>
+        </p:blipFill>
+        <p:spPr>
+          <a:xfrm>
+            <a:off x="7333978" y="2378037"/>
+            <a:ext cx="4661637" cy="1374745"/>
+          </a:xfrm>
+          <a:prstGeom prst="rect">
+            <a:avLst/>
+          </a:prstGeom>
+        </p:spPr>
+      </p:pic>
+    </p:spTree>
+    <p:extLst>
+      <p:ext uri="{BB962C8B-B14F-4D97-AF65-F5344CB8AC3E}">
+        <p14:creationId xmlns:p14="http://schemas.microsoft.com/office/powerpoint/2010/main" val="2416138072"/>
+      </p:ext>
+    </p:extLst>
+  </p:cSld>
+  <p:clrMapOvr>
+    <a:masterClrMapping/>
+  </p:clrMapOvr>
+</p:sld>
+</file>
+
+<file path=ppt/slides/slide11.xml><?xml version="1.0" encoding="utf-8"?>
+<p:sld xmlns:a="http://schemas.openxmlformats.org/drawingml/2006/main" xmlns:r="http://schemas.openxmlformats.org/officeDocument/2006/relationships" xmlns:p="http://schemas.openxmlformats.org/presentationml/2006/main">
+  <p:cSld>
+    <p:bg>
+      <p:bgPr>
+        <a:solidFill>
+          <a:schemeClr val="bg1"/>
+        </a:solidFill>
+        <a:effectLst/>
+      </p:bgPr>
+    </p:bg>
+    <p:spTree>
+      <p:nvGrpSpPr>
+        <p:cNvPr id="1" name=""/>
+        <p:cNvGrpSpPr/>
+        <p:nvPr/>
+      </p:nvGrpSpPr>
+      <p:grpSpPr>
+        <a:xfrm>
+          <a:off x="0" y="0"/>
+          <a:ext cx="0" cy="0"/>
+          <a:chOff x="0" y="0"/>
+          <a:chExt cx="0" cy="0"/>
+        </a:xfrm>
+      </p:grpSpPr>
+      <p:sp useBgFill="1">
+        <p:nvSpPr>
+          <p:cNvPr id="72" name="Rectangle 71">
+            <a:extLst>
+              <a:ext uri="{FF2B5EF4-FFF2-40B4-BE49-F238E27FC236}">
+                <a16:creationId xmlns:a16="http://schemas.microsoft.com/office/drawing/2014/main" id="{8ED08A1D-4632-47AB-8832-C17BA008697E}"/>
+              </a:ext>
+              <a:ext uri="{C183D7F6-B498-43B3-948B-1728B52AA6E4}">
+                <adec:decorative xmlns:adec="http://schemas.microsoft.com/office/drawing/2017/decorative" val="1"/>
+              </a:ext>
+            </a:extLst>
+          </p:cNvPr>
+          <p:cNvSpPr>
+            <a:spLocks noGrp="1" noRot="1" noChangeAspect="1" noMove="1" noResize="1" noEditPoints="1" noAdjustHandles="1" noChangeArrowheads="1" noChangeShapeType="1" noTextEdit="1"/>
+          </p:cNvSpPr>
+          <p:nvPr>
+            <p:extLst>
+              <p:ext uri="{386F3935-93C4-4BCD-93E2-E3B085C9AB24}">
+                <p16:designElem xmlns:p16="http://schemas.microsoft.com/office/powerpoint/2015/main" val="1"/>
+              </p:ext>
+            </p:extLst>
+          </p:nvPr>
+        </p:nvSpPr>
+        <p:spPr>
+          <a:xfrm>
+            <a:off x="0" y="0"/>
+            <a:ext cx="12192000" cy="6858000"/>
+          </a:xfrm>
+          <a:prstGeom prst="rect">
+            <a:avLst/>
+          </a:prstGeom>
+          <a:ln w="12700" cap="flat" cmpd="sng" algn="ctr">
+            <a:noFill/>
+            <a:prstDash val="solid"/>
+            <a:miter lim="800000"/>
+          </a:ln>
+          <a:effectLst/>
+        </p:spPr>
+        <p:style>
+          <a:lnRef idx="2">
+            <a:schemeClr val="accent1">
+              <a:shade val="50000"/>
+            </a:schemeClr>
+          </a:lnRef>
+          <a:fillRef idx="1">
+            <a:schemeClr val="accent1"/>
+          </a:fillRef>
+          <a:effectRef idx="0">
+            <a:schemeClr val="accent1"/>
+          </a:effectRef>
+          <a:fontRef idx="minor">
+            <a:schemeClr val="lt1"/>
+          </a:fontRef>
+        </p:style>
+        <p:txBody>
+          <a:bodyPr rtlCol="0" anchor="ctr"/>
+          <a:lstStyle/>
+          <a:p>
+            <a:pPr algn="ctr"/>
+            <a:endParaRPr lang="en-US" dirty="0"/>
+          </a:p>
+        </p:txBody>
+      </p:sp>
+      <p:sp>
+        <p:nvSpPr>
+          <p:cNvPr id="2" name="Título 1"/>
+          <p:cNvSpPr>
+            <a:spLocks noGrp="1"/>
+          </p:cNvSpPr>
+          <p:nvPr>
+            <p:ph type="ctrTitle"/>
+          </p:nvPr>
+        </p:nvSpPr>
+        <p:spPr>
+          <a:xfrm>
+            <a:off x="1251677" y="662399"/>
+            <a:ext cx="9164075" cy="1494000"/>
+          </a:xfrm>
+        </p:spPr>
+        <p:txBody>
+          <a:bodyPr vert="horz" lIns="91440" tIns="45720" rIns="91440" bIns="45720" rtlCol="0" anchor="t">
+            <a:normAutofit/>
+          </a:bodyPr>
+          <a:lstStyle/>
+          <a:p>
+            <a:pPr algn="l"/>
+            <a:r>
+              <a:rPr lang="en-US" sz="4400" kern="1200" dirty="0" err="1">
+                <a:solidFill>
+                  <a:schemeClr val="tx1"/>
+                </a:solidFill>
+                <a:latin typeface="+mj-lt"/>
+                <a:ea typeface="+mj-ea"/>
+                <a:cs typeface="+mj-cs"/>
+              </a:rPr>
+              <a:t>Funcionalidades</a:t>
+            </a:r>
+            <a:r>
+              <a:rPr lang="en-US" sz="4400" kern="1200" dirty="0">
+                <a:solidFill>
+                  <a:schemeClr val="tx1"/>
+                </a:solidFill>
+                <a:latin typeface="+mj-lt"/>
+                <a:ea typeface="+mj-ea"/>
+                <a:cs typeface="+mj-cs"/>
+              </a:rPr>
+              <a:t> – </a:t>
+            </a:r>
+            <a:r>
+              <a:rPr lang="en-US" sz="4400" dirty="0" err="1"/>
+              <a:t>caminho</a:t>
+            </a:r>
+            <a:r>
+              <a:rPr lang="en-US" sz="4400" dirty="0"/>
+              <a:t> </a:t>
+            </a:r>
+            <a:r>
+              <a:rPr lang="en-US" sz="4400" dirty="0" err="1"/>
+              <a:t>mais</a:t>
+            </a:r>
+            <a:r>
+              <a:rPr lang="en-US" sz="4400" dirty="0"/>
+              <a:t> </a:t>
+            </a:r>
+            <a:r>
+              <a:rPr lang="en-US" sz="4400" dirty="0" err="1"/>
+              <a:t>fácil</a:t>
+            </a:r>
+            <a:endParaRPr lang="en-US" sz="4400" kern="1200" dirty="0">
+              <a:solidFill>
+                <a:schemeClr val="tx1"/>
+              </a:solidFill>
+              <a:latin typeface="+mj-lt"/>
+              <a:ea typeface="+mj-ea"/>
+              <a:cs typeface="+mj-cs"/>
+            </a:endParaRPr>
+          </a:p>
+        </p:txBody>
+      </p:sp>
+      <p:grpSp>
+        <p:nvGrpSpPr>
+          <p:cNvPr id="74" name="Group 73">
+            <a:extLst>
+              <a:ext uri="{FF2B5EF4-FFF2-40B4-BE49-F238E27FC236}">
+                <a16:creationId xmlns:a16="http://schemas.microsoft.com/office/drawing/2014/main" id="{0075437B-93A1-4A73-812B-C5030CC2FFCD}"/>
+              </a:ext>
+              <a:ext uri="{C183D7F6-B498-43B3-948B-1728B52AA6E4}">
+                <adec:decorative xmlns:adec="http://schemas.microsoft.com/office/drawing/2017/decorative" val="1"/>
+              </a:ext>
+            </a:extLst>
+          </p:cNvPr>
+          <p:cNvGrpSpPr>
+            <a:grpSpLocks noGrp="1" noUngrp="1" noRot="1" noChangeAspect="1" noMove="1" noResize="1"/>
+          </p:cNvGrpSpPr>
+          <p:nvPr>
+            <p:extLst>
+              <p:ext uri="{386F3935-93C4-4BCD-93E2-E3B085C9AB24}">
+                <p16:designElem xmlns:p16="http://schemas.microsoft.com/office/powerpoint/2015/main" val="1"/>
+              </p:ext>
+            </p:extLst>
+          </p:nvPr>
+        </p:nvGrpSpPr>
+        <p:grpSpPr>
+          <a:xfrm>
+            <a:off x="0" y="0"/>
+            <a:ext cx="885825" cy="6858000"/>
+            <a:chOff x="0" y="0"/>
+            <a:chExt cx="885825" cy="6858000"/>
+          </a:xfrm>
+        </p:grpSpPr>
+        <p:sp>
+          <p:nvSpPr>
+            <p:cNvPr id="75" name="Freeform 6">
+              <a:extLst>
+                <a:ext uri="{FF2B5EF4-FFF2-40B4-BE49-F238E27FC236}">
+                  <a16:creationId xmlns:a16="http://schemas.microsoft.com/office/drawing/2014/main" id="{BB8505BE-2298-4E13-A7FB-2D05006DF6BF}"/>
+                </a:ext>
+                <a:ext uri="{C183D7F6-B498-43B3-948B-1728B52AA6E4}">
+                  <adec:decorative xmlns:adec="http://schemas.microsoft.com/office/drawing/2017/decorative" val="1"/>
+                </a:ext>
+              </a:extLst>
+            </p:cNvPr>
+            <p:cNvSpPr/>
+            <p:nvPr>
+              <p:extLst>
+                <p:ext uri="{386F3935-93C4-4BCD-93E2-E3B085C9AB24}">
+                  <p16:designElem xmlns:p16="http://schemas.microsoft.com/office/powerpoint/2015/main" val="1"/>
+                </p:ext>
+              </p:extLst>
+            </p:nvPr>
+          </p:nvSpPr>
+          <p:spPr bwMode="auto">
+            <a:xfrm>
+              <a:off x="0" y="0"/>
+              <a:ext cx="885825" cy="6858000"/>
+            </a:xfrm>
+            <a:custGeom>
+              <a:avLst/>
+              <a:gdLst/>
+              <a:ahLst/>
+              <a:cxnLst/>
+              <a:rect l="0" t="0" r="r" b="b"/>
+              <a:pathLst>
+                <a:path w="558" h="4320">
+                  <a:moveTo>
+                    <a:pt x="0" y="0"/>
+                  </a:moveTo>
+                  <a:lnTo>
+                    <a:pt x="447" y="0"/>
+                  </a:lnTo>
+                  <a:lnTo>
+                    <a:pt x="448" y="43"/>
+                  </a:lnTo>
+                  <a:lnTo>
+                    <a:pt x="453" y="81"/>
+                  </a:lnTo>
+                  <a:lnTo>
+                    <a:pt x="460" y="114"/>
+                  </a:lnTo>
+                  <a:lnTo>
+                    <a:pt x="469" y="143"/>
+                  </a:lnTo>
+                  <a:lnTo>
+                    <a:pt x="479" y="169"/>
+                  </a:lnTo>
+                  <a:lnTo>
+                    <a:pt x="491" y="192"/>
+                  </a:lnTo>
+                  <a:lnTo>
+                    <a:pt x="503" y="216"/>
+                  </a:lnTo>
+                  <a:lnTo>
+                    <a:pt x="515" y="240"/>
+                  </a:lnTo>
+                  <a:lnTo>
+                    <a:pt x="525" y="263"/>
+                  </a:lnTo>
+                  <a:lnTo>
+                    <a:pt x="535" y="289"/>
+                  </a:lnTo>
+                  <a:lnTo>
+                    <a:pt x="545" y="318"/>
+                  </a:lnTo>
+                  <a:lnTo>
+                    <a:pt x="552" y="351"/>
+                  </a:lnTo>
+                  <a:lnTo>
+                    <a:pt x="556" y="389"/>
+                  </a:lnTo>
+                  <a:lnTo>
+                    <a:pt x="558" y="432"/>
+                  </a:lnTo>
+                  <a:lnTo>
+                    <a:pt x="556" y="475"/>
+                  </a:lnTo>
+                  <a:lnTo>
+                    <a:pt x="552" y="513"/>
+                  </a:lnTo>
+                  <a:lnTo>
+                    <a:pt x="545" y="546"/>
+                  </a:lnTo>
+                  <a:lnTo>
+                    <a:pt x="535" y="575"/>
+                  </a:lnTo>
+                  <a:lnTo>
+                    <a:pt x="525" y="601"/>
+                  </a:lnTo>
+                  <a:lnTo>
+                    <a:pt x="515" y="624"/>
+                  </a:lnTo>
+                  <a:lnTo>
+                    <a:pt x="503" y="648"/>
+                  </a:lnTo>
+                  <a:lnTo>
+                    <a:pt x="491" y="672"/>
+                  </a:lnTo>
+                  <a:lnTo>
+                    <a:pt x="479" y="695"/>
+                  </a:lnTo>
+                  <a:lnTo>
+                    <a:pt x="469" y="721"/>
+                  </a:lnTo>
+                  <a:lnTo>
+                    <a:pt x="460" y="750"/>
+                  </a:lnTo>
+                  <a:lnTo>
+                    <a:pt x="453" y="783"/>
+                  </a:lnTo>
+                  <a:lnTo>
+                    <a:pt x="448" y="821"/>
+                  </a:lnTo>
+                  <a:lnTo>
+                    <a:pt x="447" y="864"/>
+                  </a:lnTo>
+                  <a:lnTo>
+                    <a:pt x="448" y="907"/>
+                  </a:lnTo>
+                  <a:lnTo>
+                    <a:pt x="453" y="945"/>
+                  </a:lnTo>
+                  <a:lnTo>
+                    <a:pt x="460" y="978"/>
+                  </a:lnTo>
+                  <a:lnTo>
+                    <a:pt x="469" y="1007"/>
+                  </a:lnTo>
+                  <a:lnTo>
+                    <a:pt x="479" y="1033"/>
+                  </a:lnTo>
+                  <a:lnTo>
+                    <a:pt x="491" y="1056"/>
+                  </a:lnTo>
+                  <a:lnTo>
+                    <a:pt x="503" y="1080"/>
+                  </a:lnTo>
+                  <a:lnTo>
+                    <a:pt x="515" y="1104"/>
+                  </a:lnTo>
+                  <a:lnTo>
+                    <a:pt x="525" y="1127"/>
+                  </a:lnTo>
+                  <a:lnTo>
+                    <a:pt x="535" y="1153"/>
+                  </a:lnTo>
+                  <a:lnTo>
+                    <a:pt x="545" y="1182"/>
+                  </a:lnTo>
+                  <a:lnTo>
+                    <a:pt x="552" y="1215"/>
+                  </a:lnTo>
+                  <a:lnTo>
+                    <a:pt x="556" y="1253"/>
+                  </a:lnTo>
+                  <a:lnTo>
+                    <a:pt x="558" y="1296"/>
+                  </a:lnTo>
+                  <a:lnTo>
+                    <a:pt x="556" y="1339"/>
+                  </a:lnTo>
+                  <a:lnTo>
+                    <a:pt x="552" y="1377"/>
+                  </a:lnTo>
+                  <a:lnTo>
+                    <a:pt x="545" y="1410"/>
+                  </a:lnTo>
+                  <a:lnTo>
+                    <a:pt x="535" y="1439"/>
+                  </a:lnTo>
+                  <a:lnTo>
+                    <a:pt x="525" y="1465"/>
+                  </a:lnTo>
+                  <a:lnTo>
+                    <a:pt x="515" y="1488"/>
+                  </a:lnTo>
+                  <a:lnTo>
+                    <a:pt x="503" y="1512"/>
+                  </a:lnTo>
+                  <a:lnTo>
+                    <a:pt x="491" y="1536"/>
+                  </a:lnTo>
+                  <a:lnTo>
+                    <a:pt x="479" y="1559"/>
+                  </a:lnTo>
+                  <a:lnTo>
+                    <a:pt x="469" y="1585"/>
+                  </a:lnTo>
+                  <a:lnTo>
+                    <a:pt x="460" y="1614"/>
+                  </a:lnTo>
+                  <a:lnTo>
+                    <a:pt x="453" y="1647"/>
+                  </a:lnTo>
+                  <a:lnTo>
+                    <a:pt x="448" y="1685"/>
+                  </a:lnTo>
+                  <a:lnTo>
+                    <a:pt x="447" y="1728"/>
+                  </a:lnTo>
+                  <a:lnTo>
+                    <a:pt x="448" y="1771"/>
+                  </a:lnTo>
+                  <a:lnTo>
+                    <a:pt x="453" y="1809"/>
+                  </a:lnTo>
+                  <a:lnTo>
+                    <a:pt x="460" y="1842"/>
+                  </a:lnTo>
+                  <a:lnTo>
+                    <a:pt x="469" y="1871"/>
+                  </a:lnTo>
+                  <a:lnTo>
+                    <a:pt x="479" y="1897"/>
+                  </a:lnTo>
+                  <a:lnTo>
+                    <a:pt x="491" y="1920"/>
+                  </a:lnTo>
+                  <a:lnTo>
+                    <a:pt x="503" y="1944"/>
+                  </a:lnTo>
+                  <a:lnTo>
+                    <a:pt x="515" y="1968"/>
+                  </a:lnTo>
+                  <a:lnTo>
+                    <a:pt x="525" y="1991"/>
+                  </a:lnTo>
+                  <a:lnTo>
+                    <a:pt x="535" y="2017"/>
+                  </a:lnTo>
+                  <a:lnTo>
+                    <a:pt x="545" y="2046"/>
+                  </a:lnTo>
+                  <a:lnTo>
+                    <a:pt x="552" y="2079"/>
+                  </a:lnTo>
+                  <a:lnTo>
+                    <a:pt x="556" y="2117"/>
+                  </a:lnTo>
+                  <a:lnTo>
+                    <a:pt x="558" y="2159"/>
+                  </a:lnTo>
+                  <a:lnTo>
+                    <a:pt x="556" y="2203"/>
+                  </a:lnTo>
+                  <a:lnTo>
+                    <a:pt x="552" y="2241"/>
+                  </a:lnTo>
+                  <a:lnTo>
+                    <a:pt x="545" y="2274"/>
+                  </a:lnTo>
+                  <a:lnTo>
+                    <a:pt x="535" y="2303"/>
+                  </a:lnTo>
+                  <a:lnTo>
+                    <a:pt x="525" y="2329"/>
+                  </a:lnTo>
+                  <a:lnTo>
+                    <a:pt x="515" y="2352"/>
+                  </a:lnTo>
+                  <a:lnTo>
+                    <a:pt x="503" y="2376"/>
+                  </a:lnTo>
+                  <a:lnTo>
+                    <a:pt x="491" y="2400"/>
+                  </a:lnTo>
+                  <a:lnTo>
+                    <a:pt x="479" y="2423"/>
+                  </a:lnTo>
+                  <a:lnTo>
+                    <a:pt x="469" y="2449"/>
+                  </a:lnTo>
+                  <a:lnTo>
+                    <a:pt x="460" y="2478"/>
+                  </a:lnTo>
+                  <a:lnTo>
+                    <a:pt x="453" y="2511"/>
+                  </a:lnTo>
+                  <a:lnTo>
+                    <a:pt x="448" y="2549"/>
+                  </a:lnTo>
+                  <a:lnTo>
+                    <a:pt x="447" y="2592"/>
+                  </a:lnTo>
+                  <a:lnTo>
+                    <a:pt x="448" y="2635"/>
+                  </a:lnTo>
+                  <a:lnTo>
+                    <a:pt x="453" y="2673"/>
+                  </a:lnTo>
+                  <a:lnTo>
+                    <a:pt x="460" y="2706"/>
+                  </a:lnTo>
+                  <a:lnTo>
+                    <a:pt x="469" y="2735"/>
+                  </a:lnTo>
+                  <a:lnTo>
+                    <a:pt x="479" y="2761"/>
+                  </a:lnTo>
+                  <a:lnTo>
+                    <a:pt x="491" y="2784"/>
+                  </a:lnTo>
+                  <a:lnTo>
+                    <a:pt x="515" y="2832"/>
+                  </a:lnTo>
+                  <a:lnTo>
+                    <a:pt x="525" y="2855"/>
+                  </a:lnTo>
+                  <a:lnTo>
+                    <a:pt x="535" y="2881"/>
+                  </a:lnTo>
+                  <a:lnTo>
+                    <a:pt x="545" y="2910"/>
+                  </a:lnTo>
+                  <a:lnTo>
+                    <a:pt x="552" y="2943"/>
+                  </a:lnTo>
+                  <a:lnTo>
+                    <a:pt x="556" y="2981"/>
+                  </a:lnTo>
+                  <a:lnTo>
+                    <a:pt x="558" y="3024"/>
+                  </a:lnTo>
+                  <a:lnTo>
+                    <a:pt x="556" y="3067"/>
+                  </a:lnTo>
+                  <a:lnTo>
+                    <a:pt x="552" y="3105"/>
+                  </a:lnTo>
+                  <a:lnTo>
+                    <a:pt x="545" y="3138"/>
+                  </a:lnTo>
+                  <a:lnTo>
+                    <a:pt x="535" y="3167"/>
+                  </a:lnTo>
+                  <a:lnTo>
+                    <a:pt x="525" y="3193"/>
+                  </a:lnTo>
+                  <a:lnTo>
+                    <a:pt x="515" y="3216"/>
+                  </a:lnTo>
+                  <a:lnTo>
+                    <a:pt x="503" y="3240"/>
+                  </a:lnTo>
+                  <a:lnTo>
+                    <a:pt x="491" y="3264"/>
+                  </a:lnTo>
+                  <a:lnTo>
+                    <a:pt x="479" y="3287"/>
+                  </a:lnTo>
+                  <a:lnTo>
+                    <a:pt x="469" y="3313"/>
+                  </a:lnTo>
+                  <a:lnTo>
+                    <a:pt x="460" y="3342"/>
+                  </a:lnTo>
+                  <a:lnTo>
+                    <a:pt x="453" y="3375"/>
+                  </a:lnTo>
+                  <a:lnTo>
+                    <a:pt x="448" y="3413"/>
+                  </a:lnTo>
+                  <a:lnTo>
+                    <a:pt x="447" y="3456"/>
+                  </a:lnTo>
+                  <a:lnTo>
+                    <a:pt x="448" y="3499"/>
+                  </a:lnTo>
+                  <a:lnTo>
+                    <a:pt x="453" y="3537"/>
+                  </a:lnTo>
+                  <a:lnTo>
+                    <a:pt x="460" y="3570"/>
+                  </a:lnTo>
+                  <a:lnTo>
+                    <a:pt x="469" y="3599"/>
+                  </a:lnTo>
+                  <a:lnTo>
+                    <a:pt x="479" y="3625"/>
+                  </a:lnTo>
+                  <a:lnTo>
+                    <a:pt x="491" y="3648"/>
+                  </a:lnTo>
+                  <a:lnTo>
+                    <a:pt x="503" y="3672"/>
+                  </a:lnTo>
+                  <a:lnTo>
+                    <a:pt x="515" y="3696"/>
+                  </a:lnTo>
+                  <a:lnTo>
+                    <a:pt x="525" y="3719"/>
+                  </a:lnTo>
+                  <a:lnTo>
+                    <a:pt x="535" y="3745"/>
+                  </a:lnTo>
+                  <a:lnTo>
+                    <a:pt x="545" y="3774"/>
+                  </a:lnTo>
+                  <a:lnTo>
+                    <a:pt x="552" y="3807"/>
+                  </a:lnTo>
+                  <a:lnTo>
+                    <a:pt x="556" y="3845"/>
+                  </a:lnTo>
+                  <a:lnTo>
+                    <a:pt x="558" y="3888"/>
+                  </a:lnTo>
+                  <a:lnTo>
+                    <a:pt x="556" y="3931"/>
+                  </a:lnTo>
+                  <a:lnTo>
+                    <a:pt x="552" y="3969"/>
+                  </a:lnTo>
+                  <a:lnTo>
+                    <a:pt x="545" y="4002"/>
+                  </a:lnTo>
+                  <a:lnTo>
+                    <a:pt x="535" y="4031"/>
+                  </a:lnTo>
+                  <a:lnTo>
+                    <a:pt x="525" y="4057"/>
+                  </a:lnTo>
+                  <a:lnTo>
+                    <a:pt x="515" y="4080"/>
+                  </a:lnTo>
+                  <a:lnTo>
+                    <a:pt x="503" y="4104"/>
+                  </a:lnTo>
+                  <a:lnTo>
+                    <a:pt x="491" y="4128"/>
+                  </a:lnTo>
+                  <a:lnTo>
+                    <a:pt x="479" y="4151"/>
+                  </a:lnTo>
+                  <a:lnTo>
+                    <a:pt x="469" y="4177"/>
+                  </a:lnTo>
+                  <a:lnTo>
+                    <a:pt x="460" y="4206"/>
+                  </a:lnTo>
+                  <a:lnTo>
+                    <a:pt x="453" y="4239"/>
+                  </a:lnTo>
+                  <a:lnTo>
+                    <a:pt x="448" y="4277"/>
+                  </a:lnTo>
+                  <a:lnTo>
+                    <a:pt x="447" y="4320"/>
+                  </a:lnTo>
+                  <a:lnTo>
+                    <a:pt x="0" y="4320"/>
+                  </a:lnTo>
+                  <a:lnTo>
+                    <a:pt x="0" y="0"/>
+                  </a:lnTo>
+                  <a:close/>
+                </a:path>
+              </a:pathLst>
+            </a:custGeom>
+            <a:solidFill>
+              <a:srgbClr val="FFFFFF"/>
+            </a:solidFill>
+            <a:ln w="0">
+              <a:noFill/>
+              <a:prstDash val="solid"/>
+              <a:round/>
+              <a:headEnd/>
+              <a:tailEnd/>
+            </a:ln>
+          </p:spPr>
+        </p:sp>
+        <p:sp>
+          <p:nvSpPr>
+            <p:cNvPr id="76" name="Freeform 6">
+              <a:extLst>
+                <a:ext uri="{FF2B5EF4-FFF2-40B4-BE49-F238E27FC236}">
+                  <a16:creationId xmlns:a16="http://schemas.microsoft.com/office/drawing/2014/main" id="{6751C2C2-B295-4CDA-9112-A35D684DCB55}"/>
+                </a:ext>
+                <a:ext uri="{C183D7F6-B498-43B3-948B-1728B52AA6E4}">
+                  <adec:decorative xmlns:adec="http://schemas.microsoft.com/office/drawing/2017/decorative" val="1"/>
+                </a:ext>
+              </a:extLst>
+            </p:cNvPr>
+            <p:cNvSpPr/>
+            <p:nvPr>
+              <p:extLst>
+                <p:ext uri="{386F3935-93C4-4BCD-93E2-E3B085C9AB24}">
+                  <p16:designElem xmlns:p16="http://schemas.microsoft.com/office/powerpoint/2015/main" val="1"/>
+                </p:ext>
+              </p:extLst>
+            </p:nvPr>
+          </p:nvSpPr>
+          <p:spPr bwMode="auto">
+            <a:xfrm>
+              <a:off x="0" y="0"/>
+              <a:ext cx="885825" cy="6858000"/>
+            </a:xfrm>
+            <a:custGeom>
+              <a:avLst/>
+              <a:gdLst/>
+              <a:ahLst/>
+              <a:cxnLst/>
+              <a:rect l="0" t="0" r="r" b="b"/>
+              <a:pathLst>
+                <a:path w="558" h="4320">
+                  <a:moveTo>
+                    <a:pt x="0" y="0"/>
+                  </a:moveTo>
+                  <a:lnTo>
+                    <a:pt x="447" y="0"/>
+                  </a:lnTo>
+                  <a:lnTo>
+                    <a:pt x="448" y="43"/>
+                  </a:lnTo>
+                  <a:lnTo>
+                    <a:pt x="453" y="81"/>
+                  </a:lnTo>
+                  <a:lnTo>
+                    <a:pt x="460" y="114"/>
+                  </a:lnTo>
+                  <a:lnTo>
+                    <a:pt x="469" y="143"/>
+                  </a:lnTo>
+                  <a:lnTo>
+                    <a:pt x="479" y="169"/>
+                  </a:lnTo>
+                  <a:lnTo>
+                    <a:pt x="491" y="192"/>
+                  </a:lnTo>
+                  <a:lnTo>
+                    <a:pt x="503" y="216"/>
+                  </a:lnTo>
+                  <a:lnTo>
+                    <a:pt x="515" y="240"/>
+                  </a:lnTo>
+                  <a:lnTo>
+                    <a:pt x="525" y="263"/>
+                  </a:lnTo>
+                  <a:lnTo>
+                    <a:pt x="535" y="289"/>
+                  </a:lnTo>
+                  <a:lnTo>
+                    <a:pt x="545" y="318"/>
+                  </a:lnTo>
+                  <a:lnTo>
+                    <a:pt x="552" y="351"/>
+                  </a:lnTo>
+                  <a:lnTo>
+                    <a:pt x="556" y="389"/>
+                  </a:lnTo>
+                  <a:lnTo>
+                    <a:pt x="558" y="432"/>
+                  </a:lnTo>
+                  <a:lnTo>
+                    <a:pt x="556" y="475"/>
+                  </a:lnTo>
+                  <a:lnTo>
+                    <a:pt x="552" y="513"/>
+                  </a:lnTo>
+                  <a:lnTo>
+                    <a:pt x="545" y="546"/>
+                  </a:lnTo>
+                  <a:lnTo>
+                    <a:pt x="535" y="575"/>
+                  </a:lnTo>
+                  <a:lnTo>
+                    <a:pt x="525" y="601"/>
+                  </a:lnTo>
+                  <a:lnTo>
+                    <a:pt x="515" y="624"/>
+                  </a:lnTo>
+                  <a:lnTo>
+                    <a:pt x="503" y="648"/>
+                  </a:lnTo>
+                  <a:lnTo>
+                    <a:pt x="491" y="672"/>
+                  </a:lnTo>
+                  <a:lnTo>
+                    <a:pt x="479" y="695"/>
+                  </a:lnTo>
+                  <a:lnTo>
+                    <a:pt x="469" y="721"/>
+                  </a:lnTo>
+                  <a:lnTo>
+                    <a:pt x="460" y="750"/>
+                  </a:lnTo>
+                  <a:lnTo>
+                    <a:pt x="453" y="783"/>
+                  </a:lnTo>
+                  <a:lnTo>
+                    <a:pt x="448" y="821"/>
+                  </a:lnTo>
+                  <a:lnTo>
+                    <a:pt x="447" y="864"/>
+                  </a:lnTo>
+                  <a:lnTo>
+                    <a:pt x="448" y="907"/>
+                  </a:lnTo>
+                  <a:lnTo>
+                    <a:pt x="453" y="945"/>
+                  </a:lnTo>
+                  <a:lnTo>
+                    <a:pt x="460" y="978"/>
+                  </a:lnTo>
+                  <a:lnTo>
+                    <a:pt x="469" y="1007"/>
+                  </a:lnTo>
+                  <a:lnTo>
+                    <a:pt x="479" y="1033"/>
+                  </a:lnTo>
+                  <a:lnTo>
+                    <a:pt x="491" y="1056"/>
+                  </a:lnTo>
+                  <a:lnTo>
+                    <a:pt x="503" y="1080"/>
+                  </a:lnTo>
+                  <a:lnTo>
+                    <a:pt x="515" y="1104"/>
+                  </a:lnTo>
+                  <a:lnTo>
+                    <a:pt x="525" y="1127"/>
+                  </a:lnTo>
+                  <a:lnTo>
+                    <a:pt x="535" y="1153"/>
+                  </a:lnTo>
+                  <a:lnTo>
+                    <a:pt x="545" y="1182"/>
+                  </a:lnTo>
+                  <a:lnTo>
+                    <a:pt x="552" y="1215"/>
+                  </a:lnTo>
+                  <a:lnTo>
+                    <a:pt x="556" y="1253"/>
+                  </a:lnTo>
+                  <a:lnTo>
+                    <a:pt x="558" y="1296"/>
+                  </a:lnTo>
+                  <a:lnTo>
+                    <a:pt x="556" y="1339"/>
+                  </a:lnTo>
+                  <a:lnTo>
+                    <a:pt x="552" y="1377"/>
+                  </a:lnTo>
+                  <a:lnTo>
+                    <a:pt x="545" y="1410"/>
+                  </a:lnTo>
+                  <a:lnTo>
+                    <a:pt x="535" y="1439"/>
+                  </a:lnTo>
+                  <a:lnTo>
+                    <a:pt x="525" y="1465"/>
+                  </a:lnTo>
+                  <a:lnTo>
+                    <a:pt x="515" y="1488"/>
+                  </a:lnTo>
+                  <a:lnTo>
+                    <a:pt x="503" y="1512"/>
+                  </a:lnTo>
+                  <a:lnTo>
+                    <a:pt x="491" y="1536"/>
+                  </a:lnTo>
+                  <a:lnTo>
+                    <a:pt x="479" y="1559"/>
+                  </a:lnTo>
+                  <a:lnTo>
+                    <a:pt x="469" y="1585"/>
+                  </a:lnTo>
+                  <a:lnTo>
+                    <a:pt x="460" y="1614"/>
+                  </a:lnTo>
+                  <a:lnTo>
+                    <a:pt x="453" y="1647"/>
+                  </a:lnTo>
+                  <a:lnTo>
+                    <a:pt x="448" y="1685"/>
+                  </a:lnTo>
+                  <a:lnTo>
+                    <a:pt x="447" y="1728"/>
+                  </a:lnTo>
+                  <a:lnTo>
+                    <a:pt x="448" y="1771"/>
+                  </a:lnTo>
+                  <a:lnTo>
+                    <a:pt x="453" y="1809"/>
+                  </a:lnTo>
+                  <a:lnTo>
+                    <a:pt x="460" y="1842"/>
+                  </a:lnTo>
+                  <a:lnTo>
+                    <a:pt x="469" y="1871"/>
+                  </a:lnTo>
+                  <a:lnTo>
+                    <a:pt x="479" y="1897"/>
+                  </a:lnTo>
+                  <a:lnTo>
+                    <a:pt x="491" y="1920"/>
+                  </a:lnTo>
+                  <a:lnTo>
+                    <a:pt x="503" y="1944"/>
+                  </a:lnTo>
+                  <a:lnTo>
+                    <a:pt x="515" y="1968"/>
+                  </a:lnTo>
+                  <a:lnTo>
+                    <a:pt x="525" y="1991"/>
+                  </a:lnTo>
+                  <a:lnTo>
+                    <a:pt x="535" y="2017"/>
+                  </a:lnTo>
+                  <a:lnTo>
+                    <a:pt x="545" y="2046"/>
+                  </a:lnTo>
+                  <a:lnTo>
+                    <a:pt x="552" y="2079"/>
+                  </a:lnTo>
+                  <a:lnTo>
+                    <a:pt x="556" y="2117"/>
+                  </a:lnTo>
+                  <a:lnTo>
+                    <a:pt x="558" y="2159"/>
+                  </a:lnTo>
+                  <a:lnTo>
+                    <a:pt x="556" y="2203"/>
+                  </a:lnTo>
+                  <a:lnTo>
+                    <a:pt x="552" y="2241"/>
+                  </a:lnTo>
+                  <a:lnTo>
+                    <a:pt x="545" y="2274"/>
+                  </a:lnTo>
+                  <a:lnTo>
+                    <a:pt x="535" y="2303"/>
+                  </a:lnTo>
+                  <a:lnTo>
+                    <a:pt x="525" y="2329"/>
+                  </a:lnTo>
+                  <a:lnTo>
+                    <a:pt x="515" y="2352"/>
+                  </a:lnTo>
+                  <a:lnTo>
+                    <a:pt x="503" y="2376"/>
+                  </a:lnTo>
+                  <a:lnTo>
+                    <a:pt x="491" y="2400"/>
+                  </a:lnTo>
+                  <a:lnTo>
+                    <a:pt x="479" y="2423"/>
+                  </a:lnTo>
+                  <a:lnTo>
+                    <a:pt x="469" y="2449"/>
+                  </a:lnTo>
+                  <a:lnTo>
+                    <a:pt x="460" y="2478"/>
+                  </a:lnTo>
+                  <a:lnTo>
+                    <a:pt x="453" y="2511"/>
+                  </a:lnTo>
+                  <a:lnTo>
+                    <a:pt x="448" y="2549"/>
+                  </a:lnTo>
+                  <a:lnTo>
+                    <a:pt x="447" y="2592"/>
+                  </a:lnTo>
+                  <a:lnTo>
+                    <a:pt x="448" y="2635"/>
+                  </a:lnTo>
+                  <a:lnTo>
+                    <a:pt x="453" y="2673"/>
+                  </a:lnTo>
+                  <a:lnTo>
+                    <a:pt x="460" y="2706"/>
+                  </a:lnTo>
+                  <a:lnTo>
+                    <a:pt x="469" y="2735"/>
+                  </a:lnTo>
+                  <a:lnTo>
+                    <a:pt x="479" y="2761"/>
+                  </a:lnTo>
+                  <a:lnTo>
+                    <a:pt x="491" y="2784"/>
+                  </a:lnTo>
+                  <a:lnTo>
+                    <a:pt x="515" y="2832"/>
+                  </a:lnTo>
+                  <a:lnTo>
+                    <a:pt x="525" y="2855"/>
+                  </a:lnTo>
+                  <a:lnTo>
+                    <a:pt x="535" y="2881"/>
+                  </a:lnTo>
+                  <a:lnTo>
+                    <a:pt x="545" y="2910"/>
+                  </a:lnTo>
+                  <a:lnTo>
+                    <a:pt x="552" y="2943"/>
+                  </a:lnTo>
+                  <a:lnTo>
+                    <a:pt x="556" y="2981"/>
+                  </a:lnTo>
+                  <a:lnTo>
+                    <a:pt x="558" y="3024"/>
+                  </a:lnTo>
+                  <a:lnTo>
+                    <a:pt x="556" y="3067"/>
+                  </a:lnTo>
+                  <a:lnTo>
+                    <a:pt x="552" y="3105"/>
+                  </a:lnTo>
+                  <a:lnTo>
+                    <a:pt x="545" y="3138"/>
+                  </a:lnTo>
+                  <a:lnTo>
+                    <a:pt x="535" y="3167"/>
+                  </a:lnTo>
+                  <a:lnTo>
+                    <a:pt x="525" y="3193"/>
+                  </a:lnTo>
+                  <a:lnTo>
+                    <a:pt x="515" y="3216"/>
+                  </a:lnTo>
+                  <a:lnTo>
+                    <a:pt x="503" y="3240"/>
+                  </a:lnTo>
+                  <a:lnTo>
+                    <a:pt x="491" y="3264"/>
+                  </a:lnTo>
+                  <a:lnTo>
+                    <a:pt x="479" y="3287"/>
+                  </a:lnTo>
+                  <a:lnTo>
+                    <a:pt x="469" y="3313"/>
+                  </a:lnTo>
+                  <a:lnTo>
+                    <a:pt x="460" y="3342"/>
+                  </a:lnTo>
+                  <a:lnTo>
+                    <a:pt x="453" y="3375"/>
+                  </a:lnTo>
+                  <a:lnTo>
+                    <a:pt x="448" y="3413"/>
+                  </a:lnTo>
+                  <a:lnTo>
+                    <a:pt x="447" y="3456"/>
+                  </a:lnTo>
+                  <a:lnTo>
+                    <a:pt x="448" y="3499"/>
+                  </a:lnTo>
+                  <a:lnTo>
+                    <a:pt x="453" y="3537"/>
+                  </a:lnTo>
+                  <a:lnTo>
+                    <a:pt x="460" y="3570"/>
+                  </a:lnTo>
+                  <a:lnTo>
+                    <a:pt x="469" y="3599"/>
+                  </a:lnTo>
+                  <a:lnTo>
+                    <a:pt x="479" y="3625"/>
+                  </a:lnTo>
+                  <a:lnTo>
+                    <a:pt x="491" y="3648"/>
+                  </a:lnTo>
+                  <a:lnTo>
+                    <a:pt x="503" y="3672"/>
+                  </a:lnTo>
+                  <a:lnTo>
+                    <a:pt x="515" y="3696"/>
+                  </a:lnTo>
+                  <a:lnTo>
+                    <a:pt x="525" y="3719"/>
+                  </a:lnTo>
+                  <a:lnTo>
+                    <a:pt x="535" y="3745"/>
+                  </a:lnTo>
+                  <a:lnTo>
+                    <a:pt x="545" y="3774"/>
+                  </a:lnTo>
+                  <a:lnTo>
+                    <a:pt x="552" y="3807"/>
+                  </a:lnTo>
+                  <a:lnTo>
+                    <a:pt x="556" y="3845"/>
+                  </a:lnTo>
+                  <a:lnTo>
+                    <a:pt x="558" y="3888"/>
+                  </a:lnTo>
+                  <a:lnTo>
+                    <a:pt x="556" y="3931"/>
+                  </a:lnTo>
+                  <a:lnTo>
+                    <a:pt x="552" y="3969"/>
+                  </a:lnTo>
+                  <a:lnTo>
+                    <a:pt x="545" y="4002"/>
+                  </a:lnTo>
+                  <a:lnTo>
+                    <a:pt x="535" y="4031"/>
+                  </a:lnTo>
+                  <a:lnTo>
+                    <a:pt x="525" y="4057"/>
+                  </a:lnTo>
+                  <a:lnTo>
+                    <a:pt x="515" y="4080"/>
+                  </a:lnTo>
+                  <a:lnTo>
+                    <a:pt x="503" y="4104"/>
+                  </a:lnTo>
+                  <a:lnTo>
+                    <a:pt x="491" y="4128"/>
+                  </a:lnTo>
+                  <a:lnTo>
+                    <a:pt x="479" y="4151"/>
+                  </a:lnTo>
+                  <a:lnTo>
+                    <a:pt x="469" y="4177"/>
+                  </a:lnTo>
+                  <a:lnTo>
+                    <a:pt x="460" y="4206"/>
+                  </a:lnTo>
+                  <a:lnTo>
+                    <a:pt x="453" y="4239"/>
+                  </a:lnTo>
+                  <a:lnTo>
+                    <a:pt x="448" y="4277"/>
+                  </a:lnTo>
+                  <a:lnTo>
+                    <a:pt x="447" y="4320"/>
+                  </a:lnTo>
+                  <a:lnTo>
+                    <a:pt x="0" y="4320"/>
+                  </a:lnTo>
+                  <a:lnTo>
+                    <a:pt x="0" y="0"/>
+                  </a:lnTo>
+                  <a:close/>
+                </a:path>
+              </a:pathLst>
+            </a:custGeom>
+            <a:solidFill>
+              <a:schemeClr val="accent1">
+                <a:lumMod val="50000"/>
+                <a:alpha val="25000"/>
+              </a:schemeClr>
+            </a:solidFill>
+            <a:ln w="0">
+              <a:noFill/>
+              <a:prstDash val="solid"/>
+              <a:round/>
+              <a:headEnd/>
+              <a:tailEnd/>
+            </a:ln>
+          </p:spPr>
+        </p:sp>
+      </p:grpSp>
+      <p:pic>
+        <p:nvPicPr>
+          <p:cNvPr id="28" name="Picture 2" descr="feup-logo - AETICE - Associação das Empresas de Tecnologias de Informação,  Comunicação e Eletrónica">
+            <a:extLst>
+              <a:ext uri="{FF2B5EF4-FFF2-40B4-BE49-F238E27FC236}">
+                <a16:creationId xmlns:a16="http://schemas.microsoft.com/office/drawing/2014/main" id="{2685351C-A86D-884D-BC91-5E7791CE1D8D}"/>
+              </a:ext>
+            </a:extLst>
+          </p:cNvPr>
+          <p:cNvPicPr>
+            <a:picLocks noChangeAspect="1" noChangeArrowheads="1"/>
+          </p:cNvPicPr>
+          <p:nvPr/>
+        </p:nvPicPr>
+        <p:blipFill>
+          <a:blip r:embed="rId2">
+            <a:extLst>
+              <a:ext uri="{28A0092B-C50C-407E-A947-70E740481C1C}">
+                <a14:useLocalDpi xmlns:a14="http://schemas.microsoft.com/office/drawing/2010/main" val="0"/>
+              </a:ext>
+            </a:extLst>
+          </a:blip>
+          <a:srcRect/>
+          <a:stretch>
+            <a:fillRect/>
+          </a:stretch>
+        </p:blipFill>
+        <p:spPr bwMode="auto">
+          <a:xfrm>
+            <a:off x="10668987" y="5905500"/>
+            <a:ext cx="1309030" cy="580337"/>
+          </a:xfrm>
+          <a:prstGeom prst="rect">
+            <a:avLst/>
+          </a:prstGeom>
+          <a:noFill/>
+          <a:effectLst>
+            <a:glow rad="58387">
+              <a:schemeClr val="accent1">
+                <a:alpha val="40000"/>
+              </a:schemeClr>
+            </a:glow>
+            <a:outerShdw sx="1000" sy="1000" algn="ctr" rotWithShape="0">
+              <a:srgbClr val="000000"/>
+            </a:outerShdw>
+            <a:reflection blurRad="31698" stA="27000" endPos="65000" dist="91119" dir="5400000" sy="-100000" algn="bl" rotWithShape="0"/>
+            <a:softEdge rad="206"/>
+          </a:effectLst>
+          <a:extLst>
+            <a:ext uri="{909E8E84-426E-40DD-AFC4-6F175D3DCCD1}">
+              <a14:hiddenFill xmlns:a14="http://schemas.microsoft.com/office/drawing/2010/main">
+                <a:solidFill>
+                  <a:srgbClr val="FFFFFF"/>
+                </a:solidFill>
+              </a14:hiddenFill>
+            </a:ext>
+          </a:extLst>
+        </p:spPr>
+      </p:pic>
+      <p:sp>
+        <p:nvSpPr>
+          <p:cNvPr id="19" name="TextBox 18">
+            <a:extLst>
+              <a:ext uri="{FF2B5EF4-FFF2-40B4-BE49-F238E27FC236}">
+                <a16:creationId xmlns:a16="http://schemas.microsoft.com/office/drawing/2014/main" id="{B6F6B144-968C-1A48-BA6A-12B05F10C846}"/>
+              </a:ext>
+            </a:extLst>
+          </p:cNvPr>
+          <p:cNvSpPr txBox="1"/>
+          <p:nvPr/>
+        </p:nvSpPr>
+        <p:spPr>
+          <a:xfrm>
+            <a:off x="67277" y="6412638"/>
+            <a:ext cx="1851577" cy="661720"/>
+          </a:xfrm>
+          <a:prstGeom prst="rect">
+            <a:avLst/>
+          </a:prstGeom>
+          <a:noFill/>
+        </p:spPr>
+        <p:txBody>
+          <a:bodyPr wrap="square" rtlCol="0">
+            <a:spAutoFit/>
+          </a:bodyPr>
+          <a:lstStyle/>
+          <a:p>
+            <a:pPr>
+              <a:spcAft>
+                <a:spcPts val="600"/>
+              </a:spcAft>
+            </a:pPr>
+            <a:r>
+              <a:rPr lang="en-US" sz="1600" dirty="0"/>
+              <a:t>AED </a:t>
+            </a:r>
+            <a:r>
+              <a:rPr lang="en-US" sz="1400" dirty="0"/>
+              <a:t>2021/2022</a:t>
+            </a:r>
+            <a:endParaRPr lang="en-US" sz="1600" dirty="0"/>
+          </a:p>
+          <a:p>
+            <a:pPr>
+              <a:spcAft>
+                <a:spcPts val="600"/>
+              </a:spcAft>
+            </a:pPr>
+            <a:endParaRPr lang="en-PT" sz="1600" dirty="0"/>
+          </a:p>
+        </p:txBody>
+      </p:sp>
+      <p:sp>
+        <p:nvSpPr>
+          <p:cNvPr id="21" name="Marcador de Posição de Conteúdo 2">
+            <a:extLst>
+              <a:ext uri="{FF2B5EF4-FFF2-40B4-BE49-F238E27FC236}">
+                <a16:creationId xmlns:a16="http://schemas.microsoft.com/office/drawing/2014/main" id="{FEE20BCB-141C-C445-8B00-F22ED5320674}"/>
+              </a:ext>
+            </a:extLst>
+          </p:cNvPr>
+          <p:cNvSpPr txBox="1">
+            <a:spLocks/>
+          </p:cNvSpPr>
+          <p:nvPr/>
+        </p:nvSpPr>
+        <p:spPr>
+          <a:xfrm>
+            <a:off x="537725" y="2149352"/>
+            <a:ext cx="6626072" cy="2138870"/>
+          </a:xfrm>
+          <a:prstGeom prst="rect">
+            <a:avLst/>
+          </a:prstGeom>
+        </p:spPr>
+        <p:txBody>
+          <a:bodyPr vert="horz" lIns="91440" tIns="45720" rIns="91440" bIns="45720" rtlCol="0">
+            <a:noAutofit/>
+          </a:bodyPr>
+          <a:lstStyle>
+            <a:lvl1pPr marL="0" indent="0" algn="ctr" defTabSz="914400" rtl="0" eaLnBrk="1" latinLnBrk="0" hangingPunct="1">
+              <a:lnSpc>
+                <a:spcPct val="90000"/>
+              </a:lnSpc>
+              <a:spcBef>
+                <a:spcPts val="1000"/>
+              </a:spcBef>
+              <a:buFont typeface="Arial" panose="020B0604020202020204" pitchFamily="34" charset="0"/>
+              <a:buNone/>
+              <a:defRPr sz="2400" kern="1200">
+                <a:solidFill>
+                  <a:schemeClr val="tx1"/>
+                </a:solidFill>
+                <a:latin typeface="+mn-lt"/>
+                <a:ea typeface="+mn-ea"/>
+                <a:cs typeface="+mn-cs"/>
+              </a:defRPr>
+            </a:lvl1pPr>
+            <a:lvl2pPr marL="457200" indent="0" algn="ctr" defTabSz="914400" rtl="0" eaLnBrk="1" latinLnBrk="0" hangingPunct="1">
+              <a:lnSpc>
+                <a:spcPct val="90000"/>
+              </a:lnSpc>
+              <a:spcBef>
+                <a:spcPts val="500"/>
+              </a:spcBef>
+              <a:buFont typeface="Arial" panose="020B0604020202020204" pitchFamily="34" charset="0"/>
+              <a:buNone/>
+              <a:defRPr sz="2000" kern="1200">
+                <a:solidFill>
+                  <a:schemeClr val="tx1"/>
+                </a:solidFill>
+                <a:latin typeface="+mn-lt"/>
+                <a:ea typeface="+mn-ea"/>
+                <a:cs typeface="+mn-cs"/>
+              </a:defRPr>
+            </a:lvl2pPr>
+            <a:lvl3pPr marL="914400" indent="0" algn="ctr" defTabSz="914400" rtl="0" eaLnBrk="1" latinLnBrk="0" hangingPunct="1">
+              <a:lnSpc>
+                <a:spcPct val="90000"/>
+              </a:lnSpc>
+              <a:spcBef>
+                <a:spcPts val="500"/>
+              </a:spcBef>
+              <a:buFont typeface="Arial" panose="020B0604020202020204" pitchFamily="34" charset="0"/>
+              <a:buNone/>
+              <a:defRPr sz="1800" kern="1200">
+                <a:solidFill>
+                  <a:schemeClr val="tx1"/>
+                </a:solidFill>
+                <a:latin typeface="+mn-lt"/>
+                <a:ea typeface="+mn-ea"/>
+                <a:cs typeface="+mn-cs"/>
+              </a:defRPr>
+            </a:lvl3pPr>
+            <a:lvl4pPr marL="1371600" indent="0" algn="ctr" defTabSz="914400" rtl="0" eaLnBrk="1" latinLnBrk="0" hangingPunct="1">
+              <a:lnSpc>
+                <a:spcPct val="90000"/>
+              </a:lnSpc>
+              <a:spcBef>
+                <a:spcPts val="500"/>
+              </a:spcBef>
+              <a:buFont typeface="Arial" panose="020B0604020202020204" pitchFamily="34" charset="0"/>
+              <a:buNone/>
+              <a:defRPr sz="1600" kern="1200">
+                <a:solidFill>
+                  <a:schemeClr val="tx1"/>
+                </a:solidFill>
+                <a:latin typeface="+mn-lt"/>
+                <a:ea typeface="+mn-ea"/>
+                <a:cs typeface="+mn-cs"/>
+              </a:defRPr>
+            </a:lvl4pPr>
+            <a:lvl5pPr marL="1828800" indent="0" algn="ctr" defTabSz="914400" rtl="0" eaLnBrk="1" latinLnBrk="0" hangingPunct="1">
+              <a:lnSpc>
+                <a:spcPct val="90000"/>
+              </a:lnSpc>
+              <a:spcBef>
+                <a:spcPts val="500"/>
+              </a:spcBef>
+              <a:buFont typeface="Arial" panose="020B0604020202020204" pitchFamily="34" charset="0"/>
+              <a:buNone/>
+              <a:defRPr sz="1600" kern="1200">
+                <a:solidFill>
+                  <a:schemeClr val="tx1"/>
+                </a:solidFill>
+                <a:latin typeface="+mn-lt"/>
+                <a:ea typeface="+mn-ea"/>
+                <a:cs typeface="+mn-cs"/>
+              </a:defRPr>
+            </a:lvl5pPr>
+            <a:lvl6pPr marL="2286000" indent="0" algn="ctr" defTabSz="914400" rtl="0" eaLnBrk="1" latinLnBrk="0" hangingPunct="1">
+              <a:lnSpc>
+                <a:spcPct val="90000"/>
+              </a:lnSpc>
+              <a:spcBef>
+                <a:spcPts val="500"/>
+              </a:spcBef>
+              <a:buFont typeface="Arial" panose="020B0604020202020204" pitchFamily="34" charset="0"/>
+              <a:buNone/>
+              <a:defRPr sz="1600" kern="1200">
+                <a:solidFill>
+                  <a:schemeClr val="tx1"/>
+                </a:solidFill>
+                <a:latin typeface="+mn-lt"/>
+                <a:ea typeface="+mn-ea"/>
+                <a:cs typeface="+mn-cs"/>
+              </a:defRPr>
+            </a:lvl6pPr>
+            <a:lvl7pPr marL="2743200" indent="0" algn="ctr" defTabSz="914400" rtl="0" eaLnBrk="1" latinLnBrk="0" hangingPunct="1">
+              <a:lnSpc>
+                <a:spcPct val="90000"/>
+              </a:lnSpc>
+              <a:spcBef>
+                <a:spcPts val="500"/>
+              </a:spcBef>
+              <a:buFont typeface="Arial" panose="020B0604020202020204" pitchFamily="34" charset="0"/>
+              <a:buNone/>
+              <a:defRPr sz="1600" kern="1200">
+                <a:solidFill>
+                  <a:schemeClr val="tx1"/>
+                </a:solidFill>
+                <a:latin typeface="+mn-lt"/>
+                <a:ea typeface="+mn-ea"/>
+                <a:cs typeface="+mn-cs"/>
+              </a:defRPr>
+            </a:lvl7pPr>
+            <a:lvl8pPr marL="3200400" indent="0" algn="ctr" defTabSz="914400" rtl="0" eaLnBrk="1" latinLnBrk="0" hangingPunct="1">
+              <a:lnSpc>
+                <a:spcPct val="90000"/>
+              </a:lnSpc>
+              <a:spcBef>
+                <a:spcPts val="500"/>
+              </a:spcBef>
+              <a:buFont typeface="Arial" panose="020B0604020202020204" pitchFamily="34" charset="0"/>
+              <a:buNone/>
+              <a:defRPr sz="1600" kern="1200">
+                <a:solidFill>
+                  <a:schemeClr val="tx1"/>
+                </a:solidFill>
+                <a:latin typeface="+mn-lt"/>
+                <a:ea typeface="+mn-ea"/>
+                <a:cs typeface="+mn-cs"/>
+              </a:defRPr>
+            </a:lvl8pPr>
+            <a:lvl9pPr marL="3657600" indent="0" algn="ctr" defTabSz="914400" rtl="0" eaLnBrk="1" latinLnBrk="0" hangingPunct="1">
+              <a:lnSpc>
+                <a:spcPct val="90000"/>
+              </a:lnSpc>
+              <a:spcBef>
+                <a:spcPts val="500"/>
+              </a:spcBef>
+              <a:buFont typeface="Arial" panose="020B0604020202020204" pitchFamily="34" charset="0"/>
+              <a:buNone/>
+              <a:defRPr sz="1600" kern="1200">
+                <a:solidFill>
+                  <a:schemeClr val="tx1"/>
+                </a:solidFill>
+                <a:latin typeface="+mn-lt"/>
+                <a:ea typeface="+mn-ea"/>
+                <a:cs typeface="+mn-cs"/>
+              </a:defRPr>
+            </a:lvl9pPr>
+          </a:lstStyle>
+          <a:p>
+            <a:pPr marL="800100" lvl="1" indent="-342900" algn="just">
+              <a:buFont typeface="Arial" panose="020B0604020202020204" pitchFamily="34" charset="0"/>
+              <a:buChar char="•"/>
+            </a:pPr>
+            <a:r>
+              <a:rPr lang="pt-PT" dirty="0"/>
+              <a:t>Consideramos que o mais fácil consiste no que envolve menos trocas de linhas.</a:t>
+            </a:r>
+          </a:p>
+          <a:p>
+            <a:pPr lvl="1" algn="just"/>
+            <a:endParaRPr lang="pt-PT" dirty="0"/>
+          </a:p>
+          <a:p>
+            <a:pPr marL="800100" lvl="1" indent="-342900" algn="just">
+              <a:buFont typeface="Arial" panose="020B0604020202020204" pitchFamily="34" charset="0"/>
+              <a:buChar char="•"/>
+            </a:pPr>
+            <a:r>
+              <a:rPr lang="pt-PT" dirty="0"/>
+              <a:t>A função </a:t>
+            </a:r>
+            <a:r>
+              <a:rPr lang="pt-PT" dirty="0" err="1"/>
+              <a:t>dijkstraLines</a:t>
+            </a:r>
+            <a:r>
+              <a:rPr lang="pt-PT" dirty="0"/>
+              <a:t> </a:t>
+            </a:r>
+            <a:r>
+              <a:rPr lang="pt-PT" i="1" dirty="0"/>
+              <a:t>(</a:t>
+            </a:r>
+            <a:r>
+              <a:rPr lang="en-GB" i="1" dirty="0"/>
+              <a:t>O(|</a:t>
+            </a:r>
+            <a:r>
+              <a:rPr lang="en-GB" i="1" dirty="0" err="1"/>
+              <a:t>E|log|V</a:t>
+            </a:r>
+            <a:r>
+              <a:rPr lang="en-GB" i="1" dirty="0"/>
+              <a:t>|)</a:t>
+            </a:r>
+            <a:r>
+              <a:rPr lang="pt-PT" i="1" dirty="0"/>
+              <a:t>) </a:t>
+            </a:r>
+            <a:r>
+              <a:rPr lang="pt-PT" dirty="0"/>
+              <a:t>consiste numa implementação do algoritmo de </a:t>
+            </a:r>
+            <a:r>
+              <a:rPr lang="pt-PT" dirty="0" err="1"/>
+              <a:t>Dijkstra</a:t>
+            </a:r>
+            <a:r>
+              <a:rPr lang="pt-PT" dirty="0"/>
+              <a:t>, utilizando uma Min </a:t>
+            </a:r>
+            <a:r>
+              <a:rPr lang="pt-PT" dirty="0" err="1"/>
+              <a:t>Heap</a:t>
+            </a:r>
+            <a:r>
+              <a:rPr lang="pt-PT" dirty="0"/>
+              <a:t>.</a:t>
+            </a:r>
+          </a:p>
+          <a:p>
+            <a:pPr marL="800100" lvl="1" indent="-342900" algn="just">
+              <a:buFont typeface="Arial" panose="020B0604020202020204" pitchFamily="34" charset="0"/>
+              <a:buChar char="•"/>
+            </a:pPr>
+            <a:endParaRPr lang="pt-PT" dirty="0"/>
+          </a:p>
+          <a:p>
+            <a:pPr marL="800100" lvl="1" indent="-342900" algn="just">
+              <a:buFont typeface="Arial" panose="020B0604020202020204" pitchFamily="34" charset="0"/>
+              <a:buChar char="•"/>
+            </a:pPr>
+            <a:endParaRPr lang="pt-PT" dirty="0"/>
+          </a:p>
+        </p:txBody>
+      </p:sp>
+      <p:pic>
+        <p:nvPicPr>
+          <p:cNvPr id="4" name="Picture 3" descr="Text&#10;&#10;Description automatically generated">
+            <a:extLst>
+              <a:ext uri="{FF2B5EF4-FFF2-40B4-BE49-F238E27FC236}">
+                <a16:creationId xmlns:a16="http://schemas.microsoft.com/office/drawing/2014/main" id="{A3C37D30-2C68-4B47-B4AC-EF83E8821B44}"/>
+              </a:ext>
+            </a:extLst>
+          </p:cNvPr>
+          <p:cNvPicPr>
+            <a:picLocks noChangeAspect="1"/>
+          </p:cNvPicPr>
+          <p:nvPr/>
+        </p:nvPicPr>
+        <p:blipFill>
+          <a:blip r:embed="rId3"/>
+          <a:stretch>
+            <a:fillRect/>
+          </a:stretch>
+        </p:blipFill>
+        <p:spPr>
+          <a:xfrm>
+            <a:off x="6178472" y="4305751"/>
+            <a:ext cx="5799545" cy="1618727"/>
+          </a:xfrm>
+          <a:prstGeom prst="rect">
+            <a:avLst/>
+          </a:prstGeom>
+        </p:spPr>
+      </p:pic>
+      <p:pic>
+        <p:nvPicPr>
+          <p:cNvPr id="6" name="Picture 5" descr="Graphical user interface, text&#10;&#10;Description automatically generated">
+            <a:extLst>
+              <a:ext uri="{FF2B5EF4-FFF2-40B4-BE49-F238E27FC236}">
+                <a16:creationId xmlns:a16="http://schemas.microsoft.com/office/drawing/2014/main" id="{D84FE495-FAF2-3B44-B682-FD265B53A908}"/>
+              </a:ext>
+            </a:extLst>
+          </p:cNvPr>
+          <p:cNvPicPr>
+            <a:picLocks noChangeAspect="1"/>
+          </p:cNvPicPr>
+          <p:nvPr/>
+        </p:nvPicPr>
+        <p:blipFill>
+          <a:blip r:embed="rId4"/>
+          <a:stretch>
+            <a:fillRect/>
+          </a:stretch>
+        </p:blipFill>
+        <p:spPr>
+          <a:xfrm>
+            <a:off x="7305447" y="2362941"/>
+            <a:ext cx="4648200" cy="1328057"/>
+          </a:xfrm>
+          <a:prstGeom prst="rect">
+            <a:avLst/>
+          </a:prstGeom>
+        </p:spPr>
+      </p:pic>
+    </p:spTree>
+    <p:extLst>
+      <p:ext uri="{BB962C8B-B14F-4D97-AF65-F5344CB8AC3E}">
+        <p14:creationId xmlns:p14="http://schemas.microsoft.com/office/powerpoint/2010/main" val="2277154572"/>
+      </p:ext>
+    </p:extLst>
+  </p:cSld>
+  <p:clrMapOvr>
+    <a:masterClrMapping/>
+  </p:clrMapOvr>
+</p:sld>
+</file>
+
+<file path=ppt/slides/slide12.xml><?xml version="1.0" encoding="utf-8"?>
+<p:sld xmlns:a="http://schemas.openxmlformats.org/drawingml/2006/main" xmlns:r="http://schemas.openxmlformats.org/officeDocument/2006/relationships" xmlns:p="http://schemas.openxmlformats.org/presentationml/2006/main">
+  <p:cSld>
+    <p:bg>
+      <p:bgPr>
+        <a:solidFill>
+          <a:schemeClr val="bg1"/>
+        </a:solidFill>
+        <a:effectLst/>
+      </p:bgPr>
+    </p:bg>
+    <p:spTree>
+      <p:nvGrpSpPr>
+        <p:cNvPr id="1" name=""/>
+        <p:cNvGrpSpPr/>
+        <p:nvPr/>
+      </p:nvGrpSpPr>
+      <p:grpSpPr>
+        <a:xfrm>
+          <a:off x="0" y="0"/>
+          <a:ext cx="0" cy="0"/>
+          <a:chOff x="0" y="0"/>
+          <a:chExt cx="0" cy="0"/>
+        </a:xfrm>
+      </p:grpSpPr>
+      <p:sp useBgFill="1">
+        <p:nvSpPr>
+          <p:cNvPr id="72" name="Rectangle 71">
+            <a:extLst>
+              <a:ext uri="{FF2B5EF4-FFF2-40B4-BE49-F238E27FC236}">
+                <a16:creationId xmlns:a16="http://schemas.microsoft.com/office/drawing/2014/main" id="{8ED08A1D-4632-47AB-8832-C17BA008697E}"/>
+              </a:ext>
+              <a:ext uri="{C183D7F6-B498-43B3-948B-1728B52AA6E4}">
+                <adec:decorative xmlns:adec="http://schemas.microsoft.com/office/drawing/2017/decorative" val="1"/>
+              </a:ext>
+            </a:extLst>
+          </p:cNvPr>
+          <p:cNvSpPr>
+            <a:spLocks noGrp="1" noRot="1" noChangeAspect="1" noMove="1" noResize="1" noEditPoints="1" noAdjustHandles="1" noChangeArrowheads="1" noChangeShapeType="1" noTextEdit="1"/>
+          </p:cNvSpPr>
+          <p:nvPr>
+            <p:extLst>
+              <p:ext uri="{386F3935-93C4-4BCD-93E2-E3B085C9AB24}">
+                <p16:designElem xmlns:p16="http://schemas.microsoft.com/office/powerpoint/2015/main" val="1"/>
+              </p:ext>
+            </p:extLst>
+          </p:nvPr>
+        </p:nvSpPr>
+        <p:spPr>
+          <a:xfrm>
+            <a:off x="0" y="0"/>
+            <a:ext cx="12192000" cy="6858000"/>
+          </a:xfrm>
+          <a:prstGeom prst="rect">
+            <a:avLst/>
+          </a:prstGeom>
+          <a:ln w="12700" cap="flat" cmpd="sng" algn="ctr">
+            <a:noFill/>
+            <a:prstDash val="solid"/>
+            <a:miter lim="800000"/>
+          </a:ln>
+          <a:effectLst/>
+        </p:spPr>
+        <p:style>
+          <a:lnRef idx="2">
+            <a:schemeClr val="accent1">
+              <a:shade val="50000"/>
+            </a:schemeClr>
+          </a:lnRef>
+          <a:fillRef idx="1">
+            <a:schemeClr val="accent1"/>
+          </a:fillRef>
+          <a:effectRef idx="0">
+            <a:schemeClr val="accent1"/>
+          </a:effectRef>
+          <a:fontRef idx="minor">
+            <a:schemeClr val="lt1"/>
+          </a:fontRef>
+        </p:style>
+        <p:txBody>
+          <a:bodyPr rtlCol="0" anchor="ctr"/>
+          <a:lstStyle/>
+          <a:p>
+            <a:pPr algn="ctr"/>
+            <a:endParaRPr lang="en-US" dirty="0"/>
+          </a:p>
+        </p:txBody>
+      </p:sp>
+      <p:sp>
+        <p:nvSpPr>
+          <p:cNvPr id="2" name="Título 1"/>
+          <p:cNvSpPr>
+            <a:spLocks noGrp="1"/>
+          </p:cNvSpPr>
+          <p:nvPr>
+            <p:ph type="ctrTitle"/>
+          </p:nvPr>
+        </p:nvSpPr>
+        <p:spPr>
+          <a:xfrm>
             <a:off x="1241166" y="466360"/>
             <a:ext cx="9507367" cy="1494000"/>
           </a:xfrm>
@@ -6318,7 +9566,7 @@
             </a:pPr>
             <a:r>
               <a:rPr lang="pt-PT" dirty="0"/>
-              <a:t>Consideramos também a possibilidade de o utilizador definir a máxima distância que está sujeito a percorrer a pé.</a:t>
+              <a:t>Consideramos também a possibilidade de o utilizador definir a máxima distância que está sujeito a percorrer a pé entre duas paragens.</a:t>
             </a:r>
           </a:p>
           <a:p>
@@ -6382,7 +9630,7 @@
             </a:r>
             <a:r>
               <a:rPr lang="pt-PT" dirty="0"/>
-              <a:t>tal como vamos explicar em seguida</a:t>
+              <a:t>tal como vamos explicar em seguida.</a:t>
             </a:r>
           </a:p>
         </p:txBody>
@@ -6445,7 +9693,7 @@
 </p:sld>
 </file>
 
-<file path=ppt/slides/slide11.xml><?xml version="1.0" encoding="utf-8"?>
+<file path=ppt/slides/slide13.xml><?xml version="1.0" encoding="utf-8"?>
 <p:sld xmlns:a="http://schemas.openxmlformats.org/drawingml/2006/main" xmlns:r="http://schemas.openxmlformats.org/officeDocument/2006/relationships" xmlns:p="http://schemas.openxmlformats.org/presentationml/2006/main">
   <p:cSld>
     <p:bg>
@@ -8033,7 +11281,7 @@
 </p:sld>
 </file>
 
-<file path=ppt/slides/slide12.xml><?xml version="1.0" encoding="utf-8"?>
+<file path=ppt/slides/slide14.xml><?xml version="1.0" encoding="utf-8"?>
 <p:sld xmlns:a="http://schemas.openxmlformats.org/drawingml/2006/main" xmlns:r="http://schemas.openxmlformats.org/officeDocument/2006/relationships" xmlns:p="http://schemas.openxmlformats.org/presentationml/2006/main">
   <p:cSld>
     <p:bg>
@@ -8352,7 +11600,7 @@
 </p:sld>
 </file>
 
-<file path=ppt/slides/slide13.xml><?xml version="1.0" encoding="utf-8"?>
+<file path=ppt/slides/slide15.xml><?xml version="1.0" encoding="utf-8"?>
 <p:sld xmlns:a="http://schemas.openxmlformats.org/drawingml/2006/main" xmlns:r="http://schemas.openxmlformats.org/officeDocument/2006/relationships" xmlns:p="http://schemas.openxmlformats.org/presentationml/2006/main">
   <p:cSld>
     <p:bg>
@@ -9777,7 +13025,7 @@
             </a:r>
             <a:r>
               <a:rPr lang="pt-PT" sz="2400" dirty="0"/>
-              <a:t> para obter informações relativas à linha de transportes públicos do porto</a:t>
+              <a:t> para obter informações relativas à linha de transportes públicos do porto.</a:t>
             </a:r>
           </a:p>
         </p:txBody>
@@ -9848,7 +13096,7 @@
 </p:sld>
 </file>
 
-<file path=ppt/slides/slide14.xml><?xml version="1.0" encoding="utf-8"?>
+<file path=ppt/slides/slide16.xml><?xml version="1.0" encoding="utf-8"?>
 <p:sld xmlns:a="http://schemas.openxmlformats.org/drawingml/2006/main" xmlns:r="http://schemas.openxmlformats.org/officeDocument/2006/relationships" xmlns:p="http://schemas.openxmlformats.org/presentationml/2006/main">
   <p:cSld>
     <p:bg>
@@ -14215,6 +17463,84 @@
               <a:buFont typeface="Arial" panose="020B0604020202020204" pitchFamily="34" charset="0"/>
               <a:buChar char="•"/>
             </a:pPr>
+            <a:r>
+              <a:rPr lang="pt-PT" dirty="0"/>
+              <a:t>Foram também criados alguns </a:t>
+            </a:r>
+            <a:r>
+              <a:rPr lang="pt-PT" i="1" dirty="0" err="1">
+                <a:effectLst>
+                  <a:outerShdw blurRad="38100" dist="38100" dir="2700000" algn="tl">
+                    <a:srgbClr val="000000">
+                      <a:alpha val="43137"/>
+                    </a:srgbClr>
+                  </a:outerShdw>
+                </a:effectLst>
+              </a:rPr>
+              <a:t>maps</a:t>
+            </a:r>
+            <a:r>
+              <a:rPr lang="pt-PT" dirty="0"/>
+              <a:t> para guardar certas informações relevantes, como por exemplo, o </a:t>
+            </a:r>
+            <a:r>
+              <a:rPr lang="pt-PT" i="1" dirty="0" err="1">
+                <a:effectLst>
+                  <a:outerShdw blurRad="38100" dist="38100" dir="2700000" algn="tl">
+                    <a:srgbClr val="000000">
+                      <a:alpha val="43137"/>
+                    </a:srgbClr>
+                  </a:outerShdw>
+                </a:effectLst>
+              </a:rPr>
+              <a:t>map</a:t>
+            </a:r>
+            <a:r>
+              <a:rPr lang="pt-PT" i="1" dirty="0">
+                <a:effectLst>
+                  <a:outerShdw blurRad="38100" dist="38100" dir="2700000" algn="tl">
+                    <a:srgbClr val="000000">
+                      <a:alpha val="43137"/>
+                    </a:srgbClr>
+                  </a:outerShdw>
+                </a:effectLst>
+              </a:rPr>
+              <a:t>&lt;</a:t>
+            </a:r>
+            <a:r>
+              <a:rPr lang="pt-PT" i="1" dirty="0" err="1">
+                <a:effectLst>
+                  <a:outerShdw blurRad="38100" dist="38100" dir="2700000" algn="tl">
+                    <a:srgbClr val="000000">
+                      <a:alpha val="43137"/>
+                    </a:srgbClr>
+                  </a:outerShdw>
+                </a:effectLst>
+              </a:rPr>
+              <a:t>int,string</a:t>
+            </a:r>
+            <a:r>
+              <a:rPr lang="pt-PT" i="1" dirty="0">
+                <a:effectLst>
+                  <a:outerShdw blurRad="38100" dist="38100" dir="2700000" algn="tl">
+                    <a:srgbClr val="000000">
+                      <a:alpha val="43137"/>
+                    </a:srgbClr>
+                  </a:outerShdw>
+                </a:effectLst>
+              </a:rPr>
+              <a:t>&gt; stops </a:t>
+            </a:r>
+            <a:r>
+              <a:rPr lang="pt-PT" dirty="0"/>
+              <a:t>é usado mapear o índice de um node de um grafo para o código da paragem correspondente.</a:t>
+            </a:r>
+          </a:p>
+          <a:p>
+            <a:pPr marL="800100" lvl="1" indent="-342900" algn="just">
+              <a:buFont typeface="Arial" panose="020B0604020202020204" pitchFamily="34" charset="0"/>
+              <a:buChar char="•"/>
+            </a:pPr>
             <a:endParaRPr lang="pt-PT" dirty="0"/>
           </a:p>
         </p:txBody>
@@ -14276,7 +17602,7 @@
         </p:blipFill>
         <p:spPr>
           <a:xfrm>
-            <a:off x="6706098" y="4140471"/>
+            <a:off x="7428684" y="4114761"/>
             <a:ext cx="1981200" cy="2578100"/>
           </a:xfrm>
           <a:prstGeom prst="rect">
@@ -14298,7 +17624,7 @@
         </p:nvSpPr>
         <p:spPr>
           <a:xfrm>
-            <a:off x="7428684" y="3902104"/>
+            <a:off x="8151270" y="3876394"/>
             <a:ext cx="536028" cy="369332"/>
           </a:xfrm>
           <a:prstGeom prst="rect">
@@ -17134,6 +20460,834 @@
 <file path=ppt/slides/slide5.xml><?xml version="1.0" encoding="utf-8"?>
 <p:sld xmlns:a="http://schemas.openxmlformats.org/drawingml/2006/main" xmlns:r="http://schemas.openxmlformats.org/officeDocument/2006/relationships" xmlns:p="http://schemas.openxmlformats.org/presentationml/2006/main">
   <p:cSld>
+    <p:spTree>
+      <p:nvGrpSpPr>
+        <p:cNvPr id="1" name=""/>
+        <p:cNvGrpSpPr/>
+        <p:nvPr/>
+      </p:nvGrpSpPr>
+      <p:grpSpPr>
+        <a:xfrm>
+          <a:off x="0" y="0"/>
+          <a:ext cx="0" cy="0"/>
+          <a:chOff x="0" y="0"/>
+          <a:chExt cx="0" cy="0"/>
+        </a:xfrm>
+      </p:grpSpPr>
+      <p:sp>
+        <p:nvSpPr>
+          <p:cNvPr id="2" name="Title 1">
+            <a:extLst>
+              <a:ext uri="{FF2B5EF4-FFF2-40B4-BE49-F238E27FC236}">
+                <a16:creationId xmlns:a16="http://schemas.microsoft.com/office/drawing/2014/main" id="{C49D855C-A261-4F4E-97F8-80909B30CDBA}"/>
+              </a:ext>
+            </a:extLst>
+          </p:cNvPr>
+          <p:cNvSpPr>
+            <a:spLocks noGrp="1"/>
+          </p:cNvSpPr>
+          <p:nvPr>
+            <p:ph type="title"/>
+          </p:nvPr>
+        </p:nvSpPr>
+        <p:spPr/>
+        <p:txBody>
+          <a:bodyPr>
+            <a:normAutofit/>
+          </a:bodyPr>
+          <a:lstStyle/>
+          <a:p>
+            <a:r>
+              <a:rPr lang="pt-PT" dirty="0" err="1"/>
+              <a:t>GraphGN</a:t>
+            </a:r>
+            <a:endParaRPr lang="pt-PT" dirty="0"/>
+          </a:p>
+        </p:txBody>
+      </p:sp>
+      <p:pic>
+        <p:nvPicPr>
+          <p:cNvPr id="5" name="Content Placeholder 4" descr="Chart, line chart&#10;&#10;Description automatically generated">
+            <a:extLst>
+              <a:ext uri="{FF2B5EF4-FFF2-40B4-BE49-F238E27FC236}">
+                <a16:creationId xmlns:a16="http://schemas.microsoft.com/office/drawing/2014/main" id="{80A16781-8438-4834-90E9-A0700FCFC343}"/>
+              </a:ext>
+            </a:extLst>
+          </p:cNvPr>
+          <p:cNvPicPr>
+            <a:picLocks noGrp="1" noChangeAspect="1"/>
+          </p:cNvPicPr>
+          <p:nvPr>
+            <p:ph idx="1"/>
+          </p:nvPr>
+        </p:nvPicPr>
+        <p:blipFill rotWithShape="1">
+          <a:blip r:embed="rId2"/>
+          <a:srcRect t="2124" b="12774"/>
+          <a:stretch/>
+        </p:blipFill>
+        <p:spPr>
+          <a:xfrm>
+            <a:off x="1765702" y="1987819"/>
+            <a:ext cx="8993089" cy="4606872"/>
+          </a:xfrm>
+        </p:spPr>
+      </p:pic>
+      <p:sp>
+        <p:nvSpPr>
+          <p:cNvPr id="6" name="Marcador de Posição de Conteúdo 2">
+            <a:extLst>
+              <a:ext uri="{FF2B5EF4-FFF2-40B4-BE49-F238E27FC236}">
+                <a16:creationId xmlns:a16="http://schemas.microsoft.com/office/drawing/2014/main" id="{85BFBB38-DD89-493E-B619-48E08F7EF751}"/>
+              </a:ext>
+            </a:extLst>
+          </p:cNvPr>
+          <p:cNvSpPr txBox="1">
+            <a:spLocks/>
+          </p:cNvSpPr>
+          <p:nvPr/>
+        </p:nvSpPr>
+        <p:spPr>
+          <a:xfrm>
+            <a:off x="448824" y="1425451"/>
+            <a:ext cx="10816075" cy="670049"/>
+          </a:xfrm>
+          <a:prstGeom prst="rect">
+            <a:avLst/>
+          </a:prstGeom>
+        </p:spPr>
+        <p:txBody>
+          <a:bodyPr vert="horz" lIns="91440" tIns="45720" rIns="91440" bIns="45720" rtlCol="0">
+            <a:noAutofit/>
+          </a:bodyPr>
+          <a:lstStyle>
+            <a:lvl1pPr marL="0" indent="0" algn="ctr" defTabSz="914400" rtl="0" eaLnBrk="1" latinLnBrk="0" hangingPunct="1">
+              <a:lnSpc>
+                <a:spcPct val="90000"/>
+              </a:lnSpc>
+              <a:spcBef>
+                <a:spcPts val="1000"/>
+              </a:spcBef>
+              <a:buFont typeface="Arial" panose="020B0604020202020204" pitchFamily="34" charset="0"/>
+              <a:buNone/>
+              <a:defRPr sz="2400" kern="1200">
+                <a:solidFill>
+                  <a:schemeClr val="tx1"/>
+                </a:solidFill>
+                <a:latin typeface="+mn-lt"/>
+                <a:ea typeface="+mn-ea"/>
+                <a:cs typeface="+mn-cs"/>
+              </a:defRPr>
+            </a:lvl1pPr>
+            <a:lvl2pPr marL="457200" indent="0" algn="ctr" defTabSz="914400" rtl="0" eaLnBrk="1" latinLnBrk="0" hangingPunct="1">
+              <a:lnSpc>
+                <a:spcPct val="90000"/>
+              </a:lnSpc>
+              <a:spcBef>
+                <a:spcPts val="500"/>
+              </a:spcBef>
+              <a:buFont typeface="Arial" panose="020B0604020202020204" pitchFamily="34" charset="0"/>
+              <a:buNone/>
+              <a:defRPr sz="2000" kern="1200">
+                <a:solidFill>
+                  <a:schemeClr val="tx1"/>
+                </a:solidFill>
+                <a:latin typeface="+mn-lt"/>
+                <a:ea typeface="+mn-ea"/>
+                <a:cs typeface="+mn-cs"/>
+              </a:defRPr>
+            </a:lvl2pPr>
+            <a:lvl3pPr marL="914400" indent="0" algn="ctr" defTabSz="914400" rtl="0" eaLnBrk="1" latinLnBrk="0" hangingPunct="1">
+              <a:lnSpc>
+                <a:spcPct val="90000"/>
+              </a:lnSpc>
+              <a:spcBef>
+                <a:spcPts val="500"/>
+              </a:spcBef>
+              <a:buFont typeface="Arial" panose="020B0604020202020204" pitchFamily="34" charset="0"/>
+              <a:buNone/>
+              <a:defRPr sz="1800" kern="1200">
+                <a:solidFill>
+                  <a:schemeClr val="tx1"/>
+                </a:solidFill>
+                <a:latin typeface="+mn-lt"/>
+                <a:ea typeface="+mn-ea"/>
+                <a:cs typeface="+mn-cs"/>
+              </a:defRPr>
+            </a:lvl3pPr>
+            <a:lvl4pPr marL="1371600" indent="0" algn="ctr" defTabSz="914400" rtl="0" eaLnBrk="1" latinLnBrk="0" hangingPunct="1">
+              <a:lnSpc>
+                <a:spcPct val="90000"/>
+              </a:lnSpc>
+              <a:spcBef>
+                <a:spcPts val="500"/>
+              </a:spcBef>
+              <a:buFont typeface="Arial" panose="020B0604020202020204" pitchFamily="34" charset="0"/>
+              <a:buNone/>
+              <a:defRPr sz="1600" kern="1200">
+                <a:solidFill>
+                  <a:schemeClr val="tx1"/>
+                </a:solidFill>
+                <a:latin typeface="+mn-lt"/>
+                <a:ea typeface="+mn-ea"/>
+                <a:cs typeface="+mn-cs"/>
+              </a:defRPr>
+            </a:lvl4pPr>
+            <a:lvl5pPr marL="1828800" indent="0" algn="ctr" defTabSz="914400" rtl="0" eaLnBrk="1" latinLnBrk="0" hangingPunct="1">
+              <a:lnSpc>
+                <a:spcPct val="90000"/>
+              </a:lnSpc>
+              <a:spcBef>
+                <a:spcPts val="500"/>
+              </a:spcBef>
+              <a:buFont typeface="Arial" panose="020B0604020202020204" pitchFamily="34" charset="0"/>
+              <a:buNone/>
+              <a:defRPr sz="1600" kern="1200">
+                <a:solidFill>
+                  <a:schemeClr val="tx1"/>
+                </a:solidFill>
+                <a:latin typeface="+mn-lt"/>
+                <a:ea typeface="+mn-ea"/>
+                <a:cs typeface="+mn-cs"/>
+              </a:defRPr>
+            </a:lvl5pPr>
+            <a:lvl6pPr marL="2286000" indent="0" algn="ctr" defTabSz="914400" rtl="0" eaLnBrk="1" latinLnBrk="0" hangingPunct="1">
+              <a:lnSpc>
+                <a:spcPct val="90000"/>
+              </a:lnSpc>
+              <a:spcBef>
+                <a:spcPts val="500"/>
+              </a:spcBef>
+              <a:buFont typeface="Arial" panose="020B0604020202020204" pitchFamily="34" charset="0"/>
+              <a:buNone/>
+              <a:defRPr sz="1600" kern="1200">
+                <a:solidFill>
+                  <a:schemeClr val="tx1"/>
+                </a:solidFill>
+                <a:latin typeface="+mn-lt"/>
+                <a:ea typeface="+mn-ea"/>
+                <a:cs typeface="+mn-cs"/>
+              </a:defRPr>
+            </a:lvl6pPr>
+            <a:lvl7pPr marL="2743200" indent="0" algn="ctr" defTabSz="914400" rtl="0" eaLnBrk="1" latinLnBrk="0" hangingPunct="1">
+              <a:lnSpc>
+                <a:spcPct val="90000"/>
+              </a:lnSpc>
+              <a:spcBef>
+                <a:spcPts val="500"/>
+              </a:spcBef>
+              <a:buFont typeface="Arial" panose="020B0604020202020204" pitchFamily="34" charset="0"/>
+              <a:buNone/>
+              <a:defRPr sz="1600" kern="1200">
+                <a:solidFill>
+                  <a:schemeClr val="tx1"/>
+                </a:solidFill>
+                <a:latin typeface="+mn-lt"/>
+                <a:ea typeface="+mn-ea"/>
+                <a:cs typeface="+mn-cs"/>
+              </a:defRPr>
+            </a:lvl7pPr>
+            <a:lvl8pPr marL="3200400" indent="0" algn="ctr" defTabSz="914400" rtl="0" eaLnBrk="1" latinLnBrk="0" hangingPunct="1">
+              <a:lnSpc>
+                <a:spcPct val="90000"/>
+              </a:lnSpc>
+              <a:spcBef>
+                <a:spcPts val="500"/>
+              </a:spcBef>
+              <a:buFont typeface="Arial" panose="020B0604020202020204" pitchFamily="34" charset="0"/>
+              <a:buNone/>
+              <a:defRPr sz="1600" kern="1200">
+                <a:solidFill>
+                  <a:schemeClr val="tx1"/>
+                </a:solidFill>
+                <a:latin typeface="+mn-lt"/>
+                <a:ea typeface="+mn-ea"/>
+                <a:cs typeface="+mn-cs"/>
+              </a:defRPr>
+            </a:lvl8pPr>
+            <a:lvl9pPr marL="3657600" indent="0" algn="ctr" defTabSz="914400" rtl="0" eaLnBrk="1" latinLnBrk="0" hangingPunct="1">
+              <a:lnSpc>
+                <a:spcPct val="90000"/>
+              </a:lnSpc>
+              <a:spcBef>
+                <a:spcPts val="500"/>
+              </a:spcBef>
+              <a:buFont typeface="Arial" panose="020B0604020202020204" pitchFamily="34" charset="0"/>
+              <a:buNone/>
+              <a:defRPr sz="1600" kern="1200">
+                <a:solidFill>
+                  <a:schemeClr val="tx1"/>
+                </a:solidFill>
+                <a:latin typeface="+mn-lt"/>
+                <a:ea typeface="+mn-ea"/>
+                <a:cs typeface="+mn-cs"/>
+              </a:defRPr>
+            </a:lvl9pPr>
+          </a:lstStyle>
+          <a:p>
+            <a:pPr marL="800100" lvl="1" indent="-342900" algn="just">
+              <a:buFont typeface="Arial" panose="020B0604020202020204" pitchFamily="34" charset="0"/>
+              <a:buChar char="•"/>
+            </a:pPr>
+            <a:r>
+              <a:rPr lang="pt-PT" dirty="0"/>
+              <a:t>Usado para calcular caminhos com menos mudanças de zona, menos paragens e menor distancia consoante o peso usado nas aresta.</a:t>
+            </a:r>
+          </a:p>
+        </p:txBody>
+      </p:sp>
+      <p:pic>
+        <p:nvPicPr>
+          <p:cNvPr id="8" name="Picture 2" descr="feup-logo - AETICE - Associação das Empresas de Tecnologias de Informação,  Comunicação e Eletrónica">
+            <a:extLst>
+              <a:ext uri="{FF2B5EF4-FFF2-40B4-BE49-F238E27FC236}">
+                <a16:creationId xmlns:a16="http://schemas.microsoft.com/office/drawing/2014/main" id="{91DF42D4-82C2-4FBA-B065-01D41FD24F85}"/>
+              </a:ext>
+            </a:extLst>
+          </p:cNvPr>
+          <p:cNvPicPr>
+            <a:picLocks noChangeAspect="1" noChangeArrowheads="1"/>
+          </p:cNvPicPr>
+          <p:nvPr/>
+        </p:nvPicPr>
+        <p:blipFill>
+          <a:blip r:embed="rId3">
+            <a:extLst>
+              <a:ext uri="{28A0092B-C50C-407E-A947-70E740481C1C}">
+                <a14:useLocalDpi xmlns:a14="http://schemas.microsoft.com/office/drawing/2010/main" val="0"/>
+              </a:ext>
+            </a:extLst>
+          </a:blip>
+          <a:srcRect/>
+          <a:stretch>
+            <a:fillRect/>
+          </a:stretch>
+        </p:blipFill>
+        <p:spPr bwMode="auto">
+          <a:xfrm>
+            <a:off x="10668987" y="5905500"/>
+            <a:ext cx="1309030" cy="580337"/>
+          </a:xfrm>
+          <a:prstGeom prst="rect">
+            <a:avLst/>
+          </a:prstGeom>
+          <a:noFill/>
+          <a:effectLst>
+            <a:glow rad="58387">
+              <a:schemeClr val="accent1">
+                <a:alpha val="40000"/>
+              </a:schemeClr>
+            </a:glow>
+            <a:outerShdw sx="1000" sy="1000" algn="ctr" rotWithShape="0">
+              <a:srgbClr val="000000"/>
+            </a:outerShdw>
+            <a:reflection blurRad="31698" stA="27000" endPos="65000" dist="91119" dir="5400000" sy="-100000" algn="bl" rotWithShape="0"/>
+            <a:softEdge rad="206"/>
+          </a:effectLst>
+          <a:extLst>
+            <a:ext uri="{909E8E84-426E-40DD-AFC4-6F175D3DCCD1}">
+              <a14:hiddenFill xmlns:a14="http://schemas.microsoft.com/office/drawing/2010/main">
+                <a:solidFill>
+                  <a:srgbClr val="FFFFFF"/>
+                </a:solidFill>
+              </a14:hiddenFill>
+            </a:ext>
+          </a:extLst>
+        </p:spPr>
+      </p:pic>
+      <p:sp>
+        <p:nvSpPr>
+          <p:cNvPr id="10" name="TextBox 9">
+            <a:extLst>
+              <a:ext uri="{FF2B5EF4-FFF2-40B4-BE49-F238E27FC236}">
+                <a16:creationId xmlns:a16="http://schemas.microsoft.com/office/drawing/2014/main" id="{BD2B4FAC-3A12-482F-AAA7-E9F3548CFDB2}"/>
+              </a:ext>
+            </a:extLst>
+          </p:cNvPr>
+          <p:cNvSpPr txBox="1"/>
+          <p:nvPr/>
+        </p:nvSpPr>
+        <p:spPr>
+          <a:xfrm>
+            <a:off x="67277" y="6412638"/>
+            <a:ext cx="1851577" cy="661720"/>
+          </a:xfrm>
+          <a:prstGeom prst="rect">
+            <a:avLst/>
+          </a:prstGeom>
+          <a:noFill/>
+        </p:spPr>
+        <p:txBody>
+          <a:bodyPr wrap="square" rtlCol="0">
+            <a:spAutoFit/>
+          </a:bodyPr>
+          <a:lstStyle/>
+          <a:p>
+            <a:pPr>
+              <a:spcAft>
+                <a:spcPts val="600"/>
+              </a:spcAft>
+            </a:pPr>
+            <a:r>
+              <a:rPr lang="en-US" sz="1600" dirty="0"/>
+              <a:t>AED </a:t>
+            </a:r>
+            <a:r>
+              <a:rPr lang="en-US" sz="1400" dirty="0"/>
+              <a:t>2021/2022</a:t>
+            </a:r>
+            <a:endParaRPr lang="en-US" sz="1600" dirty="0"/>
+          </a:p>
+          <a:p>
+            <a:pPr>
+              <a:spcAft>
+                <a:spcPts val="600"/>
+              </a:spcAft>
+            </a:pPr>
+            <a:endParaRPr lang="en-PT" sz="1600" dirty="0"/>
+          </a:p>
+        </p:txBody>
+      </p:sp>
+    </p:spTree>
+    <p:extLst>
+      <p:ext uri="{BB962C8B-B14F-4D97-AF65-F5344CB8AC3E}">
+        <p14:creationId xmlns:p14="http://schemas.microsoft.com/office/powerpoint/2010/main" val="1715276570"/>
+      </p:ext>
+    </p:extLst>
+  </p:cSld>
+  <p:clrMapOvr>
+    <a:masterClrMapping/>
+  </p:clrMapOvr>
+</p:sld>
+</file>
+
+<file path=ppt/slides/slide6.xml><?xml version="1.0" encoding="utf-8"?>
+<p:sld xmlns:a="http://schemas.openxmlformats.org/drawingml/2006/main" xmlns:r="http://schemas.openxmlformats.org/officeDocument/2006/relationships" xmlns:p="http://schemas.openxmlformats.org/presentationml/2006/main">
+  <p:cSld>
+    <p:spTree>
+      <p:nvGrpSpPr>
+        <p:cNvPr id="1" name=""/>
+        <p:cNvGrpSpPr/>
+        <p:nvPr/>
+      </p:nvGrpSpPr>
+      <p:grpSpPr>
+        <a:xfrm>
+          <a:off x="0" y="0"/>
+          <a:ext cx="0" cy="0"/>
+          <a:chOff x="0" y="0"/>
+          <a:chExt cx="0" cy="0"/>
+        </a:xfrm>
+      </p:grpSpPr>
+      <p:sp>
+        <p:nvSpPr>
+          <p:cNvPr id="2" name="Title 1">
+            <a:extLst>
+              <a:ext uri="{FF2B5EF4-FFF2-40B4-BE49-F238E27FC236}">
+                <a16:creationId xmlns:a16="http://schemas.microsoft.com/office/drawing/2014/main" id="{C49D855C-A261-4F4E-97F8-80909B30CDBA}"/>
+              </a:ext>
+            </a:extLst>
+          </p:cNvPr>
+          <p:cNvSpPr>
+            <a:spLocks noGrp="1"/>
+          </p:cNvSpPr>
+          <p:nvPr>
+            <p:ph type="title"/>
+          </p:nvPr>
+        </p:nvSpPr>
+        <p:spPr/>
+        <p:txBody>
+          <a:bodyPr>
+            <a:normAutofit/>
+          </a:bodyPr>
+          <a:lstStyle/>
+          <a:p>
+            <a:r>
+              <a:rPr lang="pt-PT" dirty="0" err="1"/>
+              <a:t>GraphLines</a:t>
+            </a:r>
+            <a:endParaRPr lang="pt-PT" dirty="0"/>
+          </a:p>
+        </p:txBody>
+      </p:sp>
+      <p:sp>
+        <p:nvSpPr>
+          <p:cNvPr id="6" name="Marcador de Posição de Conteúdo 2">
+            <a:extLst>
+              <a:ext uri="{FF2B5EF4-FFF2-40B4-BE49-F238E27FC236}">
+                <a16:creationId xmlns:a16="http://schemas.microsoft.com/office/drawing/2014/main" id="{85BFBB38-DD89-493E-B619-48E08F7EF751}"/>
+              </a:ext>
+            </a:extLst>
+          </p:cNvPr>
+          <p:cNvSpPr txBox="1">
+            <a:spLocks/>
+          </p:cNvSpPr>
+          <p:nvPr/>
+        </p:nvSpPr>
+        <p:spPr>
+          <a:xfrm>
+            <a:off x="448824" y="1425451"/>
+            <a:ext cx="10816075" cy="1891681"/>
+          </a:xfrm>
+          <a:prstGeom prst="rect">
+            <a:avLst/>
+          </a:prstGeom>
+        </p:spPr>
+        <p:txBody>
+          <a:bodyPr vert="horz" lIns="91440" tIns="45720" rIns="91440" bIns="45720" rtlCol="0">
+            <a:noAutofit/>
+          </a:bodyPr>
+          <a:lstStyle>
+            <a:lvl1pPr marL="0" indent="0" algn="ctr" defTabSz="914400" rtl="0" eaLnBrk="1" latinLnBrk="0" hangingPunct="1">
+              <a:lnSpc>
+                <a:spcPct val="90000"/>
+              </a:lnSpc>
+              <a:spcBef>
+                <a:spcPts val="1000"/>
+              </a:spcBef>
+              <a:buFont typeface="Arial" panose="020B0604020202020204" pitchFamily="34" charset="0"/>
+              <a:buNone/>
+              <a:defRPr sz="2400" kern="1200">
+                <a:solidFill>
+                  <a:schemeClr val="tx1"/>
+                </a:solidFill>
+                <a:latin typeface="+mn-lt"/>
+                <a:ea typeface="+mn-ea"/>
+                <a:cs typeface="+mn-cs"/>
+              </a:defRPr>
+            </a:lvl1pPr>
+            <a:lvl2pPr marL="457200" indent="0" algn="ctr" defTabSz="914400" rtl="0" eaLnBrk="1" latinLnBrk="0" hangingPunct="1">
+              <a:lnSpc>
+                <a:spcPct val="90000"/>
+              </a:lnSpc>
+              <a:spcBef>
+                <a:spcPts val="500"/>
+              </a:spcBef>
+              <a:buFont typeface="Arial" panose="020B0604020202020204" pitchFamily="34" charset="0"/>
+              <a:buNone/>
+              <a:defRPr sz="2000" kern="1200">
+                <a:solidFill>
+                  <a:schemeClr val="tx1"/>
+                </a:solidFill>
+                <a:latin typeface="+mn-lt"/>
+                <a:ea typeface="+mn-ea"/>
+                <a:cs typeface="+mn-cs"/>
+              </a:defRPr>
+            </a:lvl2pPr>
+            <a:lvl3pPr marL="914400" indent="0" algn="ctr" defTabSz="914400" rtl="0" eaLnBrk="1" latinLnBrk="0" hangingPunct="1">
+              <a:lnSpc>
+                <a:spcPct val="90000"/>
+              </a:lnSpc>
+              <a:spcBef>
+                <a:spcPts val="500"/>
+              </a:spcBef>
+              <a:buFont typeface="Arial" panose="020B0604020202020204" pitchFamily="34" charset="0"/>
+              <a:buNone/>
+              <a:defRPr sz="1800" kern="1200">
+                <a:solidFill>
+                  <a:schemeClr val="tx1"/>
+                </a:solidFill>
+                <a:latin typeface="+mn-lt"/>
+                <a:ea typeface="+mn-ea"/>
+                <a:cs typeface="+mn-cs"/>
+              </a:defRPr>
+            </a:lvl3pPr>
+            <a:lvl4pPr marL="1371600" indent="0" algn="ctr" defTabSz="914400" rtl="0" eaLnBrk="1" latinLnBrk="0" hangingPunct="1">
+              <a:lnSpc>
+                <a:spcPct val="90000"/>
+              </a:lnSpc>
+              <a:spcBef>
+                <a:spcPts val="500"/>
+              </a:spcBef>
+              <a:buFont typeface="Arial" panose="020B0604020202020204" pitchFamily="34" charset="0"/>
+              <a:buNone/>
+              <a:defRPr sz="1600" kern="1200">
+                <a:solidFill>
+                  <a:schemeClr val="tx1"/>
+                </a:solidFill>
+                <a:latin typeface="+mn-lt"/>
+                <a:ea typeface="+mn-ea"/>
+                <a:cs typeface="+mn-cs"/>
+              </a:defRPr>
+            </a:lvl4pPr>
+            <a:lvl5pPr marL="1828800" indent="0" algn="ctr" defTabSz="914400" rtl="0" eaLnBrk="1" latinLnBrk="0" hangingPunct="1">
+              <a:lnSpc>
+                <a:spcPct val="90000"/>
+              </a:lnSpc>
+              <a:spcBef>
+                <a:spcPts val="500"/>
+              </a:spcBef>
+              <a:buFont typeface="Arial" panose="020B0604020202020204" pitchFamily="34" charset="0"/>
+              <a:buNone/>
+              <a:defRPr sz="1600" kern="1200">
+                <a:solidFill>
+                  <a:schemeClr val="tx1"/>
+                </a:solidFill>
+                <a:latin typeface="+mn-lt"/>
+                <a:ea typeface="+mn-ea"/>
+                <a:cs typeface="+mn-cs"/>
+              </a:defRPr>
+            </a:lvl5pPr>
+            <a:lvl6pPr marL="2286000" indent="0" algn="ctr" defTabSz="914400" rtl="0" eaLnBrk="1" latinLnBrk="0" hangingPunct="1">
+              <a:lnSpc>
+                <a:spcPct val="90000"/>
+              </a:lnSpc>
+              <a:spcBef>
+                <a:spcPts val="500"/>
+              </a:spcBef>
+              <a:buFont typeface="Arial" panose="020B0604020202020204" pitchFamily="34" charset="0"/>
+              <a:buNone/>
+              <a:defRPr sz="1600" kern="1200">
+                <a:solidFill>
+                  <a:schemeClr val="tx1"/>
+                </a:solidFill>
+                <a:latin typeface="+mn-lt"/>
+                <a:ea typeface="+mn-ea"/>
+                <a:cs typeface="+mn-cs"/>
+              </a:defRPr>
+            </a:lvl6pPr>
+            <a:lvl7pPr marL="2743200" indent="0" algn="ctr" defTabSz="914400" rtl="0" eaLnBrk="1" latinLnBrk="0" hangingPunct="1">
+              <a:lnSpc>
+                <a:spcPct val="90000"/>
+              </a:lnSpc>
+              <a:spcBef>
+                <a:spcPts val="500"/>
+              </a:spcBef>
+              <a:buFont typeface="Arial" panose="020B0604020202020204" pitchFamily="34" charset="0"/>
+              <a:buNone/>
+              <a:defRPr sz="1600" kern="1200">
+                <a:solidFill>
+                  <a:schemeClr val="tx1"/>
+                </a:solidFill>
+                <a:latin typeface="+mn-lt"/>
+                <a:ea typeface="+mn-ea"/>
+                <a:cs typeface="+mn-cs"/>
+              </a:defRPr>
+            </a:lvl7pPr>
+            <a:lvl8pPr marL="3200400" indent="0" algn="ctr" defTabSz="914400" rtl="0" eaLnBrk="1" latinLnBrk="0" hangingPunct="1">
+              <a:lnSpc>
+                <a:spcPct val="90000"/>
+              </a:lnSpc>
+              <a:spcBef>
+                <a:spcPts val="500"/>
+              </a:spcBef>
+              <a:buFont typeface="Arial" panose="020B0604020202020204" pitchFamily="34" charset="0"/>
+              <a:buNone/>
+              <a:defRPr sz="1600" kern="1200">
+                <a:solidFill>
+                  <a:schemeClr val="tx1"/>
+                </a:solidFill>
+                <a:latin typeface="+mn-lt"/>
+                <a:ea typeface="+mn-ea"/>
+                <a:cs typeface="+mn-cs"/>
+              </a:defRPr>
+            </a:lvl8pPr>
+            <a:lvl9pPr marL="3657600" indent="0" algn="ctr" defTabSz="914400" rtl="0" eaLnBrk="1" latinLnBrk="0" hangingPunct="1">
+              <a:lnSpc>
+                <a:spcPct val="90000"/>
+              </a:lnSpc>
+              <a:spcBef>
+                <a:spcPts val="500"/>
+              </a:spcBef>
+              <a:buFont typeface="Arial" panose="020B0604020202020204" pitchFamily="34" charset="0"/>
+              <a:buNone/>
+              <a:defRPr sz="1600" kern="1200">
+                <a:solidFill>
+                  <a:schemeClr val="tx1"/>
+                </a:solidFill>
+                <a:latin typeface="+mn-lt"/>
+                <a:ea typeface="+mn-ea"/>
+                <a:cs typeface="+mn-cs"/>
+              </a:defRPr>
+            </a:lvl9pPr>
+          </a:lstStyle>
+          <a:p>
+            <a:pPr marL="800100" lvl="1" indent="-342900" algn="just">
+              <a:buFont typeface="Arial" panose="020B0604020202020204" pitchFamily="34" charset="0"/>
+              <a:buChar char="•"/>
+            </a:pPr>
+            <a:r>
+              <a:rPr lang="pt-PT" dirty="0"/>
+              <a:t>Usado para calcular caminhos com menos mudanças de linha.</a:t>
+            </a:r>
+          </a:p>
+          <a:p>
+            <a:pPr marL="800100" lvl="1" indent="-342900" algn="just">
+              <a:buFont typeface="Arial" panose="020B0604020202020204" pitchFamily="34" charset="0"/>
+              <a:buChar char="•"/>
+            </a:pPr>
+            <a:r>
+              <a:rPr lang="pt-PT" dirty="0"/>
+              <a:t>Nas arestas vermelhas o peso é igual a 1 e nas restantes é 0.</a:t>
+            </a:r>
+          </a:p>
+          <a:p>
+            <a:pPr marL="800100" lvl="1" indent="-342900" algn="just">
+              <a:buFont typeface="Arial" panose="020B0604020202020204" pitchFamily="34" charset="0"/>
+              <a:buChar char="•"/>
+            </a:pPr>
+            <a:endParaRPr lang="pt-PT" dirty="0"/>
+          </a:p>
+        </p:txBody>
+      </p:sp>
+      <p:pic>
+        <p:nvPicPr>
+          <p:cNvPr id="8" name="Content Placeholder 7" descr="Line chart&#10;&#10;Description automatically generated with low confidence">
+            <a:extLst>
+              <a:ext uri="{FF2B5EF4-FFF2-40B4-BE49-F238E27FC236}">
+                <a16:creationId xmlns:a16="http://schemas.microsoft.com/office/drawing/2014/main" id="{DEA91D4C-FE50-43FF-AB11-16B35AC23C1E}"/>
+              </a:ext>
+            </a:extLst>
+          </p:cNvPr>
+          <p:cNvPicPr>
+            <a:picLocks noGrp="1" noChangeAspect="1"/>
+          </p:cNvPicPr>
+          <p:nvPr>
+            <p:ph idx="1"/>
+          </p:nvPr>
+        </p:nvPicPr>
+        <p:blipFill rotWithShape="1">
+          <a:blip r:embed="rId2"/>
+          <a:srcRect t="5820" b="10547"/>
+          <a:stretch/>
+        </p:blipFill>
+        <p:spPr>
+          <a:xfrm>
+            <a:off x="1771462" y="2071040"/>
+            <a:ext cx="9162909" cy="4612835"/>
+          </a:xfrm>
+          <a:prstGeom prst="rect">
+            <a:avLst/>
+          </a:prstGeom>
+        </p:spPr>
+      </p:pic>
+      <p:pic>
+        <p:nvPicPr>
+          <p:cNvPr id="9" name="Picture 2" descr="feup-logo - AETICE - Associação das Empresas de Tecnologias de Informação,  Comunicação e Eletrónica">
+            <a:extLst>
+              <a:ext uri="{FF2B5EF4-FFF2-40B4-BE49-F238E27FC236}">
+                <a16:creationId xmlns:a16="http://schemas.microsoft.com/office/drawing/2014/main" id="{0CB5A900-CE98-4713-9FA1-40257862C847}"/>
+              </a:ext>
+            </a:extLst>
+          </p:cNvPr>
+          <p:cNvPicPr>
+            <a:picLocks noChangeAspect="1" noChangeArrowheads="1"/>
+          </p:cNvPicPr>
+          <p:nvPr/>
+        </p:nvPicPr>
+        <p:blipFill>
+          <a:blip r:embed="rId3">
+            <a:extLst>
+              <a:ext uri="{28A0092B-C50C-407E-A947-70E740481C1C}">
+                <a14:useLocalDpi xmlns:a14="http://schemas.microsoft.com/office/drawing/2010/main" val="0"/>
+              </a:ext>
+            </a:extLst>
+          </a:blip>
+          <a:srcRect/>
+          <a:stretch>
+            <a:fillRect/>
+          </a:stretch>
+        </p:blipFill>
+        <p:spPr bwMode="auto">
+          <a:xfrm>
+            <a:off x="10668987" y="5905500"/>
+            <a:ext cx="1309030" cy="580337"/>
+          </a:xfrm>
+          <a:prstGeom prst="rect">
+            <a:avLst/>
+          </a:prstGeom>
+          <a:noFill/>
+          <a:effectLst>
+            <a:glow rad="58387">
+              <a:schemeClr val="accent1">
+                <a:alpha val="40000"/>
+              </a:schemeClr>
+            </a:glow>
+            <a:outerShdw sx="1000" sy="1000" algn="ctr" rotWithShape="0">
+              <a:srgbClr val="000000"/>
+            </a:outerShdw>
+            <a:reflection blurRad="31698" stA="27000" endPos="65000" dist="91119" dir="5400000" sy="-100000" algn="bl" rotWithShape="0"/>
+            <a:softEdge rad="206"/>
+          </a:effectLst>
+          <a:extLst>
+            <a:ext uri="{909E8E84-426E-40DD-AFC4-6F175D3DCCD1}">
+              <a14:hiddenFill xmlns:a14="http://schemas.microsoft.com/office/drawing/2010/main">
+                <a:solidFill>
+                  <a:srgbClr val="FFFFFF"/>
+                </a:solidFill>
+              </a14:hiddenFill>
+            </a:ext>
+          </a:extLst>
+        </p:spPr>
+      </p:pic>
+      <p:sp>
+        <p:nvSpPr>
+          <p:cNvPr id="12" name="TextBox 11">
+            <a:extLst>
+              <a:ext uri="{FF2B5EF4-FFF2-40B4-BE49-F238E27FC236}">
+                <a16:creationId xmlns:a16="http://schemas.microsoft.com/office/drawing/2014/main" id="{BC4728F5-BD99-40EA-AB9F-C03A13F73D8F}"/>
+              </a:ext>
+            </a:extLst>
+          </p:cNvPr>
+          <p:cNvSpPr txBox="1"/>
+          <p:nvPr/>
+        </p:nvSpPr>
+        <p:spPr>
+          <a:xfrm>
+            <a:off x="67277" y="6412638"/>
+            <a:ext cx="1851577" cy="661720"/>
+          </a:xfrm>
+          <a:prstGeom prst="rect">
+            <a:avLst/>
+          </a:prstGeom>
+          <a:noFill/>
+        </p:spPr>
+        <p:txBody>
+          <a:bodyPr wrap="square" rtlCol="0">
+            <a:spAutoFit/>
+          </a:bodyPr>
+          <a:lstStyle/>
+          <a:p>
+            <a:pPr>
+              <a:spcAft>
+                <a:spcPts val="600"/>
+              </a:spcAft>
+            </a:pPr>
+            <a:r>
+              <a:rPr lang="en-US" sz="1600" dirty="0"/>
+              <a:t>AED </a:t>
+            </a:r>
+            <a:r>
+              <a:rPr lang="en-US" sz="1400" dirty="0"/>
+              <a:t>2021/2022</a:t>
+            </a:r>
+            <a:endParaRPr lang="en-US" sz="1600" dirty="0"/>
+          </a:p>
+          <a:p>
+            <a:pPr>
+              <a:spcAft>
+                <a:spcPts val="600"/>
+              </a:spcAft>
+            </a:pPr>
+            <a:endParaRPr lang="en-PT" sz="1600" dirty="0"/>
+          </a:p>
+        </p:txBody>
+      </p:sp>
+    </p:spTree>
+    <p:extLst>
+      <p:ext uri="{BB962C8B-B14F-4D97-AF65-F5344CB8AC3E}">
+        <p14:creationId xmlns:p14="http://schemas.microsoft.com/office/powerpoint/2010/main" val="1654020882"/>
+      </p:ext>
+    </p:extLst>
+  </p:cSld>
+  <p:clrMapOvr>
+    <a:masterClrMapping/>
+  </p:clrMapOvr>
+</p:sld>
+</file>
+
+<file path=ppt/slides/slide7.xml><?xml version="1.0" encoding="utf-8"?>
+<p:sld xmlns:a="http://schemas.openxmlformats.org/drawingml/2006/main" xmlns:r="http://schemas.openxmlformats.org/officeDocument/2006/relationships" xmlns:p="http://schemas.openxmlformats.org/presentationml/2006/main">
+  <p:cSld>
     <p:bg>
       <p:bgPr>
         <a:solidFill>
@@ -19059,7 +23213,7 @@
 </p:sld>
 </file>
 
-<file path=ppt/slides/slide6.xml><?xml version="1.0" encoding="utf-8"?>
+<file path=ppt/slides/slide8.xml><?xml version="1.0" encoding="utf-8"?>
 <p:sld xmlns:a="http://schemas.openxmlformats.org/drawingml/2006/main" xmlns:r="http://schemas.openxmlformats.org/officeDocument/2006/relationships" xmlns:p="http://schemas.openxmlformats.org/presentationml/2006/main">
   <p:cSld>
     <p:bg>
@@ -20682,7 +24836,7 @@
 </p:sld>
 </file>
 
-<file path=ppt/slides/slide7.xml><?xml version="1.0" encoding="utf-8"?>
+<file path=ppt/slides/slide9.xml><?xml version="1.0" encoding="utf-8"?>
 <p:sld xmlns:a="http://schemas.openxmlformats.org/drawingml/2006/main" xmlns:r="http://schemas.openxmlformats.org/officeDocument/2006/relationships" xmlns:p="http://schemas.openxmlformats.org/presentationml/2006/main">
   <p:cSld>
     <p:bg>
@@ -22347,3252 +26501,6 @@
     <p:extLst>
       <p:ext uri="{BB962C8B-B14F-4D97-AF65-F5344CB8AC3E}">
         <p14:creationId xmlns:p14="http://schemas.microsoft.com/office/powerpoint/2010/main" val="3770660619"/>
-      </p:ext>
-    </p:extLst>
-  </p:cSld>
-  <p:clrMapOvr>
-    <a:masterClrMapping/>
-  </p:clrMapOvr>
-</p:sld>
-</file>
-
-<file path=ppt/slides/slide8.xml><?xml version="1.0" encoding="utf-8"?>
-<p:sld xmlns:a="http://schemas.openxmlformats.org/drawingml/2006/main" xmlns:r="http://schemas.openxmlformats.org/officeDocument/2006/relationships" xmlns:p="http://schemas.openxmlformats.org/presentationml/2006/main">
-  <p:cSld>
-    <p:bg>
-      <p:bgPr>
-        <a:solidFill>
-          <a:schemeClr val="bg1"/>
-        </a:solidFill>
-        <a:effectLst/>
-      </p:bgPr>
-    </p:bg>
-    <p:spTree>
-      <p:nvGrpSpPr>
-        <p:cNvPr id="1" name=""/>
-        <p:cNvGrpSpPr/>
-        <p:nvPr/>
-      </p:nvGrpSpPr>
-      <p:grpSpPr>
-        <a:xfrm>
-          <a:off x="0" y="0"/>
-          <a:ext cx="0" cy="0"/>
-          <a:chOff x="0" y="0"/>
-          <a:chExt cx="0" cy="0"/>
-        </a:xfrm>
-      </p:grpSpPr>
-      <p:sp useBgFill="1">
-        <p:nvSpPr>
-          <p:cNvPr id="72" name="Rectangle 71">
-            <a:extLst>
-              <a:ext uri="{FF2B5EF4-FFF2-40B4-BE49-F238E27FC236}">
-                <a16:creationId xmlns:a16="http://schemas.microsoft.com/office/drawing/2014/main" id="{8ED08A1D-4632-47AB-8832-C17BA008697E}"/>
-              </a:ext>
-              <a:ext uri="{C183D7F6-B498-43B3-948B-1728B52AA6E4}">
-                <adec:decorative xmlns:adec="http://schemas.microsoft.com/office/drawing/2017/decorative" val="1"/>
-              </a:ext>
-            </a:extLst>
-          </p:cNvPr>
-          <p:cNvSpPr>
-            <a:spLocks noGrp="1" noRot="1" noChangeAspect="1" noMove="1" noResize="1" noEditPoints="1" noAdjustHandles="1" noChangeArrowheads="1" noChangeShapeType="1" noTextEdit="1"/>
-          </p:cNvSpPr>
-          <p:nvPr>
-            <p:extLst>
-              <p:ext uri="{386F3935-93C4-4BCD-93E2-E3B085C9AB24}">
-                <p16:designElem xmlns:p16="http://schemas.microsoft.com/office/powerpoint/2015/main" val="1"/>
-              </p:ext>
-            </p:extLst>
-          </p:nvPr>
-        </p:nvSpPr>
-        <p:spPr>
-          <a:xfrm>
-            <a:off x="0" y="0"/>
-            <a:ext cx="12192000" cy="6858000"/>
-          </a:xfrm>
-          <a:prstGeom prst="rect">
-            <a:avLst/>
-          </a:prstGeom>
-          <a:ln w="12700" cap="flat" cmpd="sng" algn="ctr">
-            <a:noFill/>
-            <a:prstDash val="solid"/>
-            <a:miter lim="800000"/>
-          </a:ln>
-          <a:effectLst/>
-        </p:spPr>
-        <p:style>
-          <a:lnRef idx="2">
-            <a:schemeClr val="accent1">
-              <a:shade val="50000"/>
-            </a:schemeClr>
-          </a:lnRef>
-          <a:fillRef idx="1">
-            <a:schemeClr val="accent1"/>
-          </a:fillRef>
-          <a:effectRef idx="0">
-            <a:schemeClr val="accent1"/>
-          </a:effectRef>
-          <a:fontRef idx="minor">
-            <a:schemeClr val="lt1"/>
-          </a:fontRef>
-        </p:style>
-        <p:txBody>
-          <a:bodyPr rtlCol="0" anchor="ctr"/>
-          <a:lstStyle/>
-          <a:p>
-            <a:pPr algn="ctr"/>
-            <a:endParaRPr lang="en-US" dirty="0"/>
-          </a:p>
-        </p:txBody>
-      </p:sp>
-      <p:sp>
-        <p:nvSpPr>
-          <p:cNvPr id="2" name="Título 1"/>
-          <p:cNvSpPr>
-            <a:spLocks noGrp="1"/>
-          </p:cNvSpPr>
-          <p:nvPr>
-            <p:ph type="ctrTitle"/>
-          </p:nvPr>
-        </p:nvSpPr>
-        <p:spPr>
-          <a:xfrm>
-            <a:off x="1251677" y="662399"/>
-            <a:ext cx="9164075" cy="1494000"/>
-          </a:xfrm>
-        </p:spPr>
-        <p:txBody>
-          <a:bodyPr vert="horz" lIns="91440" tIns="45720" rIns="91440" bIns="45720" rtlCol="0" anchor="t">
-            <a:normAutofit/>
-          </a:bodyPr>
-          <a:lstStyle/>
-          <a:p>
-            <a:pPr algn="l"/>
-            <a:r>
-              <a:rPr lang="en-US" sz="4400" kern="1200" dirty="0" err="1">
-                <a:solidFill>
-                  <a:schemeClr val="tx1"/>
-                </a:solidFill>
-                <a:latin typeface="+mj-lt"/>
-                <a:ea typeface="+mj-ea"/>
-                <a:cs typeface="+mj-cs"/>
-              </a:rPr>
-              <a:t>Funcionalidades</a:t>
-            </a:r>
-            <a:r>
-              <a:rPr lang="en-US" sz="4400" kern="1200" dirty="0">
-                <a:solidFill>
-                  <a:schemeClr val="tx1"/>
-                </a:solidFill>
-                <a:latin typeface="+mj-lt"/>
-                <a:ea typeface="+mj-ea"/>
-                <a:cs typeface="+mj-cs"/>
-              </a:rPr>
-              <a:t> – </a:t>
-            </a:r>
-            <a:r>
-              <a:rPr lang="en-US" sz="4400" dirty="0" err="1"/>
-              <a:t>caminho</a:t>
-            </a:r>
-            <a:r>
-              <a:rPr lang="en-US" sz="4400" dirty="0"/>
-              <a:t> </a:t>
-            </a:r>
-            <a:r>
-              <a:rPr lang="en-US" sz="4400" dirty="0" err="1"/>
-              <a:t>mais</a:t>
-            </a:r>
-            <a:r>
-              <a:rPr lang="en-US" sz="4400" dirty="0"/>
-              <a:t> </a:t>
-            </a:r>
-            <a:r>
-              <a:rPr lang="en-US" sz="4400" dirty="0" err="1"/>
-              <a:t>barato</a:t>
-            </a:r>
-            <a:endParaRPr lang="en-US" sz="4400" kern="1200" dirty="0">
-              <a:solidFill>
-                <a:schemeClr val="tx1"/>
-              </a:solidFill>
-              <a:latin typeface="+mj-lt"/>
-              <a:ea typeface="+mj-ea"/>
-              <a:cs typeface="+mj-cs"/>
-            </a:endParaRPr>
-          </a:p>
-        </p:txBody>
-      </p:sp>
-      <p:grpSp>
-        <p:nvGrpSpPr>
-          <p:cNvPr id="74" name="Group 73">
-            <a:extLst>
-              <a:ext uri="{FF2B5EF4-FFF2-40B4-BE49-F238E27FC236}">
-                <a16:creationId xmlns:a16="http://schemas.microsoft.com/office/drawing/2014/main" id="{0075437B-93A1-4A73-812B-C5030CC2FFCD}"/>
-              </a:ext>
-              <a:ext uri="{C183D7F6-B498-43B3-948B-1728B52AA6E4}">
-                <adec:decorative xmlns:adec="http://schemas.microsoft.com/office/drawing/2017/decorative" val="1"/>
-              </a:ext>
-            </a:extLst>
-          </p:cNvPr>
-          <p:cNvGrpSpPr>
-            <a:grpSpLocks noGrp="1" noUngrp="1" noRot="1" noChangeAspect="1" noMove="1" noResize="1"/>
-          </p:cNvGrpSpPr>
-          <p:nvPr>
-            <p:extLst>
-              <p:ext uri="{386F3935-93C4-4BCD-93E2-E3B085C9AB24}">
-                <p16:designElem xmlns:p16="http://schemas.microsoft.com/office/powerpoint/2015/main" val="1"/>
-              </p:ext>
-            </p:extLst>
-          </p:nvPr>
-        </p:nvGrpSpPr>
-        <p:grpSpPr>
-          <a:xfrm>
-            <a:off x="0" y="0"/>
-            <a:ext cx="885825" cy="6858000"/>
-            <a:chOff x="0" y="0"/>
-            <a:chExt cx="885825" cy="6858000"/>
-          </a:xfrm>
-        </p:grpSpPr>
-        <p:sp>
-          <p:nvSpPr>
-            <p:cNvPr id="75" name="Freeform 6">
-              <a:extLst>
-                <a:ext uri="{FF2B5EF4-FFF2-40B4-BE49-F238E27FC236}">
-                  <a16:creationId xmlns:a16="http://schemas.microsoft.com/office/drawing/2014/main" id="{BB8505BE-2298-4E13-A7FB-2D05006DF6BF}"/>
-                </a:ext>
-                <a:ext uri="{C183D7F6-B498-43B3-948B-1728B52AA6E4}">
-                  <adec:decorative xmlns:adec="http://schemas.microsoft.com/office/drawing/2017/decorative" val="1"/>
-                </a:ext>
-              </a:extLst>
-            </p:cNvPr>
-            <p:cNvSpPr/>
-            <p:nvPr>
-              <p:extLst>
-                <p:ext uri="{386F3935-93C4-4BCD-93E2-E3B085C9AB24}">
-                  <p16:designElem xmlns:p16="http://schemas.microsoft.com/office/powerpoint/2015/main" val="1"/>
-                </p:ext>
-              </p:extLst>
-            </p:nvPr>
-          </p:nvSpPr>
-          <p:spPr bwMode="auto">
-            <a:xfrm>
-              <a:off x="0" y="0"/>
-              <a:ext cx="885825" cy="6858000"/>
-            </a:xfrm>
-            <a:custGeom>
-              <a:avLst/>
-              <a:gdLst/>
-              <a:ahLst/>
-              <a:cxnLst/>
-              <a:rect l="0" t="0" r="r" b="b"/>
-              <a:pathLst>
-                <a:path w="558" h="4320">
-                  <a:moveTo>
-                    <a:pt x="0" y="0"/>
-                  </a:moveTo>
-                  <a:lnTo>
-                    <a:pt x="447" y="0"/>
-                  </a:lnTo>
-                  <a:lnTo>
-                    <a:pt x="448" y="43"/>
-                  </a:lnTo>
-                  <a:lnTo>
-                    <a:pt x="453" y="81"/>
-                  </a:lnTo>
-                  <a:lnTo>
-                    <a:pt x="460" y="114"/>
-                  </a:lnTo>
-                  <a:lnTo>
-                    <a:pt x="469" y="143"/>
-                  </a:lnTo>
-                  <a:lnTo>
-                    <a:pt x="479" y="169"/>
-                  </a:lnTo>
-                  <a:lnTo>
-                    <a:pt x="491" y="192"/>
-                  </a:lnTo>
-                  <a:lnTo>
-                    <a:pt x="503" y="216"/>
-                  </a:lnTo>
-                  <a:lnTo>
-                    <a:pt x="515" y="240"/>
-                  </a:lnTo>
-                  <a:lnTo>
-                    <a:pt x="525" y="263"/>
-                  </a:lnTo>
-                  <a:lnTo>
-                    <a:pt x="535" y="289"/>
-                  </a:lnTo>
-                  <a:lnTo>
-                    <a:pt x="545" y="318"/>
-                  </a:lnTo>
-                  <a:lnTo>
-                    <a:pt x="552" y="351"/>
-                  </a:lnTo>
-                  <a:lnTo>
-                    <a:pt x="556" y="389"/>
-                  </a:lnTo>
-                  <a:lnTo>
-                    <a:pt x="558" y="432"/>
-                  </a:lnTo>
-                  <a:lnTo>
-                    <a:pt x="556" y="475"/>
-                  </a:lnTo>
-                  <a:lnTo>
-                    <a:pt x="552" y="513"/>
-                  </a:lnTo>
-                  <a:lnTo>
-                    <a:pt x="545" y="546"/>
-                  </a:lnTo>
-                  <a:lnTo>
-                    <a:pt x="535" y="575"/>
-                  </a:lnTo>
-                  <a:lnTo>
-                    <a:pt x="525" y="601"/>
-                  </a:lnTo>
-                  <a:lnTo>
-                    <a:pt x="515" y="624"/>
-                  </a:lnTo>
-                  <a:lnTo>
-                    <a:pt x="503" y="648"/>
-                  </a:lnTo>
-                  <a:lnTo>
-                    <a:pt x="491" y="672"/>
-                  </a:lnTo>
-                  <a:lnTo>
-                    <a:pt x="479" y="695"/>
-                  </a:lnTo>
-                  <a:lnTo>
-                    <a:pt x="469" y="721"/>
-                  </a:lnTo>
-                  <a:lnTo>
-                    <a:pt x="460" y="750"/>
-                  </a:lnTo>
-                  <a:lnTo>
-                    <a:pt x="453" y="783"/>
-                  </a:lnTo>
-                  <a:lnTo>
-                    <a:pt x="448" y="821"/>
-                  </a:lnTo>
-                  <a:lnTo>
-                    <a:pt x="447" y="864"/>
-                  </a:lnTo>
-                  <a:lnTo>
-                    <a:pt x="448" y="907"/>
-                  </a:lnTo>
-                  <a:lnTo>
-                    <a:pt x="453" y="945"/>
-                  </a:lnTo>
-                  <a:lnTo>
-                    <a:pt x="460" y="978"/>
-                  </a:lnTo>
-                  <a:lnTo>
-                    <a:pt x="469" y="1007"/>
-                  </a:lnTo>
-                  <a:lnTo>
-                    <a:pt x="479" y="1033"/>
-                  </a:lnTo>
-                  <a:lnTo>
-                    <a:pt x="491" y="1056"/>
-                  </a:lnTo>
-                  <a:lnTo>
-                    <a:pt x="503" y="1080"/>
-                  </a:lnTo>
-                  <a:lnTo>
-                    <a:pt x="515" y="1104"/>
-                  </a:lnTo>
-                  <a:lnTo>
-                    <a:pt x="525" y="1127"/>
-                  </a:lnTo>
-                  <a:lnTo>
-                    <a:pt x="535" y="1153"/>
-                  </a:lnTo>
-                  <a:lnTo>
-                    <a:pt x="545" y="1182"/>
-                  </a:lnTo>
-                  <a:lnTo>
-                    <a:pt x="552" y="1215"/>
-                  </a:lnTo>
-                  <a:lnTo>
-                    <a:pt x="556" y="1253"/>
-                  </a:lnTo>
-                  <a:lnTo>
-                    <a:pt x="558" y="1296"/>
-                  </a:lnTo>
-                  <a:lnTo>
-                    <a:pt x="556" y="1339"/>
-                  </a:lnTo>
-                  <a:lnTo>
-                    <a:pt x="552" y="1377"/>
-                  </a:lnTo>
-                  <a:lnTo>
-                    <a:pt x="545" y="1410"/>
-                  </a:lnTo>
-                  <a:lnTo>
-                    <a:pt x="535" y="1439"/>
-                  </a:lnTo>
-                  <a:lnTo>
-                    <a:pt x="525" y="1465"/>
-                  </a:lnTo>
-                  <a:lnTo>
-                    <a:pt x="515" y="1488"/>
-                  </a:lnTo>
-                  <a:lnTo>
-                    <a:pt x="503" y="1512"/>
-                  </a:lnTo>
-                  <a:lnTo>
-                    <a:pt x="491" y="1536"/>
-                  </a:lnTo>
-                  <a:lnTo>
-                    <a:pt x="479" y="1559"/>
-                  </a:lnTo>
-                  <a:lnTo>
-                    <a:pt x="469" y="1585"/>
-                  </a:lnTo>
-                  <a:lnTo>
-                    <a:pt x="460" y="1614"/>
-                  </a:lnTo>
-                  <a:lnTo>
-                    <a:pt x="453" y="1647"/>
-                  </a:lnTo>
-                  <a:lnTo>
-                    <a:pt x="448" y="1685"/>
-                  </a:lnTo>
-                  <a:lnTo>
-                    <a:pt x="447" y="1728"/>
-                  </a:lnTo>
-                  <a:lnTo>
-                    <a:pt x="448" y="1771"/>
-                  </a:lnTo>
-                  <a:lnTo>
-                    <a:pt x="453" y="1809"/>
-                  </a:lnTo>
-                  <a:lnTo>
-                    <a:pt x="460" y="1842"/>
-                  </a:lnTo>
-                  <a:lnTo>
-                    <a:pt x="469" y="1871"/>
-                  </a:lnTo>
-                  <a:lnTo>
-                    <a:pt x="479" y="1897"/>
-                  </a:lnTo>
-                  <a:lnTo>
-                    <a:pt x="491" y="1920"/>
-                  </a:lnTo>
-                  <a:lnTo>
-                    <a:pt x="503" y="1944"/>
-                  </a:lnTo>
-                  <a:lnTo>
-                    <a:pt x="515" y="1968"/>
-                  </a:lnTo>
-                  <a:lnTo>
-                    <a:pt x="525" y="1991"/>
-                  </a:lnTo>
-                  <a:lnTo>
-                    <a:pt x="535" y="2017"/>
-                  </a:lnTo>
-                  <a:lnTo>
-                    <a:pt x="545" y="2046"/>
-                  </a:lnTo>
-                  <a:lnTo>
-                    <a:pt x="552" y="2079"/>
-                  </a:lnTo>
-                  <a:lnTo>
-                    <a:pt x="556" y="2117"/>
-                  </a:lnTo>
-                  <a:lnTo>
-                    <a:pt x="558" y="2159"/>
-                  </a:lnTo>
-                  <a:lnTo>
-                    <a:pt x="556" y="2203"/>
-                  </a:lnTo>
-                  <a:lnTo>
-                    <a:pt x="552" y="2241"/>
-                  </a:lnTo>
-                  <a:lnTo>
-                    <a:pt x="545" y="2274"/>
-                  </a:lnTo>
-                  <a:lnTo>
-                    <a:pt x="535" y="2303"/>
-                  </a:lnTo>
-                  <a:lnTo>
-                    <a:pt x="525" y="2329"/>
-                  </a:lnTo>
-                  <a:lnTo>
-                    <a:pt x="515" y="2352"/>
-                  </a:lnTo>
-                  <a:lnTo>
-                    <a:pt x="503" y="2376"/>
-                  </a:lnTo>
-                  <a:lnTo>
-                    <a:pt x="491" y="2400"/>
-                  </a:lnTo>
-                  <a:lnTo>
-                    <a:pt x="479" y="2423"/>
-                  </a:lnTo>
-                  <a:lnTo>
-                    <a:pt x="469" y="2449"/>
-                  </a:lnTo>
-                  <a:lnTo>
-                    <a:pt x="460" y="2478"/>
-                  </a:lnTo>
-                  <a:lnTo>
-                    <a:pt x="453" y="2511"/>
-                  </a:lnTo>
-                  <a:lnTo>
-                    <a:pt x="448" y="2549"/>
-                  </a:lnTo>
-                  <a:lnTo>
-                    <a:pt x="447" y="2592"/>
-                  </a:lnTo>
-                  <a:lnTo>
-                    <a:pt x="448" y="2635"/>
-                  </a:lnTo>
-                  <a:lnTo>
-                    <a:pt x="453" y="2673"/>
-                  </a:lnTo>
-                  <a:lnTo>
-                    <a:pt x="460" y="2706"/>
-                  </a:lnTo>
-                  <a:lnTo>
-                    <a:pt x="469" y="2735"/>
-                  </a:lnTo>
-                  <a:lnTo>
-                    <a:pt x="479" y="2761"/>
-                  </a:lnTo>
-                  <a:lnTo>
-                    <a:pt x="491" y="2784"/>
-                  </a:lnTo>
-                  <a:lnTo>
-                    <a:pt x="515" y="2832"/>
-                  </a:lnTo>
-                  <a:lnTo>
-                    <a:pt x="525" y="2855"/>
-                  </a:lnTo>
-                  <a:lnTo>
-                    <a:pt x="535" y="2881"/>
-                  </a:lnTo>
-                  <a:lnTo>
-                    <a:pt x="545" y="2910"/>
-                  </a:lnTo>
-                  <a:lnTo>
-                    <a:pt x="552" y="2943"/>
-                  </a:lnTo>
-                  <a:lnTo>
-                    <a:pt x="556" y="2981"/>
-                  </a:lnTo>
-                  <a:lnTo>
-                    <a:pt x="558" y="3024"/>
-                  </a:lnTo>
-                  <a:lnTo>
-                    <a:pt x="556" y="3067"/>
-                  </a:lnTo>
-                  <a:lnTo>
-                    <a:pt x="552" y="3105"/>
-                  </a:lnTo>
-                  <a:lnTo>
-                    <a:pt x="545" y="3138"/>
-                  </a:lnTo>
-                  <a:lnTo>
-                    <a:pt x="535" y="3167"/>
-                  </a:lnTo>
-                  <a:lnTo>
-                    <a:pt x="525" y="3193"/>
-                  </a:lnTo>
-                  <a:lnTo>
-                    <a:pt x="515" y="3216"/>
-                  </a:lnTo>
-                  <a:lnTo>
-                    <a:pt x="503" y="3240"/>
-                  </a:lnTo>
-                  <a:lnTo>
-                    <a:pt x="491" y="3264"/>
-                  </a:lnTo>
-                  <a:lnTo>
-                    <a:pt x="479" y="3287"/>
-                  </a:lnTo>
-                  <a:lnTo>
-                    <a:pt x="469" y="3313"/>
-                  </a:lnTo>
-                  <a:lnTo>
-                    <a:pt x="460" y="3342"/>
-                  </a:lnTo>
-                  <a:lnTo>
-                    <a:pt x="453" y="3375"/>
-                  </a:lnTo>
-                  <a:lnTo>
-                    <a:pt x="448" y="3413"/>
-                  </a:lnTo>
-                  <a:lnTo>
-                    <a:pt x="447" y="3456"/>
-                  </a:lnTo>
-                  <a:lnTo>
-                    <a:pt x="448" y="3499"/>
-                  </a:lnTo>
-                  <a:lnTo>
-                    <a:pt x="453" y="3537"/>
-                  </a:lnTo>
-                  <a:lnTo>
-                    <a:pt x="460" y="3570"/>
-                  </a:lnTo>
-                  <a:lnTo>
-                    <a:pt x="469" y="3599"/>
-                  </a:lnTo>
-                  <a:lnTo>
-                    <a:pt x="479" y="3625"/>
-                  </a:lnTo>
-                  <a:lnTo>
-                    <a:pt x="491" y="3648"/>
-                  </a:lnTo>
-                  <a:lnTo>
-                    <a:pt x="503" y="3672"/>
-                  </a:lnTo>
-                  <a:lnTo>
-                    <a:pt x="515" y="3696"/>
-                  </a:lnTo>
-                  <a:lnTo>
-                    <a:pt x="525" y="3719"/>
-                  </a:lnTo>
-                  <a:lnTo>
-                    <a:pt x="535" y="3745"/>
-                  </a:lnTo>
-                  <a:lnTo>
-                    <a:pt x="545" y="3774"/>
-                  </a:lnTo>
-                  <a:lnTo>
-                    <a:pt x="552" y="3807"/>
-                  </a:lnTo>
-                  <a:lnTo>
-                    <a:pt x="556" y="3845"/>
-                  </a:lnTo>
-                  <a:lnTo>
-                    <a:pt x="558" y="3888"/>
-                  </a:lnTo>
-                  <a:lnTo>
-                    <a:pt x="556" y="3931"/>
-                  </a:lnTo>
-                  <a:lnTo>
-                    <a:pt x="552" y="3969"/>
-                  </a:lnTo>
-                  <a:lnTo>
-                    <a:pt x="545" y="4002"/>
-                  </a:lnTo>
-                  <a:lnTo>
-                    <a:pt x="535" y="4031"/>
-                  </a:lnTo>
-                  <a:lnTo>
-                    <a:pt x="525" y="4057"/>
-                  </a:lnTo>
-                  <a:lnTo>
-                    <a:pt x="515" y="4080"/>
-                  </a:lnTo>
-                  <a:lnTo>
-                    <a:pt x="503" y="4104"/>
-                  </a:lnTo>
-                  <a:lnTo>
-                    <a:pt x="491" y="4128"/>
-                  </a:lnTo>
-                  <a:lnTo>
-                    <a:pt x="479" y="4151"/>
-                  </a:lnTo>
-                  <a:lnTo>
-                    <a:pt x="469" y="4177"/>
-                  </a:lnTo>
-                  <a:lnTo>
-                    <a:pt x="460" y="4206"/>
-                  </a:lnTo>
-                  <a:lnTo>
-                    <a:pt x="453" y="4239"/>
-                  </a:lnTo>
-                  <a:lnTo>
-                    <a:pt x="448" y="4277"/>
-                  </a:lnTo>
-                  <a:lnTo>
-                    <a:pt x="447" y="4320"/>
-                  </a:lnTo>
-                  <a:lnTo>
-                    <a:pt x="0" y="4320"/>
-                  </a:lnTo>
-                  <a:lnTo>
-                    <a:pt x="0" y="0"/>
-                  </a:lnTo>
-                  <a:close/>
-                </a:path>
-              </a:pathLst>
-            </a:custGeom>
-            <a:solidFill>
-              <a:srgbClr val="FFFFFF"/>
-            </a:solidFill>
-            <a:ln w="0">
-              <a:noFill/>
-              <a:prstDash val="solid"/>
-              <a:round/>
-              <a:headEnd/>
-              <a:tailEnd/>
-            </a:ln>
-          </p:spPr>
-        </p:sp>
-        <p:sp>
-          <p:nvSpPr>
-            <p:cNvPr id="76" name="Freeform 6">
-              <a:extLst>
-                <a:ext uri="{FF2B5EF4-FFF2-40B4-BE49-F238E27FC236}">
-                  <a16:creationId xmlns:a16="http://schemas.microsoft.com/office/drawing/2014/main" id="{6751C2C2-B295-4CDA-9112-A35D684DCB55}"/>
-                </a:ext>
-                <a:ext uri="{C183D7F6-B498-43B3-948B-1728B52AA6E4}">
-                  <adec:decorative xmlns:adec="http://schemas.microsoft.com/office/drawing/2017/decorative" val="1"/>
-                </a:ext>
-              </a:extLst>
-            </p:cNvPr>
-            <p:cNvSpPr/>
-            <p:nvPr>
-              <p:extLst>
-                <p:ext uri="{386F3935-93C4-4BCD-93E2-E3B085C9AB24}">
-                  <p16:designElem xmlns:p16="http://schemas.microsoft.com/office/powerpoint/2015/main" val="1"/>
-                </p:ext>
-              </p:extLst>
-            </p:nvPr>
-          </p:nvSpPr>
-          <p:spPr bwMode="auto">
-            <a:xfrm>
-              <a:off x="0" y="0"/>
-              <a:ext cx="885825" cy="6858000"/>
-            </a:xfrm>
-            <a:custGeom>
-              <a:avLst/>
-              <a:gdLst/>
-              <a:ahLst/>
-              <a:cxnLst/>
-              <a:rect l="0" t="0" r="r" b="b"/>
-              <a:pathLst>
-                <a:path w="558" h="4320">
-                  <a:moveTo>
-                    <a:pt x="0" y="0"/>
-                  </a:moveTo>
-                  <a:lnTo>
-                    <a:pt x="447" y="0"/>
-                  </a:lnTo>
-                  <a:lnTo>
-                    <a:pt x="448" y="43"/>
-                  </a:lnTo>
-                  <a:lnTo>
-                    <a:pt x="453" y="81"/>
-                  </a:lnTo>
-                  <a:lnTo>
-                    <a:pt x="460" y="114"/>
-                  </a:lnTo>
-                  <a:lnTo>
-                    <a:pt x="469" y="143"/>
-                  </a:lnTo>
-                  <a:lnTo>
-                    <a:pt x="479" y="169"/>
-                  </a:lnTo>
-                  <a:lnTo>
-                    <a:pt x="491" y="192"/>
-                  </a:lnTo>
-                  <a:lnTo>
-                    <a:pt x="503" y="216"/>
-                  </a:lnTo>
-                  <a:lnTo>
-                    <a:pt x="515" y="240"/>
-                  </a:lnTo>
-                  <a:lnTo>
-                    <a:pt x="525" y="263"/>
-                  </a:lnTo>
-                  <a:lnTo>
-                    <a:pt x="535" y="289"/>
-                  </a:lnTo>
-                  <a:lnTo>
-                    <a:pt x="545" y="318"/>
-                  </a:lnTo>
-                  <a:lnTo>
-                    <a:pt x="552" y="351"/>
-                  </a:lnTo>
-                  <a:lnTo>
-                    <a:pt x="556" y="389"/>
-                  </a:lnTo>
-                  <a:lnTo>
-                    <a:pt x="558" y="432"/>
-                  </a:lnTo>
-                  <a:lnTo>
-                    <a:pt x="556" y="475"/>
-                  </a:lnTo>
-                  <a:lnTo>
-                    <a:pt x="552" y="513"/>
-                  </a:lnTo>
-                  <a:lnTo>
-                    <a:pt x="545" y="546"/>
-                  </a:lnTo>
-                  <a:lnTo>
-                    <a:pt x="535" y="575"/>
-                  </a:lnTo>
-                  <a:lnTo>
-                    <a:pt x="525" y="601"/>
-                  </a:lnTo>
-                  <a:lnTo>
-                    <a:pt x="515" y="624"/>
-                  </a:lnTo>
-                  <a:lnTo>
-                    <a:pt x="503" y="648"/>
-                  </a:lnTo>
-                  <a:lnTo>
-                    <a:pt x="491" y="672"/>
-                  </a:lnTo>
-                  <a:lnTo>
-                    <a:pt x="479" y="695"/>
-                  </a:lnTo>
-                  <a:lnTo>
-                    <a:pt x="469" y="721"/>
-                  </a:lnTo>
-                  <a:lnTo>
-                    <a:pt x="460" y="750"/>
-                  </a:lnTo>
-                  <a:lnTo>
-                    <a:pt x="453" y="783"/>
-                  </a:lnTo>
-                  <a:lnTo>
-                    <a:pt x="448" y="821"/>
-                  </a:lnTo>
-                  <a:lnTo>
-                    <a:pt x="447" y="864"/>
-                  </a:lnTo>
-                  <a:lnTo>
-                    <a:pt x="448" y="907"/>
-                  </a:lnTo>
-                  <a:lnTo>
-                    <a:pt x="453" y="945"/>
-                  </a:lnTo>
-                  <a:lnTo>
-                    <a:pt x="460" y="978"/>
-                  </a:lnTo>
-                  <a:lnTo>
-                    <a:pt x="469" y="1007"/>
-                  </a:lnTo>
-                  <a:lnTo>
-                    <a:pt x="479" y="1033"/>
-                  </a:lnTo>
-                  <a:lnTo>
-                    <a:pt x="491" y="1056"/>
-                  </a:lnTo>
-                  <a:lnTo>
-                    <a:pt x="503" y="1080"/>
-                  </a:lnTo>
-                  <a:lnTo>
-                    <a:pt x="515" y="1104"/>
-                  </a:lnTo>
-                  <a:lnTo>
-                    <a:pt x="525" y="1127"/>
-                  </a:lnTo>
-                  <a:lnTo>
-                    <a:pt x="535" y="1153"/>
-                  </a:lnTo>
-                  <a:lnTo>
-                    <a:pt x="545" y="1182"/>
-                  </a:lnTo>
-                  <a:lnTo>
-                    <a:pt x="552" y="1215"/>
-                  </a:lnTo>
-                  <a:lnTo>
-                    <a:pt x="556" y="1253"/>
-                  </a:lnTo>
-                  <a:lnTo>
-                    <a:pt x="558" y="1296"/>
-                  </a:lnTo>
-                  <a:lnTo>
-                    <a:pt x="556" y="1339"/>
-                  </a:lnTo>
-                  <a:lnTo>
-                    <a:pt x="552" y="1377"/>
-                  </a:lnTo>
-                  <a:lnTo>
-                    <a:pt x="545" y="1410"/>
-                  </a:lnTo>
-                  <a:lnTo>
-                    <a:pt x="535" y="1439"/>
-                  </a:lnTo>
-                  <a:lnTo>
-                    <a:pt x="525" y="1465"/>
-                  </a:lnTo>
-                  <a:lnTo>
-                    <a:pt x="515" y="1488"/>
-                  </a:lnTo>
-                  <a:lnTo>
-                    <a:pt x="503" y="1512"/>
-                  </a:lnTo>
-                  <a:lnTo>
-                    <a:pt x="491" y="1536"/>
-                  </a:lnTo>
-                  <a:lnTo>
-                    <a:pt x="479" y="1559"/>
-                  </a:lnTo>
-                  <a:lnTo>
-                    <a:pt x="469" y="1585"/>
-                  </a:lnTo>
-                  <a:lnTo>
-                    <a:pt x="460" y="1614"/>
-                  </a:lnTo>
-                  <a:lnTo>
-                    <a:pt x="453" y="1647"/>
-                  </a:lnTo>
-                  <a:lnTo>
-                    <a:pt x="448" y="1685"/>
-                  </a:lnTo>
-                  <a:lnTo>
-                    <a:pt x="447" y="1728"/>
-                  </a:lnTo>
-                  <a:lnTo>
-                    <a:pt x="448" y="1771"/>
-                  </a:lnTo>
-                  <a:lnTo>
-                    <a:pt x="453" y="1809"/>
-                  </a:lnTo>
-                  <a:lnTo>
-                    <a:pt x="460" y="1842"/>
-                  </a:lnTo>
-                  <a:lnTo>
-                    <a:pt x="469" y="1871"/>
-                  </a:lnTo>
-                  <a:lnTo>
-                    <a:pt x="479" y="1897"/>
-                  </a:lnTo>
-                  <a:lnTo>
-                    <a:pt x="491" y="1920"/>
-                  </a:lnTo>
-                  <a:lnTo>
-                    <a:pt x="503" y="1944"/>
-                  </a:lnTo>
-                  <a:lnTo>
-                    <a:pt x="515" y="1968"/>
-                  </a:lnTo>
-                  <a:lnTo>
-                    <a:pt x="525" y="1991"/>
-                  </a:lnTo>
-                  <a:lnTo>
-                    <a:pt x="535" y="2017"/>
-                  </a:lnTo>
-                  <a:lnTo>
-                    <a:pt x="545" y="2046"/>
-                  </a:lnTo>
-                  <a:lnTo>
-                    <a:pt x="552" y="2079"/>
-                  </a:lnTo>
-                  <a:lnTo>
-                    <a:pt x="556" y="2117"/>
-                  </a:lnTo>
-                  <a:lnTo>
-                    <a:pt x="558" y="2159"/>
-                  </a:lnTo>
-                  <a:lnTo>
-                    <a:pt x="556" y="2203"/>
-                  </a:lnTo>
-                  <a:lnTo>
-                    <a:pt x="552" y="2241"/>
-                  </a:lnTo>
-                  <a:lnTo>
-                    <a:pt x="545" y="2274"/>
-                  </a:lnTo>
-                  <a:lnTo>
-                    <a:pt x="535" y="2303"/>
-                  </a:lnTo>
-                  <a:lnTo>
-                    <a:pt x="525" y="2329"/>
-                  </a:lnTo>
-                  <a:lnTo>
-                    <a:pt x="515" y="2352"/>
-                  </a:lnTo>
-                  <a:lnTo>
-                    <a:pt x="503" y="2376"/>
-                  </a:lnTo>
-                  <a:lnTo>
-                    <a:pt x="491" y="2400"/>
-                  </a:lnTo>
-                  <a:lnTo>
-                    <a:pt x="479" y="2423"/>
-                  </a:lnTo>
-                  <a:lnTo>
-                    <a:pt x="469" y="2449"/>
-                  </a:lnTo>
-                  <a:lnTo>
-                    <a:pt x="460" y="2478"/>
-                  </a:lnTo>
-                  <a:lnTo>
-                    <a:pt x="453" y="2511"/>
-                  </a:lnTo>
-                  <a:lnTo>
-                    <a:pt x="448" y="2549"/>
-                  </a:lnTo>
-                  <a:lnTo>
-                    <a:pt x="447" y="2592"/>
-                  </a:lnTo>
-                  <a:lnTo>
-                    <a:pt x="448" y="2635"/>
-                  </a:lnTo>
-                  <a:lnTo>
-                    <a:pt x="453" y="2673"/>
-                  </a:lnTo>
-                  <a:lnTo>
-                    <a:pt x="460" y="2706"/>
-                  </a:lnTo>
-                  <a:lnTo>
-                    <a:pt x="469" y="2735"/>
-                  </a:lnTo>
-                  <a:lnTo>
-                    <a:pt x="479" y="2761"/>
-                  </a:lnTo>
-                  <a:lnTo>
-                    <a:pt x="491" y="2784"/>
-                  </a:lnTo>
-                  <a:lnTo>
-                    <a:pt x="515" y="2832"/>
-                  </a:lnTo>
-                  <a:lnTo>
-                    <a:pt x="525" y="2855"/>
-                  </a:lnTo>
-                  <a:lnTo>
-                    <a:pt x="535" y="2881"/>
-                  </a:lnTo>
-                  <a:lnTo>
-                    <a:pt x="545" y="2910"/>
-                  </a:lnTo>
-                  <a:lnTo>
-                    <a:pt x="552" y="2943"/>
-                  </a:lnTo>
-                  <a:lnTo>
-                    <a:pt x="556" y="2981"/>
-                  </a:lnTo>
-                  <a:lnTo>
-                    <a:pt x="558" y="3024"/>
-                  </a:lnTo>
-                  <a:lnTo>
-                    <a:pt x="556" y="3067"/>
-                  </a:lnTo>
-                  <a:lnTo>
-                    <a:pt x="552" y="3105"/>
-                  </a:lnTo>
-                  <a:lnTo>
-                    <a:pt x="545" y="3138"/>
-                  </a:lnTo>
-                  <a:lnTo>
-                    <a:pt x="535" y="3167"/>
-                  </a:lnTo>
-                  <a:lnTo>
-                    <a:pt x="525" y="3193"/>
-                  </a:lnTo>
-                  <a:lnTo>
-                    <a:pt x="515" y="3216"/>
-                  </a:lnTo>
-                  <a:lnTo>
-                    <a:pt x="503" y="3240"/>
-                  </a:lnTo>
-                  <a:lnTo>
-                    <a:pt x="491" y="3264"/>
-                  </a:lnTo>
-                  <a:lnTo>
-                    <a:pt x="479" y="3287"/>
-                  </a:lnTo>
-                  <a:lnTo>
-                    <a:pt x="469" y="3313"/>
-                  </a:lnTo>
-                  <a:lnTo>
-                    <a:pt x="460" y="3342"/>
-                  </a:lnTo>
-                  <a:lnTo>
-                    <a:pt x="453" y="3375"/>
-                  </a:lnTo>
-                  <a:lnTo>
-                    <a:pt x="448" y="3413"/>
-                  </a:lnTo>
-                  <a:lnTo>
-                    <a:pt x="447" y="3456"/>
-                  </a:lnTo>
-                  <a:lnTo>
-                    <a:pt x="448" y="3499"/>
-                  </a:lnTo>
-                  <a:lnTo>
-                    <a:pt x="453" y="3537"/>
-                  </a:lnTo>
-                  <a:lnTo>
-                    <a:pt x="460" y="3570"/>
-                  </a:lnTo>
-                  <a:lnTo>
-                    <a:pt x="469" y="3599"/>
-                  </a:lnTo>
-                  <a:lnTo>
-                    <a:pt x="479" y="3625"/>
-                  </a:lnTo>
-                  <a:lnTo>
-                    <a:pt x="491" y="3648"/>
-                  </a:lnTo>
-                  <a:lnTo>
-                    <a:pt x="503" y="3672"/>
-                  </a:lnTo>
-                  <a:lnTo>
-                    <a:pt x="515" y="3696"/>
-                  </a:lnTo>
-                  <a:lnTo>
-                    <a:pt x="525" y="3719"/>
-                  </a:lnTo>
-                  <a:lnTo>
-                    <a:pt x="535" y="3745"/>
-                  </a:lnTo>
-                  <a:lnTo>
-                    <a:pt x="545" y="3774"/>
-                  </a:lnTo>
-                  <a:lnTo>
-                    <a:pt x="552" y="3807"/>
-                  </a:lnTo>
-                  <a:lnTo>
-                    <a:pt x="556" y="3845"/>
-                  </a:lnTo>
-                  <a:lnTo>
-                    <a:pt x="558" y="3888"/>
-                  </a:lnTo>
-                  <a:lnTo>
-                    <a:pt x="556" y="3931"/>
-                  </a:lnTo>
-                  <a:lnTo>
-                    <a:pt x="552" y="3969"/>
-                  </a:lnTo>
-                  <a:lnTo>
-                    <a:pt x="545" y="4002"/>
-                  </a:lnTo>
-                  <a:lnTo>
-                    <a:pt x="535" y="4031"/>
-                  </a:lnTo>
-                  <a:lnTo>
-                    <a:pt x="525" y="4057"/>
-                  </a:lnTo>
-                  <a:lnTo>
-                    <a:pt x="515" y="4080"/>
-                  </a:lnTo>
-                  <a:lnTo>
-                    <a:pt x="503" y="4104"/>
-                  </a:lnTo>
-                  <a:lnTo>
-                    <a:pt x="491" y="4128"/>
-                  </a:lnTo>
-                  <a:lnTo>
-                    <a:pt x="479" y="4151"/>
-                  </a:lnTo>
-                  <a:lnTo>
-                    <a:pt x="469" y="4177"/>
-                  </a:lnTo>
-                  <a:lnTo>
-                    <a:pt x="460" y="4206"/>
-                  </a:lnTo>
-                  <a:lnTo>
-                    <a:pt x="453" y="4239"/>
-                  </a:lnTo>
-                  <a:lnTo>
-                    <a:pt x="448" y="4277"/>
-                  </a:lnTo>
-                  <a:lnTo>
-                    <a:pt x="447" y="4320"/>
-                  </a:lnTo>
-                  <a:lnTo>
-                    <a:pt x="0" y="4320"/>
-                  </a:lnTo>
-                  <a:lnTo>
-                    <a:pt x="0" y="0"/>
-                  </a:lnTo>
-                  <a:close/>
-                </a:path>
-              </a:pathLst>
-            </a:custGeom>
-            <a:solidFill>
-              <a:schemeClr val="accent1">
-                <a:lumMod val="50000"/>
-                <a:alpha val="25000"/>
-              </a:schemeClr>
-            </a:solidFill>
-            <a:ln w="0">
-              <a:noFill/>
-              <a:prstDash val="solid"/>
-              <a:round/>
-              <a:headEnd/>
-              <a:tailEnd/>
-            </a:ln>
-          </p:spPr>
-        </p:sp>
-      </p:grpSp>
-      <p:pic>
-        <p:nvPicPr>
-          <p:cNvPr id="28" name="Picture 2" descr="feup-logo - AETICE - Associação das Empresas de Tecnologias de Informação,  Comunicação e Eletrónica">
-            <a:extLst>
-              <a:ext uri="{FF2B5EF4-FFF2-40B4-BE49-F238E27FC236}">
-                <a16:creationId xmlns:a16="http://schemas.microsoft.com/office/drawing/2014/main" id="{2685351C-A86D-884D-BC91-5E7791CE1D8D}"/>
-              </a:ext>
-            </a:extLst>
-          </p:cNvPr>
-          <p:cNvPicPr>
-            <a:picLocks noChangeAspect="1" noChangeArrowheads="1"/>
-          </p:cNvPicPr>
-          <p:nvPr/>
-        </p:nvPicPr>
-        <p:blipFill>
-          <a:blip r:embed="rId2">
-            <a:extLst>
-              <a:ext uri="{28A0092B-C50C-407E-A947-70E740481C1C}">
-                <a14:useLocalDpi xmlns:a14="http://schemas.microsoft.com/office/drawing/2010/main" val="0"/>
-              </a:ext>
-            </a:extLst>
-          </a:blip>
-          <a:srcRect/>
-          <a:stretch>
-            <a:fillRect/>
-          </a:stretch>
-        </p:blipFill>
-        <p:spPr bwMode="auto">
-          <a:xfrm>
-            <a:off x="10668987" y="5905500"/>
-            <a:ext cx="1309030" cy="580337"/>
-          </a:xfrm>
-          <a:prstGeom prst="rect">
-            <a:avLst/>
-          </a:prstGeom>
-          <a:noFill/>
-          <a:effectLst>
-            <a:glow rad="58387">
-              <a:schemeClr val="accent1">
-                <a:alpha val="40000"/>
-              </a:schemeClr>
-            </a:glow>
-            <a:outerShdw sx="1000" sy="1000" algn="ctr" rotWithShape="0">
-              <a:srgbClr val="000000"/>
-            </a:outerShdw>
-            <a:reflection blurRad="31698" stA="27000" endPos="65000" dist="91119" dir="5400000" sy="-100000" algn="bl" rotWithShape="0"/>
-            <a:softEdge rad="206"/>
-          </a:effectLst>
-          <a:extLst>
-            <a:ext uri="{909E8E84-426E-40DD-AFC4-6F175D3DCCD1}">
-              <a14:hiddenFill xmlns:a14="http://schemas.microsoft.com/office/drawing/2010/main">
-                <a:solidFill>
-                  <a:srgbClr val="FFFFFF"/>
-                </a:solidFill>
-              </a14:hiddenFill>
-            </a:ext>
-          </a:extLst>
-        </p:spPr>
-      </p:pic>
-      <p:sp>
-        <p:nvSpPr>
-          <p:cNvPr id="19" name="TextBox 18">
-            <a:extLst>
-              <a:ext uri="{FF2B5EF4-FFF2-40B4-BE49-F238E27FC236}">
-                <a16:creationId xmlns:a16="http://schemas.microsoft.com/office/drawing/2014/main" id="{B6F6B144-968C-1A48-BA6A-12B05F10C846}"/>
-              </a:ext>
-            </a:extLst>
-          </p:cNvPr>
-          <p:cNvSpPr txBox="1"/>
-          <p:nvPr/>
-        </p:nvSpPr>
-        <p:spPr>
-          <a:xfrm>
-            <a:off x="67277" y="6412638"/>
-            <a:ext cx="1851577" cy="661720"/>
-          </a:xfrm>
-          <a:prstGeom prst="rect">
-            <a:avLst/>
-          </a:prstGeom>
-          <a:noFill/>
-        </p:spPr>
-        <p:txBody>
-          <a:bodyPr wrap="square" rtlCol="0">
-            <a:spAutoFit/>
-          </a:bodyPr>
-          <a:lstStyle/>
-          <a:p>
-            <a:pPr>
-              <a:spcAft>
-                <a:spcPts val="600"/>
-              </a:spcAft>
-            </a:pPr>
-            <a:r>
-              <a:rPr lang="en-US" sz="1600" dirty="0"/>
-              <a:t>AED </a:t>
-            </a:r>
-            <a:r>
-              <a:rPr lang="en-US" sz="1400" dirty="0"/>
-              <a:t>2021/2022</a:t>
-            </a:r>
-            <a:endParaRPr lang="en-US" sz="1600" dirty="0"/>
-          </a:p>
-          <a:p>
-            <a:pPr>
-              <a:spcAft>
-                <a:spcPts val="600"/>
-              </a:spcAft>
-            </a:pPr>
-            <a:endParaRPr lang="en-PT" sz="1600" dirty="0"/>
-          </a:p>
-        </p:txBody>
-      </p:sp>
-      <p:sp>
-        <p:nvSpPr>
-          <p:cNvPr id="21" name="Marcador de Posição de Conteúdo 2">
-            <a:extLst>
-              <a:ext uri="{FF2B5EF4-FFF2-40B4-BE49-F238E27FC236}">
-                <a16:creationId xmlns:a16="http://schemas.microsoft.com/office/drawing/2014/main" id="{FEE20BCB-141C-C445-8B00-F22ED5320674}"/>
-              </a:ext>
-            </a:extLst>
-          </p:cNvPr>
-          <p:cNvSpPr txBox="1">
-            <a:spLocks/>
-          </p:cNvSpPr>
-          <p:nvPr/>
-        </p:nvSpPr>
-        <p:spPr>
-          <a:xfrm>
-            <a:off x="537725" y="2149352"/>
-            <a:ext cx="6626072" cy="2138870"/>
-          </a:xfrm>
-          <a:prstGeom prst="rect">
-            <a:avLst/>
-          </a:prstGeom>
-        </p:spPr>
-        <p:txBody>
-          <a:bodyPr vert="horz" lIns="91440" tIns="45720" rIns="91440" bIns="45720" rtlCol="0">
-            <a:noAutofit/>
-          </a:bodyPr>
-          <a:lstStyle>
-            <a:lvl1pPr marL="0" indent="0" algn="ctr" defTabSz="914400" rtl="0" eaLnBrk="1" latinLnBrk="0" hangingPunct="1">
-              <a:lnSpc>
-                <a:spcPct val="90000"/>
-              </a:lnSpc>
-              <a:spcBef>
-                <a:spcPts val="1000"/>
-              </a:spcBef>
-              <a:buFont typeface="Arial" panose="020B0604020202020204" pitchFamily="34" charset="0"/>
-              <a:buNone/>
-              <a:defRPr sz="2400" kern="1200">
-                <a:solidFill>
-                  <a:schemeClr val="tx1"/>
-                </a:solidFill>
-                <a:latin typeface="+mn-lt"/>
-                <a:ea typeface="+mn-ea"/>
-                <a:cs typeface="+mn-cs"/>
-              </a:defRPr>
-            </a:lvl1pPr>
-            <a:lvl2pPr marL="457200" indent="0" algn="ctr" defTabSz="914400" rtl="0" eaLnBrk="1" latinLnBrk="0" hangingPunct="1">
-              <a:lnSpc>
-                <a:spcPct val="90000"/>
-              </a:lnSpc>
-              <a:spcBef>
-                <a:spcPts val="500"/>
-              </a:spcBef>
-              <a:buFont typeface="Arial" panose="020B0604020202020204" pitchFamily="34" charset="0"/>
-              <a:buNone/>
-              <a:defRPr sz="2000" kern="1200">
-                <a:solidFill>
-                  <a:schemeClr val="tx1"/>
-                </a:solidFill>
-                <a:latin typeface="+mn-lt"/>
-                <a:ea typeface="+mn-ea"/>
-                <a:cs typeface="+mn-cs"/>
-              </a:defRPr>
-            </a:lvl2pPr>
-            <a:lvl3pPr marL="914400" indent="0" algn="ctr" defTabSz="914400" rtl="0" eaLnBrk="1" latinLnBrk="0" hangingPunct="1">
-              <a:lnSpc>
-                <a:spcPct val="90000"/>
-              </a:lnSpc>
-              <a:spcBef>
-                <a:spcPts val="500"/>
-              </a:spcBef>
-              <a:buFont typeface="Arial" panose="020B0604020202020204" pitchFamily="34" charset="0"/>
-              <a:buNone/>
-              <a:defRPr sz="1800" kern="1200">
-                <a:solidFill>
-                  <a:schemeClr val="tx1"/>
-                </a:solidFill>
-                <a:latin typeface="+mn-lt"/>
-                <a:ea typeface="+mn-ea"/>
-                <a:cs typeface="+mn-cs"/>
-              </a:defRPr>
-            </a:lvl3pPr>
-            <a:lvl4pPr marL="1371600" indent="0" algn="ctr" defTabSz="914400" rtl="0" eaLnBrk="1" latinLnBrk="0" hangingPunct="1">
-              <a:lnSpc>
-                <a:spcPct val="90000"/>
-              </a:lnSpc>
-              <a:spcBef>
-                <a:spcPts val="500"/>
-              </a:spcBef>
-              <a:buFont typeface="Arial" panose="020B0604020202020204" pitchFamily="34" charset="0"/>
-              <a:buNone/>
-              <a:defRPr sz="1600" kern="1200">
-                <a:solidFill>
-                  <a:schemeClr val="tx1"/>
-                </a:solidFill>
-                <a:latin typeface="+mn-lt"/>
-                <a:ea typeface="+mn-ea"/>
-                <a:cs typeface="+mn-cs"/>
-              </a:defRPr>
-            </a:lvl4pPr>
-            <a:lvl5pPr marL="1828800" indent="0" algn="ctr" defTabSz="914400" rtl="0" eaLnBrk="1" latinLnBrk="0" hangingPunct="1">
-              <a:lnSpc>
-                <a:spcPct val="90000"/>
-              </a:lnSpc>
-              <a:spcBef>
-                <a:spcPts val="500"/>
-              </a:spcBef>
-              <a:buFont typeface="Arial" panose="020B0604020202020204" pitchFamily="34" charset="0"/>
-              <a:buNone/>
-              <a:defRPr sz="1600" kern="1200">
-                <a:solidFill>
-                  <a:schemeClr val="tx1"/>
-                </a:solidFill>
-                <a:latin typeface="+mn-lt"/>
-                <a:ea typeface="+mn-ea"/>
-                <a:cs typeface="+mn-cs"/>
-              </a:defRPr>
-            </a:lvl5pPr>
-            <a:lvl6pPr marL="2286000" indent="0" algn="ctr" defTabSz="914400" rtl="0" eaLnBrk="1" latinLnBrk="0" hangingPunct="1">
-              <a:lnSpc>
-                <a:spcPct val="90000"/>
-              </a:lnSpc>
-              <a:spcBef>
-                <a:spcPts val="500"/>
-              </a:spcBef>
-              <a:buFont typeface="Arial" panose="020B0604020202020204" pitchFamily="34" charset="0"/>
-              <a:buNone/>
-              <a:defRPr sz="1600" kern="1200">
-                <a:solidFill>
-                  <a:schemeClr val="tx1"/>
-                </a:solidFill>
-                <a:latin typeface="+mn-lt"/>
-                <a:ea typeface="+mn-ea"/>
-                <a:cs typeface="+mn-cs"/>
-              </a:defRPr>
-            </a:lvl6pPr>
-            <a:lvl7pPr marL="2743200" indent="0" algn="ctr" defTabSz="914400" rtl="0" eaLnBrk="1" latinLnBrk="0" hangingPunct="1">
-              <a:lnSpc>
-                <a:spcPct val="90000"/>
-              </a:lnSpc>
-              <a:spcBef>
-                <a:spcPts val="500"/>
-              </a:spcBef>
-              <a:buFont typeface="Arial" panose="020B0604020202020204" pitchFamily="34" charset="0"/>
-              <a:buNone/>
-              <a:defRPr sz="1600" kern="1200">
-                <a:solidFill>
-                  <a:schemeClr val="tx1"/>
-                </a:solidFill>
-                <a:latin typeface="+mn-lt"/>
-                <a:ea typeface="+mn-ea"/>
-                <a:cs typeface="+mn-cs"/>
-              </a:defRPr>
-            </a:lvl7pPr>
-            <a:lvl8pPr marL="3200400" indent="0" algn="ctr" defTabSz="914400" rtl="0" eaLnBrk="1" latinLnBrk="0" hangingPunct="1">
-              <a:lnSpc>
-                <a:spcPct val="90000"/>
-              </a:lnSpc>
-              <a:spcBef>
-                <a:spcPts val="500"/>
-              </a:spcBef>
-              <a:buFont typeface="Arial" panose="020B0604020202020204" pitchFamily="34" charset="0"/>
-              <a:buNone/>
-              <a:defRPr sz="1600" kern="1200">
-                <a:solidFill>
-                  <a:schemeClr val="tx1"/>
-                </a:solidFill>
-                <a:latin typeface="+mn-lt"/>
-                <a:ea typeface="+mn-ea"/>
-                <a:cs typeface="+mn-cs"/>
-              </a:defRPr>
-            </a:lvl8pPr>
-            <a:lvl9pPr marL="3657600" indent="0" algn="ctr" defTabSz="914400" rtl="0" eaLnBrk="1" latinLnBrk="0" hangingPunct="1">
-              <a:lnSpc>
-                <a:spcPct val="90000"/>
-              </a:lnSpc>
-              <a:spcBef>
-                <a:spcPts val="500"/>
-              </a:spcBef>
-              <a:buFont typeface="Arial" panose="020B0604020202020204" pitchFamily="34" charset="0"/>
-              <a:buNone/>
-              <a:defRPr sz="1600" kern="1200">
-                <a:solidFill>
-                  <a:schemeClr val="tx1"/>
-                </a:solidFill>
-                <a:latin typeface="+mn-lt"/>
-                <a:ea typeface="+mn-ea"/>
-                <a:cs typeface="+mn-cs"/>
-              </a:defRPr>
-            </a:lvl9pPr>
-          </a:lstStyle>
-          <a:p>
-            <a:pPr marL="800100" lvl="1" indent="-342900" algn="just">
-              <a:buFont typeface="Arial" panose="020B0604020202020204" pitchFamily="34" charset="0"/>
-              <a:buChar char="•"/>
-            </a:pPr>
-            <a:r>
-              <a:rPr lang="pt-PT" dirty="0"/>
-              <a:t>Consideramos que o mais barato consiste no que envolve menos trocas de zonas</a:t>
-            </a:r>
-          </a:p>
-          <a:p>
-            <a:pPr lvl="1" algn="just"/>
-            <a:endParaRPr lang="pt-PT" dirty="0"/>
-          </a:p>
-          <a:p>
-            <a:pPr marL="800100" lvl="1" indent="-342900" algn="just">
-              <a:buFont typeface="Arial" panose="020B0604020202020204" pitchFamily="34" charset="0"/>
-              <a:buChar char="•"/>
-            </a:pPr>
-            <a:r>
-              <a:rPr lang="pt-PT" dirty="0"/>
-              <a:t>A função </a:t>
-            </a:r>
-            <a:r>
-              <a:rPr lang="pt-PT" i="1" dirty="0" err="1"/>
-              <a:t>dijkstraZones</a:t>
-            </a:r>
-            <a:r>
-              <a:rPr lang="pt-PT" dirty="0"/>
-              <a:t> </a:t>
-            </a:r>
-            <a:r>
-              <a:rPr lang="pt-PT" i="1" dirty="0"/>
-              <a:t>(</a:t>
-            </a:r>
-            <a:r>
-              <a:rPr lang="en-GB" i="1" dirty="0"/>
-              <a:t>O(|</a:t>
-            </a:r>
-            <a:r>
-              <a:rPr lang="en-GB" i="1" dirty="0" err="1"/>
-              <a:t>E|log|V</a:t>
-            </a:r>
-            <a:r>
-              <a:rPr lang="en-GB" i="1" dirty="0"/>
-              <a:t>|)</a:t>
-            </a:r>
-            <a:r>
-              <a:rPr lang="pt-PT" i="1" dirty="0"/>
-              <a:t>) </a:t>
-            </a:r>
-            <a:r>
-              <a:rPr lang="pt-PT" dirty="0"/>
-              <a:t>consiste numa implementação do algoritmo de </a:t>
-            </a:r>
-            <a:r>
-              <a:rPr lang="pt-PT" dirty="0" err="1"/>
-              <a:t>Dijkstra</a:t>
-            </a:r>
-            <a:r>
-              <a:rPr lang="pt-PT" dirty="0"/>
-              <a:t> utilizando uma </a:t>
-            </a:r>
-            <a:r>
-              <a:rPr lang="pt-PT" i="1" dirty="0"/>
-              <a:t>Min </a:t>
-            </a:r>
-            <a:r>
-              <a:rPr lang="pt-PT" i="1" dirty="0" err="1"/>
-              <a:t>Heap</a:t>
-            </a:r>
-            <a:r>
-              <a:rPr lang="pt-PT" dirty="0"/>
-              <a:t>.</a:t>
-            </a:r>
-          </a:p>
-          <a:p>
-            <a:pPr marL="800100" lvl="1" indent="-342900" algn="just">
-              <a:buFont typeface="Arial" panose="020B0604020202020204" pitchFamily="34" charset="0"/>
-              <a:buChar char="•"/>
-            </a:pPr>
-            <a:endParaRPr lang="pt-PT" dirty="0"/>
-          </a:p>
-          <a:p>
-            <a:pPr marL="800100" lvl="1" indent="-342900" algn="just">
-              <a:buFont typeface="Arial" panose="020B0604020202020204" pitchFamily="34" charset="0"/>
-              <a:buChar char="•"/>
-            </a:pPr>
-            <a:endParaRPr lang="pt-PT" dirty="0"/>
-          </a:p>
-        </p:txBody>
-      </p:sp>
-      <p:pic>
-        <p:nvPicPr>
-          <p:cNvPr id="7" name="Picture 6">
-            <a:extLst>
-              <a:ext uri="{FF2B5EF4-FFF2-40B4-BE49-F238E27FC236}">
-                <a16:creationId xmlns:a16="http://schemas.microsoft.com/office/drawing/2014/main" id="{AF97598C-8DA6-474E-8E5E-BC7379CDA362}"/>
-              </a:ext>
-            </a:extLst>
-          </p:cNvPr>
-          <p:cNvPicPr>
-            <a:picLocks noChangeAspect="1"/>
-          </p:cNvPicPr>
-          <p:nvPr/>
-        </p:nvPicPr>
-        <p:blipFill>
-          <a:blip r:embed="rId3"/>
-          <a:stretch>
-            <a:fillRect/>
-          </a:stretch>
-        </p:blipFill>
-        <p:spPr>
-          <a:xfrm>
-            <a:off x="5676405" y="3969140"/>
-            <a:ext cx="6319210" cy="1833856"/>
-          </a:xfrm>
-          <a:prstGeom prst="rect">
-            <a:avLst/>
-          </a:prstGeom>
-        </p:spPr>
-      </p:pic>
-      <p:pic>
-        <p:nvPicPr>
-          <p:cNvPr id="9" name="Picture 8">
-            <a:extLst>
-              <a:ext uri="{FF2B5EF4-FFF2-40B4-BE49-F238E27FC236}">
-                <a16:creationId xmlns:a16="http://schemas.microsoft.com/office/drawing/2014/main" id="{471FA35A-7C47-C747-B36B-36CF29C390C8}"/>
-              </a:ext>
-            </a:extLst>
-          </p:cNvPr>
-          <p:cNvPicPr>
-            <a:picLocks noChangeAspect="1"/>
-          </p:cNvPicPr>
-          <p:nvPr/>
-        </p:nvPicPr>
-        <p:blipFill>
-          <a:blip r:embed="rId4"/>
-          <a:stretch>
-            <a:fillRect/>
-          </a:stretch>
-        </p:blipFill>
-        <p:spPr>
-          <a:xfrm>
-            <a:off x="7333978" y="2378037"/>
-            <a:ext cx="4661637" cy="1374745"/>
-          </a:xfrm>
-          <a:prstGeom prst="rect">
-            <a:avLst/>
-          </a:prstGeom>
-        </p:spPr>
-      </p:pic>
-    </p:spTree>
-    <p:extLst>
-      <p:ext uri="{BB962C8B-B14F-4D97-AF65-F5344CB8AC3E}">
-        <p14:creationId xmlns:p14="http://schemas.microsoft.com/office/powerpoint/2010/main" val="2416138072"/>
-      </p:ext>
-    </p:extLst>
-  </p:cSld>
-  <p:clrMapOvr>
-    <a:masterClrMapping/>
-  </p:clrMapOvr>
-</p:sld>
-</file>
-
-<file path=ppt/slides/slide9.xml><?xml version="1.0" encoding="utf-8"?>
-<p:sld xmlns:a="http://schemas.openxmlformats.org/drawingml/2006/main" xmlns:r="http://schemas.openxmlformats.org/officeDocument/2006/relationships" xmlns:p="http://schemas.openxmlformats.org/presentationml/2006/main">
-  <p:cSld>
-    <p:bg>
-      <p:bgPr>
-        <a:solidFill>
-          <a:schemeClr val="bg1"/>
-        </a:solidFill>
-        <a:effectLst/>
-      </p:bgPr>
-    </p:bg>
-    <p:spTree>
-      <p:nvGrpSpPr>
-        <p:cNvPr id="1" name=""/>
-        <p:cNvGrpSpPr/>
-        <p:nvPr/>
-      </p:nvGrpSpPr>
-      <p:grpSpPr>
-        <a:xfrm>
-          <a:off x="0" y="0"/>
-          <a:ext cx="0" cy="0"/>
-          <a:chOff x="0" y="0"/>
-          <a:chExt cx="0" cy="0"/>
-        </a:xfrm>
-      </p:grpSpPr>
-      <p:sp useBgFill="1">
-        <p:nvSpPr>
-          <p:cNvPr id="72" name="Rectangle 71">
-            <a:extLst>
-              <a:ext uri="{FF2B5EF4-FFF2-40B4-BE49-F238E27FC236}">
-                <a16:creationId xmlns:a16="http://schemas.microsoft.com/office/drawing/2014/main" id="{8ED08A1D-4632-47AB-8832-C17BA008697E}"/>
-              </a:ext>
-              <a:ext uri="{C183D7F6-B498-43B3-948B-1728B52AA6E4}">
-                <adec:decorative xmlns:adec="http://schemas.microsoft.com/office/drawing/2017/decorative" val="1"/>
-              </a:ext>
-            </a:extLst>
-          </p:cNvPr>
-          <p:cNvSpPr>
-            <a:spLocks noGrp="1" noRot="1" noChangeAspect="1" noMove="1" noResize="1" noEditPoints="1" noAdjustHandles="1" noChangeArrowheads="1" noChangeShapeType="1" noTextEdit="1"/>
-          </p:cNvSpPr>
-          <p:nvPr>
-            <p:extLst>
-              <p:ext uri="{386F3935-93C4-4BCD-93E2-E3B085C9AB24}">
-                <p16:designElem xmlns:p16="http://schemas.microsoft.com/office/powerpoint/2015/main" val="1"/>
-              </p:ext>
-            </p:extLst>
-          </p:nvPr>
-        </p:nvSpPr>
-        <p:spPr>
-          <a:xfrm>
-            <a:off x="0" y="0"/>
-            <a:ext cx="12192000" cy="6858000"/>
-          </a:xfrm>
-          <a:prstGeom prst="rect">
-            <a:avLst/>
-          </a:prstGeom>
-          <a:ln w="12700" cap="flat" cmpd="sng" algn="ctr">
-            <a:noFill/>
-            <a:prstDash val="solid"/>
-            <a:miter lim="800000"/>
-          </a:ln>
-          <a:effectLst/>
-        </p:spPr>
-        <p:style>
-          <a:lnRef idx="2">
-            <a:schemeClr val="accent1">
-              <a:shade val="50000"/>
-            </a:schemeClr>
-          </a:lnRef>
-          <a:fillRef idx="1">
-            <a:schemeClr val="accent1"/>
-          </a:fillRef>
-          <a:effectRef idx="0">
-            <a:schemeClr val="accent1"/>
-          </a:effectRef>
-          <a:fontRef idx="minor">
-            <a:schemeClr val="lt1"/>
-          </a:fontRef>
-        </p:style>
-        <p:txBody>
-          <a:bodyPr rtlCol="0" anchor="ctr"/>
-          <a:lstStyle/>
-          <a:p>
-            <a:pPr algn="ctr"/>
-            <a:endParaRPr lang="en-US" dirty="0"/>
-          </a:p>
-        </p:txBody>
-      </p:sp>
-      <p:sp>
-        <p:nvSpPr>
-          <p:cNvPr id="2" name="Título 1"/>
-          <p:cNvSpPr>
-            <a:spLocks noGrp="1"/>
-          </p:cNvSpPr>
-          <p:nvPr>
-            <p:ph type="ctrTitle"/>
-          </p:nvPr>
-        </p:nvSpPr>
-        <p:spPr>
-          <a:xfrm>
-            <a:off x="1251677" y="662399"/>
-            <a:ext cx="9164075" cy="1494000"/>
-          </a:xfrm>
-        </p:spPr>
-        <p:txBody>
-          <a:bodyPr vert="horz" lIns="91440" tIns="45720" rIns="91440" bIns="45720" rtlCol="0" anchor="t">
-            <a:normAutofit/>
-          </a:bodyPr>
-          <a:lstStyle/>
-          <a:p>
-            <a:pPr algn="l"/>
-            <a:r>
-              <a:rPr lang="en-US" sz="4400" kern="1200" dirty="0" err="1">
-                <a:solidFill>
-                  <a:schemeClr val="tx1"/>
-                </a:solidFill>
-                <a:latin typeface="+mj-lt"/>
-                <a:ea typeface="+mj-ea"/>
-                <a:cs typeface="+mj-cs"/>
-              </a:rPr>
-              <a:t>Funcionalidades</a:t>
-            </a:r>
-            <a:r>
-              <a:rPr lang="en-US" sz="4400" kern="1200" dirty="0">
-                <a:solidFill>
-                  <a:schemeClr val="tx1"/>
-                </a:solidFill>
-                <a:latin typeface="+mj-lt"/>
-                <a:ea typeface="+mj-ea"/>
-                <a:cs typeface="+mj-cs"/>
-              </a:rPr>
-              <a:t> – </a:t>
-            </a:r>
-            <a:r>
-              <a:rPr lang="en-US" sz="4400" dirty="0" err="1"/>
-              <a:t>caminho</a:t>
-            </a:r>
-            <a:r>
-              <a:rPr lang="en-US" sz="4400" dirty="0"/>
-              <a:t> </a:t>
-            </a:r>
-            <a:r>
-              <a:rPr lang="en-US" sz="4400" dirty="0" err="1"/>
-              <a:t>mais</a:t>
-            </a:r>
-            <a:r>
-              <a:rPr lang="en-US" sz="4400" dirty="0"/>
-              <a:t> </a:t>
-            </a:r>
-            <a:r>
-              <a:rPr lang="en-US" sz="4400" dirty="0" err="1"/>
-              <a:t>fácil</a:t>
-            </a:r>
-            <a:endParaRPr lang="en-US" sz="4400" kern="1200" dirty="0">
-              <a:solidFill>
-                <a:schemeClr val="tx1"/>
-              </a:solidFill>
-              <a:latin typeface="+mj-lt"/>
-              <a:ea typeface="+mj-ea"/>
-              <a:cs typeface="+mj-cs"/>
-            </a:endParaRPr>
-          </a:p>
-        </p:txBody>
-      </p:sp>
-      <p:grpSp>
-        <p:nvGrpSpPr>
-          <p:cNvPr id="74" name="Group 73">
-            <a:extLst>
-              <a:ext uri="{FF2B5EF4-FFF2-40B4-BE49-F238E27FC236}">
-                <a16:creationId xmlns:a16="http://schemas.microsoft.com/office/drawing/2014/main" id="{0075437B-93A1-4A73-812B-C5030CC2FFCD}"/>
-              </a:ext>
-              <a:ext uri="{C183D7F6-B498-43B3-948B-1728B52AA6E4}">
-                <adec:decorative xmlns:adec="http://schemas.microsoft.com/office/drawing/2017/decorative" val="1"/>
-              </a:ext>
-            </a:extLst>
-          </p:cNvPr>
-          <p:cNvGrpSpPr>
-            <a:grpSpLocks noGrp="1" noUngrp="1" noRot="1" noChangeAspect="1" noMove="1" noResize="1"/>
-          </p:cNvGrpSpPr>
-          <p:nvPr>
-            <p:extLst>
-              <p:ext uri="{386F3935-93C4-4BCD-93E2-E3B085C9AB24}">
-                <p16:designElem xmlns:p16="http://schemas.microsoft.com/office/powerpoint/2015/main" val="1"/>
-              </p:ext>
-            </p:extLst>
-          </p:nvPr>
-        </p:nvGrpSpPr>
-        <p:grpSpPr>
-          <a:xfrm>
-            <a:off x="0" y="0"/>
-            <a:ext cx="885825" cy="6858000"/>
-            <a:chOff x="0" y="0"/>
-            <a:chExt cx="885825" cy="6858000"/>
-          </a:xfrm>
-        </p:grpSpPr>
-        <p:sp>
-          <p:nvSpPr>
-            <p:cNvPr id="75" name="Freeform 6">
-              <a:extLst>
-                <a:ext uri="{FF2B5EF4-FFF2-40B4-BE49-F238E27FC236}">
-                  <a16:creationId xmlns:a16="http://schemas.microsoft.com/office/drawing/2014/main" id="{BB8505BE-2298-4E13-A7FB-2D05006DF6BF}"/>
-                </a:ext>
-                <a:ext uri="{C183D7F6-B498-43B3-948B-1728B52AA6E4}">
-                  <adec:decorative xmlns:adec="http://schemas.microsoft.com/office/drawing/2017/decorative" val="1"/>
-                </a:ext>
-              </a:extLst>
-            </p:cNvPr>
-            <p:cNvSpPr/>
-            <p:nvPr>
-              <p:extLst>
-                <p:ext uri="{386F3935-93C4-4BCD-93E2-E3B085C9AB24}">
-                  <p16:designElem xmlns:p16="http://schemas.microsoft.com/office/powerpoint/2015/main" val="1"/>
-                </p:ext>
-              </p:extLst>
-            </p:nvPr>
-          </p:nvSpPr>
-          <p:spPr bwMode="auto">
-            <a:xfrm>
-              <a:off x="0" y="0"/>
-              <a:ext cx="885825" cy="6858000"/>
-            </a:xfrm>
-            <a:custGeom>
-              <a:avLst/>
-              <a:gdLst/>
-              <a:ahLst/>
-              <a:cxnLst/>
-              <a:rect l="0" t="0" r="r" b="b"/>
-              <a:pathLst>
-                <a:path w="558" h="4320">
-                  <a:moveTo>
-                    <a:pt x="0" y="0"/>
-                  </a:moveTo>
-                  <a:lnTo>
-                    <a:pt x="447" y="0"/>
-                  </a:lnTo>
-                  <a:lnTo>
-                    <a:pt x="448" y="43"/>
-                  </a:lnTo>
-                  <a:lnTo>
-                    <a:pt x="453" y="81"/>
-                  </a:lnTo>
-                  <a:lnTo>
-                    <a:pt x="460" y="114"/>
-                  </a:lnTo>
-                  <a:lnTo>
-                    <a:pt x="469" y="143"/>
-                  </a:lnTo>
-                  <a:lnTo>
-                    <a:pt x="479" y="169"/>
-                  </a:lnTo>
-                  <a:lnTo>
-                    <a:pt x="491" y="192"/>
-                  </a:lnTo>
-                  <a:lnTo>
-                    <a:pt x="503" y="216"/>
-                  </a:lnTo>
-                  <a:lnTo>
-                    <a:pt x="515" y="240"/>
-                  </a:lnTo>
-                  <a:lnTo>
-                    <a:pt x="525" y="263"/>
-                  </a:lnTo>
-                  <a:lnTo>
-                    <a:pt x="535" y="289"/>
-                  </a:lnTo>
-                  <a:lnTo>
-                    <a:pt x="545" y="318"/>
-                  </a:lnTo>
-                  <a:lnTo>
-                    <a:pt x="552" y="351"/>
-                  </a:lnTo>
-                  <a:lnTo>
-                    <a:pt x="556" y="389"/>
-                  </a:lnTo>
-                  <a:lnTo>
-                    <a:pt x="558" y="432"/>
-                  </a:lnTo>
-                  <a:lnTo>
-                    <a:pt x="556" y="475"/>
-                  </a:lnTo>
-                  <a:lnTo>
-                    <a:pt x="552" y="513"/>
-                  </a:lnTo>
-                  <a:lnTo>
-                    <a:pt x="545" y="546"/>
-                  </a:lnTo>
-                  <a:lnTo>
-                    <a:pt x="535" y="575"/>
-                  </a:lnTo>
-                  <a:lnTo>
-                    <a:pt x="525" y="601"/>
-                  </a:lnTo>
-                  <a:lnTo>
-                    <a:pt x="515" y="624"/>
-                  </a:lnTo>
-                  <a:lnTo>
-                    <a:pt x="503" y="648"/>
-                  </a:lnTo>
-                  <a:lnTo>
-                    <a:pt x="491" y="672"/>
-                  </a:lnTo>
-                  <a:lnTo>
-                    <a:pt x="479" y="695"/>
-                  </a:lnTo>
-                  <a:lnTo>
-                    <a:pt x="469" y="721"/>
-                  </a:lnTo>
-                  <a:lnTo>
-                    <a:pt x="460" y="750"/>
-                  </a:lnTo>
-                  <a:lnTo>
-                    <a:pt x="453" y="783"/>
-                  </a:lnTo>
-                  <a:lnTo>
-                    <a:pt x="448" y="821"/>
-                  </a:lnTo>
-                  <a:lnTo>
-                    <a:pt x="447" y="864"/>
-                  </a:lnTo>
-                  <a:lnTo>
-                    <a:pt x="448" y="907"/>
-                  </a:lnTo>
-                  <a:lnTo>
-                    <a:pt x="453" y="945"/>
-                  </a:lnTo>
-                  <a:lnTo>
-                    <a:pt x="460" y="978"/>
-                  </a:lnTo>
-                  <a:lnTo>
-                    <a:pt x="469" y="1007"/>
-                  </a:lnTo>
-                  <a:lnTo>
-                    <a:pt x="479" y="1033"/>
-                  </a:lnTo>
-                  <a:lnTo>
-                    <a:pt x="491" y="1056"/>
-                  </a:lnTo>
-                  <a:lnTo>
-                    <a:pt x="503" y="1080"/>
-                  </a:lnTo>
-                  <a:lnTo>
-                    <a:pt x="515" y="1104"/>
-                  </a:lnTo>
-                  <a:lnTo>
-                    <a:pt x="525" y="1127"/>
-                  </a:lnTo>
-                  <a:lnTo>
-                    <a:pt x="535" y="1153"/>
-                  </a:lnTo>
-                  <a:lnTo>
-                    <a:pt x="545" y="1182"/>
-                  </a:lnTo>
-                  <a:lnTo>
-                    <a:pt x="552" y="1215"/>
-                  </a:lnTo>
-                  <a:lnTo>
-                    <a:pt x="556" y="1253"/>
-                  </a:lnTo>
-                  <a:lnTo>
-                    <a:pt x="558" y="1296"/>
-                  </a:lnTo>
-                  <a:lnTo>
-                    <a:pt x="556" y="1339"/>
-                  </a:lnTo>
-                  <a:lnTo>
-                    <a:pt x="552" y="1377"/>
-                  </a:lnTo>
-                  <a:lnTo>
-                    <a:pt x="545" y="1410"/>
-                  </a:lnTo>
-                  <a:lnTo>
-                    <a:pt x="535" y="1439"/>
-                  </a:lnTo>
-                  <a:lnTo>
-                    <a:pt x="525" y="1465"/>
-                  </a:lnTo>
-                  <a:lnTo>
-                    <a:pt x="515" y="1488"/>
-                  </a:lnTo>
-                  <a:lnTo>
-                    <a:pt x="503" y="1512"/>
-                  </a:lnTo>
-                  <a:lnTo>
-                    <a:pt x="491" y="1536"/>
-                  </a:lnTo>
-                  <a:lnTo>
-                    <a:pt x="479" y="1559"/>
-                  </a:lnTo>
-                  <a:lnTo>
-                    <a:pt x="469" y="1585"/>
-                  </a:lnTo>
-                  <a:lnTo>
-                    <a:pt x="460" y="1614"/>
-                  </a:lnTo>
-                  <a:lnTo>
-                    <a:pt x="453" y="1647"/>
-                  </a:lnTo>
-                  <a:lnTo>
-                    <a:pt x="448" y="1685"/>
-                  </a:lnTo>
-                  <a:lnTo>
-                    <a:pt x="447" y="1728"/>
-                  </a:lnTo>
-                  <a:lnTo>
-                    <a:pt x="448" y="1771"/>
-                  </a:lnTo>
-                  <a:lnTo>
-                    <a:pt x="453" y="1809"/>
-                  </a:lnTo>
-                  <a:lnTo>
-                    <a:pt x="460" y="1842"/>
-                  </a:lnTo>
-                  <a:lnTo>
-                    <a:pt x="469" y="1871"/>
-                  </a:lnTo>
-                  <a:lnTo>
-                    <a:pt x="479" y="1897"/>
-                  </a:lnTo>
-                  <a:lnTo>
-                    <a:pt x="491" y="1920"/>
-                  </a:lnTo>
-                  <a:lnTo>
-                    <a:pt x="503" y="1944"/>
-                  </a:lnTo>
-                  <a:lnTo>
-                    <a:pt x="515" y="1968"/>
-                  </a:lnTo>
-                  <a:lnTo>
-                    <a:pt x="525" y="1991"/>
-                  </a:lnTo>
-                  <a:lnTo>
-                    <a:pt x="535" y="2017"/>
-                  </a:lnTo>
-                  <a:lnTo>
-                    <a:pt x="545" y="2046"/>
-                  </a:lnTo>
-                  <a:lnTo>
-                    <a:pt x="552" y="2079"/>
-                  </a:lnTo>
-                  <a:lnTo>
-                    <a:pt x="556" y="2117"/>
-                  </a:lnTo>
-                  <a:lnTo>
-                    <a:pt x="558" y="2159"/>
-                  </a:lnTo>
-                  <a:lnTo>
-                    <a:pt x="556" y="2203"/>
-                  </a:lnTo>
-                  <a:lnTo>
-                    <a:pt x="552" y="2241"/>
-                  </a:lnTo>
-                  <a:lnTo>
-                    <a:pt x="545" y="2274"/>
-                  </a:lnTo>
-                  <a:lnTo>
-                    <a:pt x="535" y="2303"/>
-                  </a:lnTo>
-                  <a:lnTo>
-                    <a:pt x="525" y="2329"/>
-                  </a:lnTo>
-                  <a:lnTo>
-                    <a:pt x="515" y="2352"/>
-                  </a:lnTo>
-                  <a:lnTo>
-                    <a:pt x="503" y="2376"/>
-                  </a:lnTo>
-                  <a:lnTo>
-                    <a:pt x="491" y="2400"/>
-                  </a:lnTo>
-                  <a:lnTo>
-                    <a:pt x="479" y="2423"/>
-                  </a:lnTo>
-                  <a:lnTo>
-                    <a:pt x="469" y="2449"/>
-                  </a:lnTo>
-                  <a:lnTo>
-                    <a:pt x="460" y="2478"/>
-                  </a:lnTo>
-                  <a:lnTo>
-                    <a:pt x="453" y="2511"/>
-                  </a:lnTo>
-                  <a:lnTo>
-                    <a:pt x="448" y="2549"/>
-                  </a:lnTo>
-                  <a:lnTo>
-                    <a:pt x="447" y="2592"/>
-                  </a:lnTo>
-                  <a:lnTo>
-                    <a:pt x="448" y="2635"/>
-                  </a:lnTo>
-                  <a:lnTo>
-                    <a:pt x="453" y="2673"/>
-                  </a:lnTo>
-                  <a:lnTo>
-                    <a:pt x="460" y="2706"/>
-                  </a:lnTo>
-                  <a:lnTo>
-                    <a:pt x="469" y="2735"/>
-                  </a:lnTo>
-                  <a:lnTo>
-                    <a:pt x="479" y="2761"/>
-                  </a:lnTo>
-                  <a:lnTo>
-                    <a:pt x="491" y="2784"/>
-                  </a:lnTo>
-                  <a:lnTo>
-                    <a:pt x="515" y="2832"/>
-                  </a:lnTo>
-                  <a:lnTo>
-                    <a:pt x="525" y="2855"/>
-                  </a:lnTo>
-                  <a:lnTo>
-                    <a:pt x="535" y="2881"/>
-                  </a:lnTo>
-                  <a:lnTo>
-                    <a:pt x="545" y="2910"/>
-                  </a:lnTo>
-                  <a:lnTo>
-                    <a:pt x="552" y="2943"/>
-                  </a:lnTo>
-                  <a:lnTo>
-                    <a:pt x="556" y="2981"/>
-                  </a:lnTo>
-                  <a:lnTo>
-                    <a:pt x="558" y="3024"/>
-                  </a:lnTo>
-                  <a:lnTo>
-                    <a:pt x="556" y="3067"/>
-                  </a:lnTo>
-                  <a:lnTo>
-                    <a:pt x="552" y="3105"/>
-                  </a:lnTo>
-                  <a:lnTo>
-                    <a:pt x="545" y="3138"/>
-                  </a:lnTo>
-                  <a:lnTo>
-                    <a:pt x="535" y="3167"/>
-                  </a:lnTo>
-                  <a:lnTo>
-                    <a:pt x="525" y="3193"/>
-                  </a:lnTo>
-                  <a:lnTo>
-                    <a:pt x="515" y="3216"/>
-                  </a:lnTo>
-                  <a:lnTo>
-                    <a:pt x="503" y="3240"/>
-                  </a:lnTo>
-                  <a:lnTo>
-                    <a:pt x="491" y="3264"/>
-                  </a:lnTo>
-                  <a:lnTo>
-                    <a:pt x="479" y="3287"/>
-                  </a:lnTo>
-                  <a:lnTo>
-                    <a:pt x="469" y="3313"/>
-                  </a:lnTo>
-                  <a:lnTo>
-                    <a:pt x="460" y="3342"/>
-                  </a:lnTo>
-                  <a:lnTo>
-                    <a:pt x="453" y="3375"/>
-                  </a:lnTo>
-                  <a:lnTo>
-                    <a:pt x="448" y="3413"/>
-                  </a:lnTo>
-                  <a:lnTo>
-                    <a:pt x="447" y="3456"/>
-                  </a:lnTo>
-                  <a:lnTo>
-                    <a:pt x="448" y="3499"/>
-                  </a:lnTo>
-                  <a:lnTo>
-                    <a:pt x="453" y="3537"/>
-                  </a:lnTo>
-                  <a:lnTo>
-                    <a:pt x="460" y="3570"/>
-                  </a:lnTo>
-                  <a:lnTo>
-                    <a:pt x="469" y="3599"/>
-                  </a:lnTo>
-                  <a:lnTo>
-                    <a:pt x="479" y="3625"/>
-                  </a:lnTo>
-                  <a:lnTo>
-                    <a:pt x="491" y="3648"/>
-                  </a:lnTo>
-                  <a:lnTo>
-                    <a:pt x="503" y="3672"/>
-                  </a:lnTo>
-                  <a:lnTo>
-                    <a:pt x="515" y="3696"/>
-                  </a:lnTo>
-                  <a:lnTo>
-                    <a:pt x="525" y="3719"/>
-                  </a:lnTo>
-                  <a:lnTo>
-                    <a:pt x="535" y="3745"/>
-                  </a:lnTo>
-                  <a:lnTo>
-                    <a:pt x="545" y="3774"/>
-                  </a:lnTo>
-                  <a:lnTo>
-                    <a:pt x="552" y="3807"/>
-                  </a:lnTo>
-                  <a:lnTo>
-                    <a:pt x="556" y="3845"/>
-                  </a:lnTo>
-                  <a:lnTo>
-                    <a:pt x="558" y="3888"/>
-                  </a:lnTo>
-                  <a:lnTo>
-                    <a:pt x="556" y="3931"/>
-                  </a:lnTo>
-                  <a:lnTo>
-                    <a:pt x="552" y="3969"/>
-                  </a:lnTo>
-                  <a:lnTo>
-                    <a:pt x="545" y="4002"/>
-                  </a:lnTo>
-                  <a:lnTo>
-                    <a:pt x="535" y="4031"/>
-                  </a:lnTo>
-                  <a:lnTo>
-                    <a:pt x="525" y="4057"/>
-                  </a:lnTo>
-                  <a:lnTo>
-                    <a:pt x="515" y="4080"/>
-                  </a:lnTo>
-                  <a:lnTo>
-                    <a:pt x="503" y="4104"/>
-                  </a:lnTo>
-                  <a:lnTo>
-                    <a:pt x="491" y="4128"/>
-                  </a:lnTo>
-                  <a:lnTo>
-                    <a:pt x="479" y="4151"/>
-                  </a:lnTo>
-                  <a:lnTo>
-                    <a:pt x="469" y="4177"/>
-                  </a:lnTo>
-                  <a:lnTo>
-                    <a:pt x="460" y="4206"/>
-                  </a:lnTo>
-                  <a:lnTo>
-                    <a:pt x="453" y="4239"/>
-                  </a:lnTo>
-                  <a:lnTo>
-                    <a:pt x="448" y="4277"/>
-                  </a:lnTo>
-                  <a:lnTo>
-                    <a:pt x="447" y="4320"/>
-                  </a:lnTo>
-                  <a:lnTo>
-                    <a:pt x="0" y="4320"/>
-                  </a:lnTo>
-                  <a:lnTo>
-                    <a:pt x="0" y="0"/>
-                  </a:lnTo>
-                  <a:close/>
-                </a:path>
-              </a:pathLst>
-            </a:custGeom>
-            <a:solidFill>
-              <a:srgbClr val="FFFFFF"/>
-            </a:solidFill>
-            <a:ln w="0">
-              <a:noFill/>
-              <a:prstDash val="solid"/>
-              <a:round/>
-              <a:headEnd/>
-              <a:tailEnd/>
-            </a:ln>
-          </p:spPr>
-        </p:sp>
-        <p:sp>
-          <p:nvSpPr>
-            <p:cNvPr id="76" name="Freeform 6">
-              <a:extLst>
-                <a:ext uri="{FF2B5EF4-FFF2-40B4-BE49-F238E27FC236}">
-                  <a16:creationId xmlns:a16="http://schemas.microsoft.com/office/drawing/2014/main" id="{6751C2C2-B295-4CDA-9112-A35D684DCB55}"/>
-                </a:ext>
-                <a:ext uri="{C183D7F6-B498-43B3-948B-1728B52AA6E4}">
-                  <adec:decorative xmlns:adec="http://schemas.microsoft.com/office/drawing/2017/decorative" val="1"/>
-                </a:ext>
-              </a:extLst>
-            </p:cNvPr>
-            <p:cNvSpPr/>
-            <p:nvPr>
-              <p:extLst>
-                <p:ext uri="{386F3935-93C4-4BCD-93E2-E3B085C9AB24}">
-                  <p16:designElem xmlns:p16="http://schemas.microsoft.com/office/powerpoint/2015/main" val="1"/>
-                </p:ext>
-              </p:extLst>
-            </p:nvPr>
-          </p:nvSpPr>
-          <p:spPr bwMode="auto">
-            <a:xfrm>
-              <a:off x="0" y="0"/>
-              <a:ext cx="885825" cy="6858000"/>
-            </a:xfrm>
-            <a:custGeom>
-              <a:avLst/>
-              <a:gdLst/>
-              <a:ahLst/>
-              <a:cxnLst/>
-              <a:rect l="0" t="0" r="r" b="b"/>
-              <a:pathLst>
-                <a:path w="558" h="4320">
-                  <a:moveTo>
-                    <a:pt x="0" y="0"/>
-                  </a:moveTo>
-                  <a:lnTo>
-                    <a:pt x="447" y="0"/>
-                  </a:lnTo>
-                  <a:lnTo>
-                    <a:pt x="448" y="43"/>
-                  </a:lnTo>
-                  <a:lnTo>
-                    <a:pt x="453" y="81"/>
-                  </a:lnTo>
-                  <a:lnTo>
-                    <a:pt x="460" y="114"/>
-                  </a:lnTo>
-                  <a:lnTo>
-                    <a:pt x="469" y="143"/>
-                  </a:lnTo>
-                  <a:lnTo>
-                    <a:pt x="479" y="169"/>
-                  </a:lnTo>
-                  <a:lnTo>
-                    <a:pt x="491" y="192"/>
-                  </a:lnTo>
-                  <a:lnTo>
-                    <a:pt x="503" y="216"/>
-                  </a:lnTo>
-                  <a:lnTo>
-                    <a:pt x="515" y="240"/>
-                  </a:lnTo>
-                  <a:lnTo>
-                    <a:pt x="525" y="263"/>
-                  </a:lnTo>
-                  <a:lnTo>
-                    <a:pt x="535" y="289"/>
-                  </a:lnTo>
-                  <a:lnTo>
-                    <a:pt x="545" y="318"/>
-                  </a:lnTo>
-                  <a:lnTo>
-                    <a:pt x="552" y="351"/>
-                  </a:lnTo>
-                  <a:lnTo>
-                    <a:pt x="556" y="389"/>
-                  </a:lnTo>
-                  <a:lnTo>
-                    <a:pt x="558" y="432"/>
-                  </a:lnTo>
-                  <a:lnTo>
-                    <a:pt x="556" y="475"/>
-                  </a:lnTo>
-                  <a:lnTo>
-                    <a:pt x="552" y="513"/>
-                  </a:lnTo>
-                  <a:lnTo>
-                    <a:pt x="545" y="546"/>
-                  </a:lnTo>
-                  <a:lnTo>
-                    <a:pt x="535" y="575"/>
-                  </a:lnTo>
-                  <a:lnTo>
-                    <a:pt x="525" y="601"/>
-                  </a:lnTo>
-                  <a:lnTo>
-                    <a:pt x="515" y="624"/>
-                  </a:lnTo>
-                  <a:lnTo>
-                    <a:pt x="503" y="648"/>
-                  </a:lnTo>
-                  <a:lnTo>
-                    <a:pt x="491" y="672"/>
-                  </a:lnTo>
-                  <a:lnTo>
-                    <a:pt x="479" y="695"/>
-                  </a:lnTo>
-                  <a:lnTo>
-                    <a:pt x="469" y="721"/>
-                  </a:lnTo>
-                  <a:lnTo>
-                    <a:pt x="460" y="750"/>
-                  </a:lnTo>
-                  <a:lnTo>
-                    <a:pt x="453" y="783"/>
-                  </a:lnTo>
-                  <a:lnTo>
-                    <a:pt x="448" y="821"/>
-                  </a:lnTo>
-                  <a:lnTo>
-                    <a:pt x="447" y="864"/>
-                  </a:lnTo>
-                  <a:lnTo>
-                    <a:pt x="448" y="907"/>
-                  </a:lnTo>
-                  <a:lnTo>
-                    <a:pt x="453" y="945"/>
-                  </a:lnTo>
-                  <a:lnTo>
-                    <a:pt x="460" y="978"/>
-                  </a:lnTo>
-                  <a:lnTo>
-                    <a:pt x="469" y="1007"/>
-                  </a:lnTo>
-                  <a:lnTo>
-                    <a:pt x="479" y="1033"/>
-                  </a:lnTo>
-                  <a:lnTo>
-                    <a:pt x="491" y="1056"/>
-                  </a:lnTo>
-                  <a:lnTo>
-                    <a:pt x="503" y="1080"/>
-                  </a:lnTo>
-                  <a:lnTo>
-                    <a:pt x="515" y="1104"/>
-                  </a:lnTo>
-                  <a:lnTo>
-                    <a:pt x="525" y="1127"/>
-                  </a:lnTo>
-                  <a:lnTo>
-                    <a:pt x="535" y="1153"/>
-                  </a:lnTo>
-                  <a:lnTo>
-                    <a:pt x="545" y="1182"/>
-                  </a:lnTo>
-                  <a:lnTo>
-                    <a:pt x="552" y="1215"/>
-                  </a:lnTo>
-                  <a:lnTo>
-                    <a:pt x="556" y="1253"/>
-                  </a:lnTo>
-                  <a:lnTo>
-                    <a:pt x="558" y="1296"/>
-                  </a:lnTo>
-                  <a:lnTo>
-                    <a:pt x="556" y="1339"/>
-                  </a:lnTo>
-                  <a:lnTo>
-                    <a:pt x="552" y="1377"/>
-                  </a:lnTo>
-                  <a:lnTo>
-                    <a:pt x="545" y="1410"/>
-                  </a:lnTo>
-                  <a:lnTo>
-                    <a:pt x="535" y="1439"/>
-                  </a:lnTo>
-                  <a:lnTo>
-                    <a:pt x="525" y="1465"/>
-                  </a:lnTo>
-                  <a:lnTo>
-                    <a:pt x="515" y="1488"/>
-                  </a:lnTo>
-                  <a:lnTo>
-                    <a:pt x="503" y="1512"/>
-                  </a:lnTo>
-                  <a:lnTo>
-                    <a:pt x="491" y="1536"/>
-                  </a:lnTo>
-                  <a:lnTo>
-                    <a:pt x="479" y="1559"/>
-                  </a:lnTo>
-                  <a:lnTo>
-                    <a:pt x="469" y="1585"/>
-                  </a:lnTo>
-                  <a:lnTo>
-                    <a:pt x="460" y="1614"/>
-                  </a:lnTo>
-                  <a:lnTo>
-                    <a:pt x="453" y="1647"/>
-                  </a:lnTo>
-                  <a:lnTo>
-                    <a:pt x="448" y="1685"/>
-                  </a:lnTo>
-                  <a:lnTo>
-                    <a:pt x="447" y="1728"/>
-                  </a:lnTo>
-                  <a:lnTo>
-                    <a:pt x="448" y="1771"/>
-                  </a:lnTo>
-                  <a:lnTo>
-                    <a:pt x="453" y="1809"/>
-                  </a:lnTo>
-                  <a:lnTo>
-                    <a:pt x="460" y="1842"/>
-                  </a:lnTo>
-                  <a:lnTo>
-                    <a:pt x="469" y="1871"/>
-                  </a:lnTo>
-                  <a:lnTo>
-                    <a:pt x="479" y="1897"/>
-                  </a:lnTo>
-                  <a:lnTo>
-                    <a:pt x="491" y="1920"/>
-                  </a:lnTo>
-                  <a:lnTo>
-                    <a:pt x="503" y="1944"/>
-                  </a:lnTo>
-                  <a:lnTo>
-                    <a:pt x="515" y="1968"/>
-                  </a:lnTo>
-                  <a:lnTo>
-                    <a:pt x="525" y="1991"/>
-                  </a:lnTo>
-                  <a:lnTo>
-                    <a:pt x="535" y="2017"/>
-                  </a:lnTo>
-                  <a:lnTo>
-                    <a:pt x="545" y="2046"/>
-                  </a:lnTo>
-                  <a:lnTo>
-                    <a:pt x="552" y="2079"/>
-                  </a:lnTo>
-                  <a:lnTo>
-                    <a:pt x="556" y="2117"/>
-                  </a:lnTo>
-                  <a:lnTo>
-                    <a:pt x="558" y="2159"/>
-                  </a:lnTo>
-                  <a:lnTo>
-                    <a:pt x="556" y="2203"/>
-                  </a:lnTo>
-                  <a:lnTo>
-                    <a:pt x="552" y="2241"/>
-                  </a:lnTo>
-                  <a:lnTo>
-                    <a:pt x="545" y="2274"/>
-                  </a:lnTo>
-                  <a:lnTo>
-                    <a:pt x="535" y="2303"/>
-                  </a:lnTo>
-                  <a:lnTo>
-                    <a:pt x="525" y="2329"/>
-                  </a:lnTo>
-                  <a:lnTo>
-                    <a:pt x="515" y="2352"/>
-                  </a:lnTo>
-                  <a:lnTo>
-                    <a:pt x="503" y="2376"/>
-                  </a:lnTo>
-                  <a:lnTo>
-                    <a:pt x="491" y="2400"/>
-                  </a:lnTo>
-                  <a:lnTo>
-                    <a:pt x="479" y="2423"/>
-                  </a:lnTo>
-                  <a:lnTo>
-                    <a:pt x="469" y="2449"/>
-                  </a:lnTo>
-                  <a:lnTo>
-                    <a:pt x="460" y="2478"/>
-                  </a:lnTo>
-                  <a:lnTo>
-                    <a:pt x="453" y="2511"/>
-                  </a:lnTo>
-                  <a:lnTo>
-                    <a:pt x="448" y="2549"/>
-                  </a:lnTo>
-                  <a:lnTo>
-                    <a:pt x="447" y="2592"/>
-                  </a:lnTo>
-                  <a:lnTo>
-                    <a:pt x="448" y="2635"/>
-                  </a:lnTo>
-                  <a:lnTo>
-                    <a:pt x="453" y="2673"/>
-                  </a:lnTo>
-                  <a:lnTo>
-                    <a:pt x="460" y="2706"/>
-                  </a:lnTo>
-                  <a:lnTo>
-                    <a:pt x="469" y="2735"/>
-                  </a:lnTo>
-                  <a:lnTo>
-                    <a:pt x="479" y="2761"/>
-                  </a:lnTo>
-                  <a:lnTo>
-                    <a:pt x="491" y="2784"/>
-                  </a:lnTo>
-                  <a:lnTo>
-                    <a:pt x="515" y="2832"/>
-                  </a:lnTo>
-                  <a:lnTo>
-                    <a:pt x="525" y="2855"/>
-                  </a:lnTo>
-                  <a:lnTo>
-                    <a:pt x="535" y="2881"/>
-                  </a:lnTo>
-                  <a:lnTo>
-                    <a:pt x="545" y="2910"/>
-                  </a:lnTo>
-                  <a:lnTo>
-                    <a:pt x="552" y="2943"/>
-                  </a:lnTo>
-                  <a:lnTo>
-                    <a:pt x="556" y="2981"/>
-                  </a:lnTo>
-                  <a:lnTo>
-                    <a:pt x="558" y="3024"/>
-                  </a:lnTo>
-                  <a:lnTo>
-                    <a:pt x="556" y="3067"/>
-                  </a:lnTo>
-                  <a:lnTo>
-                    <a:pt x="552" y="3105"/>
-                  </a:lnTo>
-                  <a:lnTo>
-                    <a:pt x="545" y="3138"/>
-                  </a:lnTo>
-                  <a:lnTo>
-                    <a:pt x="535" y="3167"/>
-                  </a:lnTo>
-                  <a:lnTo>
-                    <a:pt x="525" y="3193"/>
-                  </a:lnTo>
-                  <a:lnTo>
-                    <a:pt x="515" y="3216"/>
-                  </a:lnTo>
-                  <a:lnTo>
-                    <a:pt x="503" y="3240"/>
-                  </a:lnTo>
-                  <a:lnTo>
-                    <a:pt x="491" y="3264"/>
-                  </a:lnTo>
-                  <a:lnTo>
-                    <a:pt x="479" y="3287"/>
-                  </a:lnTo>
-                  <a:lnTo>
-                    <a:pt x="469" y="3313"/>
-                  </a:lnTo>
-                  <a:lnTo>
-                    <a:pt x="460" y="3342"/>
-                  </a:lnTo>
-                  <a:lnTo>
-                    <a:pt x="453" y="3375"/>
-                  </a:lnTo>
-                  <a:lnTo>
-                    <a:pt x="448" y="3413"/>
-                  </a:lnTo>
-                  <a:lnTo>
-                    <a:pt x="447" y="3456"/>
-                  </a:lnTo>
-                  <a:lnTo>
-                    <a:pt x="448" y="3499"/>
-                  </a:lnTo>
-                  <a:lnTo>
-                    <a:pt x="453" y="3537"/>
-                  </a:lnTo>
-                  <a:lnTo>
-                    <a:pt x="460" y="3570"/>
-                  </a:lnTo>
-                  <a:lnTo>
-                    <a:pt x="469" y="3599"/>
-                  </a:lnTo>
-                  <a:lnTo>
-                    <a:pt x="479" y="3625"/>
-                  </a:lnTo>
-                  <a:lnTo>
-                    <a:pt x="491" y="3648"/>
-                  </a:lnTo>
-                  <a:lnTo>
-                    <a:pt x="503" y="3672"/>
-                  </a:lnTo>
-                  <a:lnTo>
-                    <a:pt x="515" y="3696"/>
-                  </a:lnTo>
-                  <a:lnTo>
-                    <a:pt x="525" y="3719"/>
-                  </a:lnTo>
-                  <a:lnTo>
-                    <a:pt x="535" y="3745"/>
-                  </a:lnTo>
-                  <a:lnTo>
-                    <a:pt x="545" y="3774"/>
-                  </a:lnTo>
-                  <a:lnTo>
-                    <a:pt x="552" y="3807"/>
-                  </a:lnTo>
-                  <a:lnTo>
-                    <a:pt x="556" y="3845"/>
-                  </a:lnTo>
-                  <a:lnTo>
-                    <a:pt x="558" y="3888"/>
-                  </a:lnTo>
-                  <a:lnTo>
-                    <a:pt x="556" y="3931"/>
-                  </a:lnTo>
-                  <a:lnTo>
-                    <a:pt x="552" y="3969"/>
-                  </a:lnTo>
-                  <a:lnTo>
-                    <a:pt x="545" y="4002"/>
-                  </a:lnTo>
-                  <a:lnTo>
-                    <a:pt x="535" y="4031"/>
-                  </a:lnTo>
-                  <a:lnTo>
-                    <a:pt x="525" y="4057"/>
-                  </a:lnTo>
-                  <a:lnTo>
-                    <a:pt x="515" y="4080"/>
-                  </a:lnTo>
-                  <a:lnTo>
-                    <a:pt x="503" y="4104"/>
-                  </a:lnTo>
-                  <a:lnTo>
-                    <a:pt x="491" y="4128"/>
-                  </a:lnTo>
-                  <a:lnTo>
-                    <a:pt x="479" y="4151"/>
-                  </a:lnTo>
-                  <a:lnTo>
-                    <a:pt x="469" y="4177"/>
-                  </a:lnTo>
-                  <a:lnTo>
-                    <a:pt x="460" y="4206"/>
-                  </a:lnTo>
-                  <a:lnTo>
-                    <a:pt x="453" y="4239"/>
-                  </a:lnTo>
-                  <a:lnTo>
-                    <a:pt x="448" y="4277"/>
-                  </a:lnTo>
-                  <a:lnTo>
-                    <a:pt x="447" y="4320"/>
-                  </a:lnTo>
-                  <a:lnTo>
-                    <a:pt x="0" y="4320"/>
-                  </a:lnTo>
-                  <a:lnTo>
-                    <a:pt x="0" y="0"/>
-                  </a:lnTo>
-                  <a:close/>
-                </a:path>
-              </a:pathLst>
-            </a:custGeom>
-            <a:solidFill>
-              <a:schemeClr val="accent1">
-                <a:lumMod val="50000"/>
-                <a:alpha val="25000"/>
-              </a:schemeClr>
-            </a:solidFill>
-            <a:ln w="0">
-              <a:noFill/>
-              <a:prstDash val="solid"/>
-              <a:round/>
-              <a:headEnd/>
-              <a:tailEnd/>
-            </a:ln>
-          </p:spPr>
-        </p:sp>
-      </p:grpSp>
-      <p:pic>
-        <p:nvPicPr>
-          <p:cNvPr id="28" name="Picture 2" descr="feup-logo - AETICE - Associação das Empresas de Tecnologias de Informação,  Comunicação e Eletrónica">
-            <a:extLst>
-              <a:ext uri="{FF2B5EF4-FFF2-40B4-BE49-F238E27FC236}">
-                <a16:creationId xmlns:a16="http://schemas.microsoft.com/office/drawing/2014/main" id="{2685351C-A86D-884D-BC91-5E7791CE1D8D}"/>
-              </a:ext>
-            </a:extLst>
-          </p:cNvPr>
-          <p:cNvPicPr>
-            <a:picLocks noChangeAspect="1" noChangeArrowheads="1"/>
-          </p:cNvPicPr>
-          <p:nvPr/>
-        </p:nvPicPr>
-        <p:blipFill>
-          <a:blip r:embed="rId2">
-            <a:extLst>
-              <a:ext uri="{28A0092B-C50C-407E-A947-70E740481C1C}">
-                <a14:useLocalDpi xmlns:a14="http://schemas.microsoft.com/office/drawing/2010/main" val="0"/>
-              </a:ext>
-            </a:extLst>
-          </a:blip>
-          <a:srcRect/>
-          <a:stretch>
-            <a:fillRect/>
-          </a:stretch>
-        </p:blipFill>
-        <p:spPr bwMode="auto">
-          <a:xfrm>
-            <a:off x="10668987" y="5905500"/>
-            <a:ext cx="1309030" cy="580337"/>
-          </a:xfrm>
-          <a:prstGeom prst="rect">
-            <a:avLst/>
-          </a:prstGeom>
-          <a:noFill/>
-          <a:effectLst>
-            <a:glow rad="58387">
-              <a:schemeClr val="accent1">
-                <a:alpha val="40000"/>
-              </a:schemeClr>
-            </a:glow>
-            <a:outerShdw sx="1000" sy="1000" algn="ctr" rotWithShape="0">
-              <a:srgbClr val="000000"/>
-            </a:outerShdw>
-            <a:reflection blurRad="31698" stA="27000" endPos="65000" dist="91119" dir="5400000" sy="-100000" algn="bl" rotWithShape="0"/>
-            <a:softEdge rad="206"/>
-          </a:effectLst>
-          <a:extLst>
-            <a:ext uri="{909E8E84-426E-40DD-AFC4-6F175D3DCCD1}">
-              <a14:hiddenFill xmlns:a14="http://schemas.microsoft.com/office/drawing/2010/main">
-                <a:solidFill>
-                  <a:srgbClr val="FFFFFF"/>
-                </a:solidFill>
-              </a14:hiddenFill>
-            </a:ext>
-          </a:extLst>
-        </p:spPr>
-      </p:pic>
-      <p:sp>
-        <p:nvSpPr>
-          <p:cNvPr id="19" name="TextBox 18">
-            <a:extLst>
-              <a:ext uri="{FF2B5EF4-FFF2-40B4-BE49-F238E27FC236}">
-                <a16:creationId xmlns:a16="http://schemas.microsoft.com/office/drawing/2014/main" id="{B6F6B144-968C-1A48-BA6A-12B05F10C846}"/>
-              </a:ext>
-            </a:extLst>
-          </p:cNvPr>
-          <p:cNvSpPr txBox="1"/>
-          <p:nvPr/>
-        </p:nvSpPr>
-        <p:spPr>
-          <a:xfrm>
-            <a:off x="67277" y="6412638"/>
-            <a:ext cx="1851577" cy="661720"/>
-          </a:xfrm>
-          <a:prstGeom prst="rect">
-            <a:avLst/>
-          </a:prstGeom>
-          <a:noFill/>
-        </p:spPr>
-        <p:txBody>
-          <a:bodyPr wrap="square" rtlCol="0">
-            <a:spAutoFit/>
-          </a:bodyPr>
-          <a:lstStyle/>
-          <a:p>
-            <a:pPr>
-              <a:spcAft>
-                <a:spcPts val="600"/>
-              </a:spcAft>
-            </a:pPr>
-            <a:r>
-              <a:rPr lang="en-US" sz="1600" dirty="0"/>
-              <a:t>AED </a:t>
-            </a:r>
-            <a:r>
-              <a:rPr lang="en-US" sz="1400" dirty="0"/>
-              <a:t>2021/2022</a:t>
-            </a:r>
-            <a:endParaRPr lang="en-US" sz="1600" dirty="0"/>
-          </a:p>
-          <a:p>
-            <a:pPr>
-              <a:spcAft>
-                <a:spcPts val="600"/>
-              </a:spcAft>
-            </a:pPr>
-            <a:endParaRPr lang="en-PT" sz="1600" dirty="0"/>
-          </a:p>
-        </p:txBody>
-      </p:sp>
-      <p:sp>
-        <p:nvSpPr>
-          <p:cNvPr id="21" name="Marcador de Posição de Conteúdo 2">
-            <a:extLst>
-              <a:ext uri="{FF2B5EF4-FFF2-40B4-BE49-F238E27FC236}">
-                <a16:creationId xmlns:a16="http://schemas.microsoft.com/office/drawing/2014/main" id="{FEE20BCB-141C-C445-8B00-F22ED5320674}"/>
-              </a:ext>
-            </a:extLst>
-          </p:cNvPr>
-          <p:cNvSpPr txBox="1">
-            <a:spLocks/>
-          </p:cNvSpPr>
-          <p:nvPr/>
-        </p:nvSpPr>
-        <p:spPr>
-          <a:xfrm>
-            <a:off x="537725" y="2149352"/>
-            <a:ext cx="6626072" cy="2138870"/>
-          </a:xfrm>
-          <a:prstGeom prst="rect">
-            <a:avLst/>
-          </a:prstGeom>
-        </p:spPr>
-        <p:txBody>
-          <a:bodyPr vert="horz" lIns="91440" tIns="45720" rIns="91440" bIns="45720" rtlCol="0">
-            <a:noAutofit/>
-          </a:bodyPr>
-          <a:lstStyle>
-            <a:lvl1pPr marL="0" indent="0" algn="ctr" defTabSz="914400" rtl="0" eaLnBrk="1" latinLnBrk="0" hangingPunct="1">
-              <a:lnSpc>
-                <a:spcPct val="90000"/>
-              </a:lnSpc>
-              <a:spcBef>
-                <a:spcPts val="1000"/>
-              </a:spcBef>
-              <a:buFont typeface="Arial" panose="020B0604020202020204" pitchFamily="34" charset="0"/>
-              <a:buNone/>
-              <a:defRPr sz="2400" kern="1200">
-                <a:solidFill>
-                  <a:schemeClr val="tx1"/>
-                </a:solidFill>
-                <a:latin typeface="+mn-lt"/>
-                <a:ea typeface="+mn-ea"/>
-                <a:cs typeface="+mn-cs"/>
-              </a:defRPr>
-            </a:lvl1pPr>
-            <a:lvl2pPr marL="457200" indent="0" algn="ctr" defTabSz="914400" rtl="0" eaLnBrk="1" latinLnBrk="0" hangingPunct="1">
-              <a:lnSpc>
-                <a:spcPct val="90000"/>
-              </a:lnSpc>
-              <a:spcBef>
-                <a:spcPts val="500"/>
-              </a:spcBef>
-              <a:buFont typeface="Arial" panose="020B0604020202020204" pitchFamily="34" charset="0"/>
-              <a:buNone/>
-              <a:defRPr sz="2000" kern="1200">
-                <a:solidFill>
-                  <a:schemeClr val="tx1"/>
-                </a:solidFill>
-                <a:latin typeface="+mn-lt"/>
-                <a:ea typeface="+mn-ea"/>
-                <a:cs typeface="+mn-cs"/>
-              </a:defRPr>
-            </a:lvl2pPr>
-            <a:lvl3pPr marL="914400" indent="0" algn="ctr" defTabSz="914400" rtl="0" eaLnBrk="1" latinLnBrk="0" hangingPunct="1">
-              <a:lnSpc>
-                <a:spcPct val="90000"/>
-              </a:lnSpc>
-              <a:spcBef>
-                <a:spcPts val="500"/>
-              </a:spcBef>
-              <a:buFont typeface="Arial" panose="020B0604020202020204" pitchFamily="34" charset="0"/>
-              <a:buNone/>
-              <a:defRPr sz="1800" kern="1200">
-                <a:solidFill>
-                  <a:schemeClr val="tx1"/>
-                </a:solidFill>
-                <a:latin typeface="+mn-lt"/>
-                <a:ea typeface="+mn-ea"/>
-                <a:cs typeface="+mn-cs"/>
-              </a:defRPr>
-            </a:lvl3pPr>
-            <a:lvl4pPr marL="1371600" indent="0" algn="ctr" defTabSz="914400" rtl="0" eaLnBrk="1" latinLnBrk="0" hangingPunct="1">
-              <a:lnSpc>
-                <a:spcPct val="90000"/>
-              </a:lnSpc>
-              <a:spcBef>
-                <a:spcPts val="500"/>
-              </a:spcBef>
-              <a:buFont typeface="Arial" panose="020B0604020202020204" pitchFamily="34" charset="0"/>
-              <a:buNone/>
-              <a:defRPr sz="1600" kern="1200">
-                <a:solidFill>
-                  <a:schemeClr val="tx1"/>
-                </a:solidFill>
-                <a:latin typeface="+mn-lt"/>
-                <a:ea typeface="+mn-ea"/>
-                <a:cs typeface="+mn-cs"/>
-              </a:defRPr>
-            </a:lvl4pPr>
-            <a:lvl5pPr marL="1828800" indent="0" algn="ctr" defTabSz="914400" rtl="0" eaLnBrk="1" latinLnBrk="0" hangingPunct="1">
-              <a:lnSpc>
-                <a:spcPct val="90000"/>
-              </a:lnSpc>
-              <a:spcBef>
-                <a:spcPts val="500"/>
-              </a:spcBef>
-              <a:buFont typeface="Arial" panose="020B0604020202020204" pitchFamily="34" charset="0"/>
-              <a:buNone/>
-              <a:defRPr sz="1600" kern="1200">
-                <a:solidFill>
-                  <a:schemeClr val="tx1"/>
-                </a:solidFill>
-                <a:latin typeface="+mn-lt"/>
-                <a:ea typeface="+mn-ea"/>
-                <a:cs typeface="+mn-cs"/>
-              </a:defRPr>
-            </a:lvl5pPr>
-            <a:lvl6pPr marL="2286000" indent="0" algn="ctr" defTabSz="914400" rtl="0" eaLnBrk="1" latinLnBrk="0" hangingPunct="1">
-              <a:lnSpc>
-                <a:spcPct val="90000"/>
-              </a:lnSpc>
-              <a:spcBef>
-                <a:spcPts val="500"/>
-              </a:spcBef>
-              <a:buFont typeface="Arial" panose="020B0604020202020204" pitchFamily="34" charset="0"/>
-              <a:buNone/>
-              <a:defRPr sz="1600" kern="1200">
-                <a:solidFill>
-                  <a:schemeClr val="tx1"/>
-                </a:solidFill>
-                <a:latin typeface="+mn-lt"/>
-                <a:ea typeface="+mn-ea"/>
-                <a:cs typeface="+mn-cs"/>
-              </a:defRPr>
-            </a:lvl6pPr>
-            <a:lvl7pPr marL="2743200" indent="0" algn="ctr" defTabSz="914400" rtl="0" eaLnBrk="1" latinLnBrk="0" hangingPunct="1">
-              <a:lnSpc>
-                <a:spcPct val="90000"/>
-              </a:lnSpc>
-              <a:spcBef>
-                <a:spcPts val="500"/>
-              </a:spcBef>
-              <a:buFont typeface="Arial" panose="020B0604020202020204" pitchFamily="34" charset="0"/>
-              <a:buNone/>
-              <a:defRPr sz="1600" kern="1200">
-                <a:solidFill>
-                  <a:schemeClr val="tx1"/>
-                </a:solidFill>
-                <a:latin typeface="+mn-lt"/>
-                <a:ea typeface="+mn-ea"/>
-                <a:cs typeface="+mn-cs"/>
-              </a:defRPr>
-            </a:lvl7pPr>
-            <a:lvl8pPr marL="3200400" indent="0" algn="ctr" defTabSz="914400" rtl="0" eaLnBrk="1" latinLnBrk="0" hangingPunct="1">
-              <a:lnSpc>
-                <a:spcPct val="90000"/>
-              </a:lnSpc>
-              <a:spcBef>
-                <a:spcPts val="500"/>
-              </a:spcBef>
-              <a:buFont typeface="Arial" panose="020B0604020202020204" pitchFamily="34" charset="0"/>
-              <a:buNone/>
-              <a:defRPr sz="1600" kern="1200">
-                <a:solidFill>
-                  <a:schemeClr val="tx1"/>
-                </a:solidFill>
-                <a:latin typeface="+mn-lt"/>
-                <a:ea typeface="+mn-ea"/>
-                <a:cs typeface="+mn-cs"/>
-              </a:defRPr>
-            </a:lvl8pPr>
-            <a:lvl9pPr marL="3657600" indent="0" algn="ctr" defTabSz="914400" rtl="0" eaLnBrk="1" latinLnBrk="0" hangingPunct="1">
-              <a:lnSpc>
-                <a:spcPct val="90000"/>
-              </a:lnSpc>
-              <a:spcBef>
-                <a:spcPts val="500"/>
-              </a:spcBef>
-              <a:buFont typeface="Arial" panose="020B0604020202020204" pitchFamily="34" charset="0"/>
-              <a:buNone/>
-              <a:defRPr sz="1600" kern="1200">
-                <a:solidFill>
-                  <a:schemeClr val="tx1"/>
-                </a:solidFill>
-                <a:latin typeface="+mn-lt"/>
-                <a:ea typeface="+mn-ea"/>
-                <a:cs typeface="+mn-cs"/>
-              </a:defRPr>
-            </a:lvl9pPr>
-          </a:lstStyle>
-          <a:p>
-            <a:pPr marL="800100" lvl="1" indent="-342900" algn="just">
-              <a:buFont typeface="Arial" panose="020B0604020202020204" pitchFamily="34" charset="0"/>
-              <a:buChar char="•"/>
-            </a:pPr>
-            <a:r>
-              <a:rPr lang="pt-PT" dirty="0"/>
-              <a:t>Consideramos que o mais fácil consiste no que envolve menos trocas de linhas.</a:t>
-            </a:r>
-          </a:p>
-          <a:p>
-            <a:pPr lvl="1" algn="just"/>
-            <a:endParaRPr lang="pt-PT" dirty="0"/>
-          </a:p>
-          <a:p>
-            <a:pPr marL="800100" lvl="1" indent="-342900" algn="just">
-              <a:buFont typeface="Arial" panose="020B0604020202020204" pitchFamily="34" charset="0"/>
-              <a:buChar char="•"/>
-            </a:pPr>
-            <a:r>
-              <a:rPr lang="pt-PT" dirty="0"/>
-              <a:t>A função </a:t>
-            </a:r>
-            <a:r>
-              <a:rPr lang="pt-PT" dirty="0" err="1"/>
-              <a:t>dijkstraLines</a:t>
-            </a:r>
-            <a:r>
-              <a:rPr lang="pt-PT" dirty="0"/>
-              <a:t> </a:t>
-            </a:r>
-            <a:r>
-              <a:rPr lang="pt-PT" i="1" dirty="0"/>
-              <a:t>(</a:t>
-            </a:r>
-            <a:r>
-              <a:rPr lang="en-GB" i="1" dirty="0"/>
-              <a:t>O(|</a:t>
-            </a:r>
-            <a:r>
-              <a:rPr lang="en-GB" i="1" dirty="0" err="1"/>
-              <a:t>E|log|V</a:t>
-            </a:r>
-            <a:r>
-              <a:rPr lang="en-GB" i="1" dirty="0"/>
-              <a:t>|)</a:t>
-            </a:r>
-            <a:r>
-              <a:rPr lang="pt-PT" i="1" dirty="0"/>
-              <a:t>) </a:t>
-            </a:r>
-            <a:r>
-              <a:rPr lang="pt-PT" dirty="0"/>
-              <a:t>consiste numa implementação do algoritmo de </a:t>
-            </a:r>
-            <a:r>
-              <a:rPr lang="pt-PT" dirty="0" err="1"/>
-              <a:t>Dijkstra</a:t>
-            </a:r>
-            <a:r>
-              <a:rPr lang="pt-PT" dirty="0"/>
-              <a:t>, utilizando uma Min </a:t>
-            </a:r>
-            <a:r>
-              <a:rPr lang="pt-PT" dirty="0" err="1"/>
-              <a:t>Heap</a:t>
-            </a:r>
-            <a:r>
-              <a:rPr lang="pt-PT" dirty="0"/>
-              <a:t>.</a:t>
-            </a:r>
-          </a:p>
-          <a:p>
-            <a:pPr marL="800100" lvl="1" indent="-342900" algn="just">
-              <a:buFont typeface="Arial" panose="020B0604020202020204" pitchFamily="34" charset="0"/>
-              <a:buChar char="•"/>
-            </a:pPr>
-            <a:endParaRPr lang="pt-PT" dirty="0"/>
-          </a:p>
-          <a:p>
-            <a:pPr marL="800100" lvl="1" indent="-342900" algn="just">
-              <a:buFont typeface="Arial" panose="020B0604020202020204" pitchFamily="34" charset="0"/>
-              <a:buChar char="•"/>
-            </a:pPr>
-            <a:endParaRPr lang="pt-PT" dirty="0"/>
-          </a:p>
-        </p:txBody>
-      </p:sp>
-      <p:pic>
-        <p:nvPicPr>
-          <p:cNvPr id="4" name="Picture 3" descr="Text&#10;&#10;Description automatically generated">
-            <a:extLst>
-              <a:ext uri="{FF2B5EF4-FFF2-40B4-BE49-F238E27FC236}">
-                <a16:creationId xmlns:a16="http://schemas.microsoft.com/office/drawing/2014/main" id="{A3C37D30-2C68-4B47-B4AC-EF83E8821B44}"/>
-              </a:ext>
-            </a:extLst>
-          </p:cNvPr>
-          <p:cNvPicPr>
-            <a:picLocks noChangeAspect="1"/>
-          </p:cNvPicPr>
-          <p:nvPr/>
-        </p:nvPicPr>
-        <p:blipFill>
-          <a:blip r:embed="rId3"/>
-          <a:stretch>
-            <a:fillRect/>
-          </a:stretch>
-        </p:blipFill>
-        <p:spPr>
-          <a:xfrm>
-            <a:off x="6178472" y="4305751"/>
-            <a:ext cx="5799545" cy="1618727"/>
-          </a:xfrm>
-          <a:prstGeom prst="rect">
-            <a:avLst/>
-          </a:prstGeom>
-        </p:spPr>
-      </p:pic>
-      <p:pic>
-        <p:nvPicPr>
-          <p:cNvPr id="6" name="Picture 5" descr="Graphical user interface, text&#10;&#10;Description automatically generated">
-            <a:extLst>
-              <a:ext uri="{FF2B5EF4-FFF2-40B4-BE49-F238E27FC236}">
-                <a16:creationId xmlns:a16="http://schemas.microsoft.com/office/drawing/2014/main" id="{D84FE495-FAF2-3B44-B682-FD265B53A908}"/>
-              </a:ext>
-            </a:extLst>
-          </p:cNvPr>
-          <p:cNvPicPr>
-            <a:picLocks noChangeAspect="1"/>
-          </p:cNvPicPr>
-          <p:nvPr/>
-        </p:nvPicPr>
-        <p:blipFill>
-          <a:blip r:embed="rId4"/>
-          <a:stretch>
-            <a:fillRect/>
-          </a:stretch>
-        </p:blipFill>
-        <p:spPr>
-          <a:xfrm>
-            <a:off x="7305447" y="2362941"/>
-            <a:ext cx="4648200" cy="1328057"/>
-          </a:xfrm>
-          <a:prstGeom prst="rect">
-            <a:avLst/>
-          </a:prstGeom>
-        </p:spPr>
-      </p:pic>
-    </p:spTree>
-    <p:extLst>
-      <p:ext uri="{BB962C8B-B14F-4D97-AF65-F5344CB8AC3E}">
-        <p14:creationId xmlns:p14="http://schemas.microsoft.com/office/powerpoint/2010/main" val="2277154572"/>
       </p:ext>
     </p:extLst>
   </p:cSld>

--- a/Grafosppt.pptx
+++ b/Grafosppt.pptx
@@ -276,7 +276,7 @@
           <a:p>
             <a:fld id="{44FE7822-D642-2C4E-ACB6-FF42C4938972}" type="datetimeFigureOut">
               <a:rPr lang="en-PT" smtClean="0"/>
-              <a:t>01/30/2022</a:t>
+              <a:t>30/01/2022</a:t>
             </a:fld>
             <a:endParaRPr lang="en-PT"/>
           </a:p>
@@ -476,7 +476,7 @@
           <a:p>
             <a:fld id="{44FE7822-D642-2C4E-ACB6-FF42C4938972}" type="datetimeFigureOut">
               <a:rPr lang="en-PT" smtClean="0"/>
-              <a:t>01/30/2022</a:t>
+              <a:t>30/01/2022</a:t>
             </a:fld>
             <a:endParaRPr lang="en-PT"/>
           </a:p>
@@ -686,7 +686,7 @@
           <a:p>
             <a:fld id="{44FE7822-D642-2C4E-ACB6-FF42C4938972}" type="datetimeFigureOut">
               <a:rPr lang="en-PT" smtClean="0"/>
-              <a:t>01/30/2022</a:t>
+              <a:t>30/01/2022</a:t>
             </a:fld>
             <a:endParaRPr lang="en-PT"/>
           </a:p>
@@ -886,7 +886,7 @@
           <a:p>
             <a:fld id="{44FE7822-D642-2C4E-ACB6-FF42C4938972}" type="datetimeFigureOut">
               <a:rPr lang="en-PT" smtClean="0"/>
-              <a:t>01/30/2022</a:t>
+              <a:t>30/01/2022</a:t>
             </a:fld>
             <a:endParaRPr lang="en-PT"/>
           </a:p>
@@ -1162,7 +1162,7 @@
           <a:p>
             <a:fld id="{44FE7822-D642-2C4E-ACB6-FF42C4938972}" type="datetimeFigureOut">
               <a:rPr lang="en-PT" smtClean="0"/>
-              <a:t>01/30/2022</a:t>
+              <a:t>30/01/2022</a:t>
             </a:fld>
             <a:endParaRPr lang="en-PT"/>
           </a:p>
@@ -1430,7 +1430,7 @@
           <a:p>
             <a:fld id="{44FE7822-D642-2C4E-ACB6-FF42C4938972}" type="datetimeFigureOut">
               <a:rPr lang="en-PT" smtClean="0"/>
-              <a:t>01/30/2022</a:t>
+              <a:t>30/01/2022</a:t>
             </a:fld>
             <a:endParaRPr lang="en-PT"/>
           </a:p>
@@ -1845,7 +1845,7 @@
           <a:p>
             <a:fld id="{44FE7822-D642-2C4E-ACB6-FF42C4938972}" type="datetimeFigureOut">
               <a:rPr lang="en-PT" smtClean="0"/>
-              <a:t>01/30/2022</a:t>
+              <a:t>30/01/2022</a:t>
             </a:fld>
             <a:endParaRPr lang="en-PT"/>
           </a:p>
@@ -1987,7 +1987,7 @@
           <a:p>
             <a:fld id="{44FE7822-D642-2C4E-ACB6-FF42C4938972}" type="datetimeFigureOut">
               <a:rPr lang="en-PT" smtClean="0"/>
-              <a:t>01/30/2022</a:t>
+              <a:t>30/01/2022</a:t>
             </a:fld>
             <a:endParaRPr lang="en-PT"/>
           </a:p>
@@ -2100,7 +2100,7 @@
           <a:p>
             <a:fld id="{44FE7822-D642-2C4E-ACB6-FF42C4938972}" type="datetimeFigureOut">
               <a:rPr lang="en-PT" smtClean="0"/>
-              <a:t>01/30/2022</a:t>
+              <a:t>30/01/2022</a:t>
             </a:fld>
             <a:endParaRPr lang="en-PT"/>
           </a:p>
@@ -2413,7 +2413,7 @@
           <a:p>
             <a:fld id="{44FE7822-D642-2C4E-ACB6-FF42C4938972}" type="datetimeFigureOut">
               <a:rPr lang="en-PT" smtClean="0"/>
-              <a:t>01/30/2022</a:t>
+              <a:t>30/01/2022</a:t>
             </a:fld>
             <a:endParaRPr lang="en-PT"/>
           </a:p>
@@ -2702,7 +2702,7 @@
           <a:p>
             <a:fld id="{44FE7822-D642-2C4E-ACB6-FF42C4938972}" type="datetimeFigureOut">
               <a:rPr lang="en-PT" smtClean="0"/>
-              <a:t>01/30/2022</a:t>
+              <a:t>30/01/2022</a:t>
             </a:fld>
             <a:endParaRPr lang="en-PT"/>
           </a:p>
@@ -2945,7 +2945,7 @@
           <a:p>
             <a:fld id="{44FE7822-D642-2C4E-ACB6-FF42C4938972}" type="datetimeFigureOut">
               <a:rPr lang="en-PT" smtClean="0"/>
-              <a:t>01/30/2022</a:t>
+              <a:t>30/01/2022</a:t>
             </a:fld>
             <a:endParaRPr lang="en-PT"/>
           </a:p>
@@ -14528,7 +14528,7 @@
             </a:pPr>
             <a:r>
               <a:rPr lang="pt-PT" sz="2200" dirty="0"/>
-              <a:t>Alexandre Correia – Leitura de dados e algoritmos em grafos</a:t>
+              <a:t>Alexandre Correia – Algoritmos em grafos</a:t>
             </a:r>
           </a:p>
           <a:p>
@@ -14538,7 +14538,7 @@
             </a:pPr>
             <a:r>
               <a:rPr lang="pt-PT" sz="2200" dirty="0"/>
-              <a:t>Henrique Silva – </a:t>
+              <a:t>Henrique Silva – Leitura de dados</a:t>
             </a:r>
           </a:p>
           <a:p>
@@ -14548,8 +14548,13 @@
             </a:pPr>
             <a:r>
               <a:rPr lang="pt-PT" sz="2200" dirty="0"/>
-              <a:t>Tiago Branquinho – Apresentação e Menu</a:t>
-            </a:r>
+              <a:t>Tiago </a:t>
+            </a:r>
+            <a:r>
+              <a:rPr lang="pt-PT" sz="2200"/>
+              <a:t>Branquinho – Menu</a:t>
+            </a:r>
+            <a:endParaRPr lang="pt-PT" sz="2200" dirty="0"/>
           </a:p>
         </p:txBody>
       </p:sp>

--- a/Grafosppt.pptx
+++ b/Grafosppt.pptx
@@ -20736,7 +20736,7 @@
             </a:pPr>
             <a:r>
               <a:rPr lang="pt-PT" dirty="0"/>
-              <a:t>Usado para calcular caminhos com menos mudanças de zona, menos paragens e menor distancia consoante o peso usado nas aresta.</a:t>
+              <a:t>Usado para calcular caminhos com menos mudanças de zona, menos paragens e menor distancia consoante o peso usado nas arestas.</a:t>
             </a:r>
           </a:p>
         </p:txBody>
@@ -23014,22 +23014,12 @@
             </a:pPr>
             <a:r>
               <a:rPr lang="en-US" sz="2400" dirty="0" err="1"/>
-              <a:t>Harversine</a:t>
+              <a:t>Fórmula</a:t>
             </a:r>
             <a:r>
               <a:rPr lang="en-US" sz="2400" dirty="0"/>
-              <a:t> formula</a:t>
-            </a:r>
-          </a:p>
-          <a:p>
-            <a:pPr marL="800100" lvl="1" indent="-228600">
-              <a:lnSpc>
-                <a:spcPct val="90000"/>
-              </a:lnSpc>
-              <a:buFont typeface="Arial" panose="020B0604020202020204" pitchFamily="34" charset="0"/>
-              <a:buChar char="•"/>
-            </a:pPr>
-            <a:endParaRPr lang="en-US" sz="2400" dirty="0"/>
+              <a:t> de Haversine</a:t>
+            </a:r>
           </a:p>
           <a:p>
             <a:pPr marL="800100" lvl="1" indent="-228600">
